--- a/Lessons/B_IntroToDM_EDA/IntroToDM_EDA.pptx
+++ b/Lessons/B_IntroToDM_EDA/IntroToDM_EDA.pptx
@@ -5,67 +5,65 @@
     <p:sldMasterId id="2147483672" r:id="rId1"/>
   </p:sldMasterIdLst>
   <p:notesMasterIdLst>
-    <p:notesMasterId r:id="rId60"/>
+    <p:notesMasterId r:id="rId58"/>
   </p:notesMasterIdLst>
   <p:sldIdLst>
     <p:sldId id="465" r:id="rId2"/>
-    <p:sldId id="605" r:id="rId3"/>
-    <p:sldId id="606" r:id="rId4"/>
-    <p:sldId id="384" r:id="rId5"/>
-    <p:sldId id="427" r:id="rId6"/>
-    <p:sldId id="451" r:id="rId7"/>
-    <p:sldId id="385" r:id="rId8"/>
-    <p:sldId id="386" r:id="rId9"/>
-    <p:sldId id="387" r:id="rId10"/>
-    <p:sldId id="388" r:id="rId11"/>
-    <p:sldId id="389" r:id="rId12"/>
-    <p:sldId id="390" r:id="rId13"/>
-    <p:sldId id="391" r:id="rId14"/>
-    <p:sldId id="392" r:id="rId15"/>
-    <p:sldId id="393" r:id="rId16"/>
-    <p:sldId id="436" r:id="rId17"/>
-    <p:sldId id="394" r:id="rId18"/>
-    <p:sldId id="395" r:id="rId19"/>
-    <p:sldId id="396" r:id="rId20"/>
-    <p:sldId id="397" r:id="rId21"/>
-    <p:sldId id="430" r:id="rId22"/>
-    <p:sldId id="399" r:id="rId23"/>
-    <p:sldId id="401" r:id="rId24"/>
-    <p:sldId id="402" r:id="rId25"/>
-    <p:sldId id="404" r:id="rId26"/>
-    <p:sldId id="405" r:id="rId27"/>
-    <p:sldId id="432" r:id="rId28"/>
-    <p:sldId id="407" r:id="rId29"/>
-    <p:sldId id="409" r:id="rId30"/>
-    <p:sldId id="410" r:id="rId31"/>
-    <p:sldId id="411" r:id="rId32"/>
-    <p:sldId id="412" r:id="rId33"/>
-    <p:sldId id="413" r:id="rId34"/>
-    <p:sldId id="414" r:id="rId35"/>
-    <p:sldId id="415" r:id="rId36"/>
-    <p:sldId id="434" r:id="rId37"/>
-    <p:sldId id="454" r:id="rId38"/>
-    <p:sldId id="572" r:id="rId39"/>
-    <p:sldId id="588" r:id="rId40"/>
-    <p:sldId id="594" r:id="rId41"/>
-    <p:sldId id="595" r:id="rId42"/>
-    <p:sldId id="596" r:id="rId43"/>
-    <p:sldId id="539" r:id="rId44"/>
-    <p:sldId id="540" r:id="rId45"/>
-    <p:sldId id="497" r:id="rId46"/>
-    <p:sldId id="498" r:id="rId47"/>
-    <p:sldId id="471" r:id="rId48"/>
-    <p:sldId id="592" r:id="rId49"/>
-    <p:sldId id="361" r:id="rId50"/>
-    <p:sldId id="373" r:id="rId51"/>
-    <p:sldId id="376" r:id="rId52"/>
-    <p:sldId id="374" r:id="rId53"/>
-    <p:sldId id="473" r:id="rId54"/>
-    <p:sldId id="474" r:id="rId55"/>
-    <p:sldId id="475" r:id="rId56"/>
-    <p:sldId id="378" r:id="rId57"/>
-    <p:sldId id="377" r:id="rId58"/>
-    <p:sldId id="604" r:id="rId59"/>
+    <p:sldId id="384" r:id="rId3"/>
+    <p:sldId id="427" r:id="rId4"/>
+    <p:sldId id="451" r:id="rId5"/>
+    <p:sldId id="385" r:id="rId6"/>
+    <p:sldId id="386" r:id="rId7"/>
+    <p:sldId id="387" r:id="rId8"/>
+    <p:sldId id="388" r:id="rId9"/>
+    <p:sldId id="389" r:id="rId10"/>
+    <p:sldId id="390" r:id="rId11"/>
+    <p:sldId id="391" r:id="rId12"/>
+    <p:sldId id="392" r:id="rId13"/>
+    <p:sldId id="393" r:id="rId14"/>
+    <p:sldId id="436" r:id="rId15"/>
+    <p:sldId id="394" r:id="rId16"/>
+    <p:sldId id="395" r:id="rId17"/>
+    <p:sldId id="396" r:id="rId18"/>
+    <p:sldId id="397" r:id="rId19"/>
+    <p:sldId id="430" r:id="rId20"/>
+    <p:sldId id="399" r:id="rId21"/>
+    <p:sldId id="401" r:id="rId22"/>
+    <p:sldId id="402" r:id="rId23"/>
+    <p:sldId id="404" r:id="rId24"/>
+    <p:sldId id="405" r:id="rId25"/>
+    <p:sldId id="432" r:id="rId26"/>
+    <p:sldId id="407" r:id="rId27"/>
+    <p:sldId id="409" r:id="rId28"/>
+    <p:sldId id="410" r:id="rId29"/>
+    <p:sldId id="411" r:id="rId30"/>
+    <p:sldId id="412" r:id="rId31"/>
+    <p:sldId id="413" r:id="rId32"/>
+    <p:sldId id="414" r:id="rId33"/>
+    <p:sldId id="415" r:id="rId34"/>
+    <p:sldId id="434" r:id="rId35"/>
+    <p:sldId id="454" r:id="rId36"/>
+    <p:sldId id="572" r:id="rId37"/>
+    <p:sldId id="588" r:id="rId38"/>
+    <p:sldId id="594" r:id="rId39"/>
+    <p:sldId id="595" r:id="rId40"/>
+    <p:sldId id="596" r:id="rId41"/>
+    <p:sldId id="539" r:id="rId42"/>
+    <p:sldId id="540" r:id="rId43"/>
+    <p:sldId id="497" r:id="rId44"/>
+    <p:sldId id="498" r:id="rId45"/>
+    <p:sldId id="471" r:id="rId46"/>
+    <p:sldId id="592" r:id="rId47"/>
+    <p:sldId id="361" r:id="rId48"/>
+    <p:sldId id="373" r:id="rId49"/>
+    <p:sldId id="376" r:id="rId50"/>
+    <p:sldId id="374" r:id="rId51"/>
+    <p:sldId id="473" r:id="rId52"/>
+    <p:sldId id="474" r:id="rId53"/>
+    <p:sldId id="475" r:id="rId54"/>
+    <p:sldId id="378" r:id="rId55"/>
+    <p:sldId id="377" r:id="rId56"/>
+    <p:sldId id="604" r:id="rId57"/>
   </p:sldIdLst>
   <p:sldSz cx="9144000" cy="6858000" type="screen4x3"/>
   <p:notesSz cx="7010400" cy="9296400"/>
@@ -254,7 +252,7 @@
           <a:p>
             <a:fld id="{C333ABA6-B72D-4ED4-A6E7-13A0DAE65F1A}" type="datetimeFigureOut">
               <a:rPr lang="en-US" smtClean="0"/>
-              <a:t>9/11/20</a:t>
+              <a:t>2/1/21</a:t>
             </a:fld>
             <a:endParaRPr lang="en-US"/>
           </a:p>
@@ -670,7 +668,7 @@
           <a:p>
             <a:fld id="{ADC303B9-2C3E-4EA0-A819-58B20A5A846C}" type="slidenum">
               <a:rPr lang="en-US" smtClean="0"/>
-              <a:t>14</a:t>
+              <a:t>12</a:t>
             </a:fld>
             <a:endParaRPr lang="en-US"/>
           </a:p>
@@ -754,7 +752,7 @@
           <a:p>
             <a:fld id="{ADC303B9-2C3E-4EA0-A819-58B20A5A846C}" type="slidenum">
               <a:rPr lang="en-US" smtClean="0"/>
-              <a:t>15</a:t>
+              <a:t>13</a:t>
             </a:fld>
             <a:endParaRPr lang="en-US"/>
           </a:p>
@@ -838,7 +836,7 @@
           <a:p>
             <a:fld id="{ADC303B9-2C3E-4EA0-A819-58B20A5A846C}" type="slidenum">
               <a:rPr lang="en-US" smtClean="0"/>
-              <a:t>17</a:t>
+              <a:t>15</a:t>
             </a:fld>
             <a:endParaRPr lang="en-US"/>
           </a:p>
@@ -922,7 +920,7 @@
           <a:p>
             <a:fld id="{ADC303B9-2C3E-4EA0-A819-58B20A5A846C}" type="slidenum">
               <a:rPr lang="en-US" smtClean="0"/>
-              <a:t>18</a:t>
+              <a:t>16</a:t>
             </a:fld>
             <a:endParaRPr lang="en-US"/>
           </a:p>
@@ -1006,7 +1004,7 @@
           <a:p>
             <a:fld id="{ADC303B9-2C3E-4EA0-A819-58B20A5A846C}" type="slidenum">
               <a:rPr lang="en-US" smtClean="0"/>
-              <a:t>19</a:t>
+              <a:t>17</a:t>
             </a:fld>
             <a:endParaRPr lang="en-US"/>
           </a:p>
@@ -1090,7 +1088,7 @@
           <a:p>
             <a:fld id="{ADC303B9-2C3E-4EA0-A819-58B20A5A846C}" type="slidenum">
               <a:rPr lang="en-US" smtClean="0"/>
-              <a:t>20</a:t>
+              <a:t>18</a:t>
             </a:fld>
             <a:endParaRPr lang="en-US"/>
           </a:p>
@@ -1174,7 +1172,7 @@
           <a:p>
             <a:fld id="{ADC303B9-2C3E-4EA0-A819-58B20A5A846C}" type="slidenum">
               <a:rPr lang="en-US" smtClean="0"/>
-              <a:t>22</a:t>
+              <a:t>20</a:t>
             </a:fld>
             <a:endParaRPr lang="en-US"/>
           </a:p>
@@ -1258,7 +1256,7 @@
           <a:p>
             <a:fld id="{ADC303B9-2C3E-4EA0-A819-58B20A5A846C}" type="slidenum">
               <a:rPr lang="en-US" smtClean="0"/>
-              <a:t>23</a:t>
+              <a:t>21</a:t>
             </a:fld>
             <a:endParaRPr lang="en-US"/>
           </a:p>
@@ -1342,7 +1340,7 @@
           <a:p>
             <a:fld id="{ADC303B9-2C3E-4EA0-A819-58B20A5A846C}" type="slidenum">
               <a:rPr lang="en-US" smtClean="0"/>
-              <a:t>24</a:t>
+              <a:t>22</a:t>
             </a:fld>
             <a:endParaRPr lang="en-US"/>
           </a:p>
@@ -1426,7 +1424,7 @@
           <a:p>
             <a:fld id="{ADC303B9-2C3E-4EA0-A819-58B20A5A846C}" type="slidenum">
               <a:rPr lang="en-US" smtClean="0"/>
-              <a:t>25</a:t>
+              <a:t>23</a:t>
             </a:fld>
             <a:endParaRPr lang="en-US"/>
           </a:p>
@@ -1510,7 +1508,7 @@
           <a:p>
             <a:fld id="{ADC303B9-2C3E-4EA0-A819-58B20A5A846C}" type="slidenum">
               <a:rPr lang="en-US" smtClean="0"/>
-              <a:t>4</a:t>
+              <a:t>2</a:t>
             </a:fld>
             <a:endParaRPr lang="en-US"/>
           </a:p>
@@ -1594,7 +1592,7 @@
           <a:p>
             <a:fld id="{ADC303B9-2C3E-4EA0-A819-58B20A5A846C}" type="slidenum">
               <a:rPr lang="en-US" smtClean="0"/>
-              <a:t>26</a:t>
+              <a:t>24</a:t>
             </a:fld>
             <a:endParaRPr lang="en-US"/>
           </a:p>
@@ -1678,7 +1676,7 @@
           <a:p>
             <a:fld id="{ADC303B9-2C3E-4EA0-A819-58B20A5A846C}" type="slidenum">
               <a:rPr lang="en-US" smtClean="0"/>
-              <a:t>28</a:t>
+              <a:t>26</a:t>
             </a:fld>
             <a:endParaRPr lang="en-US"/>
           </a:p>
@@ -1762,7 +1760,7 @@
           <a:p>
             <a:fld id="{ADC303B9-2C3E-4EA0-A819-58B20A5A846C}" type="slidenum">
               <a:rPr lang="en-US" smtClean="0"/>
-              <a:t>29</a:t>
+              <a:t>27</a:t>
             </a:fld>
             <a:endParaRPr lang="en-US"/>
           </a:p>
@@ -1846,7 +1844,7 @@
           <a:p>
             <a:fld id="{ADC303B9-2C3E-4EA0-A819-58B20A5A846C}" type="slidenum">
               <a:rPr lang="en-US" smtClean="0"/>
-              <a:t>30</a:t>
+              <a:t>28</a:t>
             </a:fld>
             <a:endParaRPr lang="en-US"/>
           </a:p>
@@ -1930,7 +1928,7 @@
           <a:p>
             <a:fld id="{ADC303B9-2C3E-4EA0-A819-58B20A5A846C}" type="slidenum">
               <a:rPr lang="en-US" smtClean="0"/>
-              <a:t>31</a:t>
+              <a:t>29</a:t>
             </a:fld>
             <a:endParaRPr lang="en-US"/>
           </a:p>
@@ -2014,7 +2012,7 @@
           <a:p>
             <a:fld id="{ADC303B9-2C3E-4EA0-A819-58B20A5A846C}" type="slidenum">
               <a:rPr lang="en-US" smtClean="0"/>
-              <a:t>32</a:t>
+              <a:t>30</a:t>
             </a:fld>
             <a:endParaRPr lang="en-US"/>
           </a:p>
@@ -2098,7 +2096,7 @@
           <a:p>
             <a:fld id="{ADC303B9-2C3E-4EA0-A819-58B20A5A846C}" type="slidenum">
               <a:rPr lang="en-US" smtClean="0"/>
-              <a:t>33</a:t>
+              <a:t>31</a:t>
             </a:fld>
             <a:endParaRPr lang="en-US"/>
           </a:p>
@@ -2182,7 +2180,7 @@
           <a:p>
             <a:fld id="{ADC303B9-2C3E-4EA0-A819-58B20A5A846C}" type="slidenum">
               <a:rPr lang="en-US" smtClean="0"/>
-              <a:t>34</a:t>
+              <a:t>32</a:t>
             </a:fld>
             <a:endParaRPr lang="en-US"/>
           </a:p>
@@ -2266,7 +2264,7 @@
           <a:p>
             <a:fld id="{ADC303B9-2C3E-4EA0-A819-58B20A5A846C}" type="slidenum">
               <a:rPr lang="en-US" smtClean="0"/>
-              <a:t>35</a:t>
+              <a:t>33</a:t>
             </a:fld>
             <a:endParaRPr lang="en-US"/>
           </a:p>
@@ -2350,7 +2348,7 @@
           <a:p>
             <a:fld id="{ADC303B9-2C3E-4EA0-A819-58B20A5A846C}" type="slidenum">
               <a:rPr lang="en-US" smtClean="0"/>
-              <a:t>37</a:t>
+              <a:t>35</a:t>
             </a:fld>
             <a:endParaRPr lang="en-US"/>
           </a:p>
@@ -2413,7 +2411,7 @@
           <a:bodyPr/>
           <a:lstStyle/>
           <a:p>
-            <a:endParaRPr lang="en-US"/>
+            <a:endParaRPr lang="en-US" dirty="0"/>
           </a:p>
         </p:txBody>
       </p:sp>
@@ -2434,7 +2432,7 @@
           <a:p>
             <a:fld id="{ADC303B9-2C3E-4EA0-A819-58B20A5A846C}" type="slidenum">
               <a:rPr lang="en-US" smtClean="0"/>
-              <a:t>7</a:t>
+              <a:t>5</a:t>
             </a:fld>
             <a:endParaRPr lang="en-US"/>
           </a:p>
@@ -2518,7 +2516,7 @@
           <a:p>
             <a:fld id="{ADC303B9-2C3E-4EA0-A819-58B20A5A846C}" type="slidenum">
               <a:rPr lang="en-US" smtClean="0"/>
-              <a:t>39</a:t>
+              <a:t>37</a:t>
             </a:fld>
             <a:endParaRPr lang="en-US"/>
           </a:p>
@@ -2602,7 +2600,7 @@
           <a:p>
             <a:fld id="{ADC303B9-2C3E-4EA0-A819-58B20A5A846C}" type="slidenum">
               <a:rPr lang="en-US" smtClean="0"/>
-              <a:t>40</a:t>
+              <a:t>38</a:t>
             </a:fld>
             <a:endParaRPr lang="en-US"/>
           </a:p>
@@ -2686,7 +2684,7 @@
           <a:p>
             <a:fld id="{ADC303B9-2C3E-4EA0-A819-58B20A5A846C}" type="slidenum">
               <a:rPr lang="en-US" smtClean="0"/>
-              <a:t>41</a:t>
+              <a:t>39</a:t>
             </a:fld>
             <a:endParaRPr lang="en-US"/>
           </a:p>
@@ -2770,7 +2768,7 @@
           <a:p>
             <a:fld id="{ADC303B9-2C3E-4EA0-A819-58B20A5A846C}" type="slidenum">
               <a:rPr lang="en-US" smtClean="0"/>
-              <a:t>42</a:t>
+              <a:t>40</a:t>
             </a:fld>
             <a:endParaRPr lang="en-US"/>
           </a:p>
@@ -2854,7 +2852,7 @@
           <a:p>
             <a:fld id="{ADC303B9-2C3E-4EA0-A819-58B20A5A846C}" type="slidenum">
               <a:rPr lang="en-US" smtClean="0"/>
-              <a:t>48</a:t>
+              <a:t>46</a:t>
             </a:fld>
             <a:endParaRPr lang="en-US"/>
           </a:p>
@@ -2969,7 +2967,7 @@
           <a:p>
             <a:fld id="{24E9AA13-E3FC-4BB6-B68D-5F0F5803D716}" type="slidenum">
               <a:rPr lang="en-US" smtClean="0"/>
-              <a:t>49</a:t>
+              <a:t>47</a:t>
             </a:fld>
             <a:endParaRPr lang="en-US"/>
           </a:p>
@@ -3053,7 +3051,7 @@
           <a:p>
             <a:fld id="{ADC303B9-2C3E-4EA0-A819-58B20A5A846C}" type="slidenum">
               <a:rPr lang="en-US" smtClean="0"/>
-              <a:t>8</a:t>
+              <a:t>6</a:t>
             </a:fld>
             <a:endParaRPr lang="en-US"/>
           </a:p>
@@ -3137,7 +3135,7 @@
           <a:p>
             <a:fld id="{ADC303B9-2C3E-4EA0-A819-58B20A5A846C}" type="slidenum">
               <a:rPr lang="en-US" smtClean="0"/>
-              <a:t>9</a:t>
+              <a:t>7</a:t>
             </a:fld>
             <a:endParaRPr lang="en-US"/>
           </a:p>
@@ -3221,7 +3219,7 @@
           <a:p>
             <a:fld id="{ADC303B9-2C3E-4EA0-A819-58B20A5A846C}" type="slidenum">
               <a:rPr lang="en-US" smtClean="0"/>
-              <a:t>10</a:t>
+              <a:t>8</a:t>
             </a:fld>
             <a:endParaRPr lang="en-US"/>
           </a:p>
@@ -3305,7 +3303,7 @@
           <a:p>
             <a:fld id="{ADC303B9-2C3E-4EA0-A819-58B20A5A846C}" type="slidenum">
               <a:rPr lang="en-US" smtClean="0"/>
-              <a:t>11</a:t>
+              <a:t>9</a:t>
             </a:fld>
             <a:endParaRPr lang="en-US"/>
           </a:p>
@@ -3389,7 +3387,7 @@
           <a:p>
             <a:fld id="{ADC303B9-2C3E-4EA0-A819-58B20A5A846C}" type="slidenum">
               <a:rPr lang="en-US" smtClean="0"/>
-              <a:t>12</a:t>
+              <a:t>10</a:t>
             </a:fld>
             <a:endParaRPr lang="en-US"/>
           </a:p>
@@ -3473,7 +3471,7 @@
           <a:p>
             <a:fld id="{ADC303B9-2C3E-4EA0-A819-58B20A5A846C}" type="slidenum">
               <a:rPr lang="en-US" smtClean="0"/>
-              <a:t>13</a:t>
+              <a:t>11</a:t>
             </a:fld>
             <a:endParaRPr lang="en-US"/>
           </a:p>
@@ -3624,7 +3622,7 @@
           <a:p>
             <a:fld id="{5738B90E-0779-4C36-915C-6F05FCD89456}" type="datetime1">
               <a:rPr lang="en-US" smtClean="0"/>
-              <a:t>9/11/20</a:t>
+              <a:t>2/1/21</a:t>
             </a:fld>
             <a:endParaRPr lang="en-US"/>
           </a:p>
@@ -3842,7 +3840,7 @@
           <a:p>
             <a:fld id="{7B9EA29D-D431-42FE-B7B6-AAE4454C77D3}" type="datetime1">
               <a:rPr lang="en-US" smtClean="0"/>
-              <a:t>9/11/20</a:t>
+              <a:t>2/1/21</a:t>
             </a:fld>
             <a:endParaRPr lang="en-US"/>
           </a:p>
@@ -4102,7 +4100,7 @@
           <a:p>
             <a:fld id="{690D8A1E-EA8F-46C1-B891-AE0C00D9C314}" type="datetime1">
               <a:rPr lang="en-US" smtClean="0"/>
-              <a:t>9/11/20</a:t>
+              <a:t>2/1/21</a:t>
             </a:fld>
             <a:endParaRPr lang="en-US"/>
           </a:p>
@@ -4396,7 +4394,7 @@
           <a:p>
             <a:fld id="{D753EFC8-4232-4598-94F6-94C0EBAFC469}" type="datetime1">
               <a:rPr lang="en-US" smtClean="0"/>
-              <a:t>9/11/20</a:t>
+              <a:t>2/1/21</a:t>
             </a:fld>
             <a:endParaRPr lang="en-US"/>
           </a:p>
@@ -4711,7 +4709,7 @@
           <a:p>
             <a:fld id="{F3161074-1C18-4AE7-957D-F18524378C85}" type="datetime1">
               <a:rPr lang="en-US" smtClean="0"/>
-              <a:t>9/11/20</a:t>
+              <a:t>2/1/21</a:t>
             </a:fld>
             <a:endParaRPr lang="en-US"/>
           </a:p>
@@ -4985,7 +4983,7 @@
           <a:p>
             <a:fld id="{69BE256C-8D9A-4404-B47D-41A1AE514425}" type="datetime1">
               <a:rPr lang="en-US" smtClean="0"/>
-              <a:t>9/11/20</a:t>
+              <a:t>2/1/21</a:t>
             </a:fld>
             <a:endParaRPr lang="en-US"/>
           </a:p>
@@ -5419,7 +5417,7 @@
           <a:p>
             <a:fld id="{66CB2154-9035-4012-8189-BAAB61C5A5EE}" type="datetime1">
               <a:rPr lang="en-US" smtClean="0"/>
-              <a:t>9/11/20</a:t>
+              <a:t>2/1/21</a:t>
             </a:fld>
             <a:endParaRPr lang="en-US"/>
           </a:p>
@@ -5593,7 +5591,7 @@
           <a:p>
             <a:fld id="{6700A58B-DD98-43D0-B791-721480A02982}" type="datetime1">
               <a:rPr lang="en-US" smtClean="0"/>
-              <a:t>9/11/20</a:t>
+              <a:t>2/1/21</a:t>
             </a:fld>
             <a:endParaRPr lang="en-US"/>
           </a:p>
@@ -5785,7 +5783,7 @@
           <a:p>
             <a:fld id="{7DB6E382-4F61-4E24-BE1A-377EC83D0E3A}" type="datetime1">
               <a:rPr lang="en-US" smtClean="0"/>
-              <a:t>9/11/20</a:t>
+              <a:t>2/1/21</a:t>
             </a:fld>
             <a:endParaRPr lang="en-US"/>
           </a:p>
@@ -6096,7 +6094,7 @@
           <a:p>
             <a:fld id="{4142EED6-FC16-45B9-B8C4-2BC5DBA88325}" type="datetime1">
               <a:rPr lang="en-US" smtClean="0"/>
-              <a:t>9/11/20</a:t>
+              <a:t>2/1/21</a:t>
             </a:fld>
             <a:endParaRPr lang="en-US"/>
           </a:p>
@@ -6414,7 +6412,7 @@
           <a:p>
             <a:fld id="{DF59512B-4F1D-43D7-8819-2F53FEF69650}" type="datetime1">
               <a:rPr lang="en-US" smtClean="0"/>
-              <a:t>9/11/20</a:t>
+              <a:t>2/1/21</a:t>
             </a:fld>
             <a:endParaRPr lang="en-US"/>
           </a:p>
@@ -6690,7 +6688,7 @@
           <a:p>
             <a:fld id="{08437B94-E2BF-44DC-ADC5-B05FC9934E9D}" type="datetime1">
               <a:rPr lang="en-US" smtClean="0"/>
-              <a:t>9/11/20</a:t>
+              <a:t>2/1/21</a:t>
             </a:fld>
             <a:endParaRPr lang="en-US"/>
           </a:p>
@@ -7599,7 +7597,7 @@
           <a:p>
             <a:fld id="{9B19E99B-5349-415A-8E56-8E989211A366}" type="datetime1">
               <a:rPr lang="en-US" smtClean="0"/>
-              <a:t>9/11/20</a:t>
+              <a:t>2/1/21</a:t>
             </a:fld>
             <a:endParaRPr lang="en-US"/>
           </a:p>
@@ -7665,573 +7663,6 @@
 </file>
 
 <file path=ppt/slides/slide10.xml><?xml version="1.0" encoding="utf-8"?>
-<p:sld xmlns:a="http://schemas.openxmlformats.org/drawingml/2006/main" xmlns:r="http://schemas.openxmlformats.org/officeDocument/2006/relationships" xmlns:p="http://schemas.openxmlformats.org/presentationml/2006/main">
-  <p:cSld>
-    <p:spTree>
-      <p:nvGrpSpPr>
-        <p:cNvPr id="1" name=""/>
-        <p:cNvGrpSpPr/>
-        <p:nvPr/>
-      </p:nvGrpSpPr>
-      <p:grpSpPr>
-        <a:xfrm>
-          <a:off x="0" y="0"/>
-          <a:ext cx="0" cy="0"/>
-          <a:chOff x="0" y="0"/>
-          <a:chExt cx="0" cy="0"/>
-        </a:xfrm>
-      </p:grpSpPr>
-      <p:sp>
-        <p:nvSpPr>
-          <p:cNvPr id="2" name="Date Placeholder 1"/>
-          <p:cNvSpPr>
-            <a:spLocks noGrp="1"/>
-          </p:cNvSpPr>
-          <p:nvPr>
-            <p:ph type="dt" sz="half" idx="10"/>
-          </p:nvPr>
-        </p:nvSpPr>
-        <p:spPr/>
-        <p:txBody>
-          <a:bodyPr/>
-          <a:lstStyle/>
-          <a:p>
-            <a:fld id="{6700A58B-DD98-43D0-B791-721480A02982}" type="datetime1">
-              <a:rPr lang="en-US" smtClean="0"/>
-              <a:t>9/11/20</a:t>
-            </a:fld>
-            <a:endParaRPr lang="en-US"/>
-          </a:p>
-        </p:txBody>
-      </p:sp>
-      <p:sp>
-        <p:nvSpPr>
-          <p:cNvPr id="3" name="Title 2"/>
-          <p:cNvSpPr>
-            <a:spLocks noGrp="1"/>
-          </p:cNvSpPr>
-          <p:nvPr>
-            <p:ph type="title"/>
-          </p:nvPr>
-        </p:nvSpPr>
-        <p:spPr/>
-        <p:txBody>
-          <a:bodyPr/>
-          <a:lstStyle/>
-          <a:p>
-            <a:r>
-              <a:rPr lang="en-US" dirty="0"/>
-              <a:t>Let’s do this for real</a:t>
-            </a:r>
-          </a:p>
-        </p:txBody>
-      </p:sp>
-      <p:sp>
-        <p:nvSpPr>
-          <p:cNvPr id="4" name="Slide Number Placeholder 3"/>
-          <p:cNvSpPr>
-            <a:spLocks noGrp="1"/>
-          </p:cNvSpPr>
-          <p:nvPr>
-            <p:ph type="sldNum" sz="quarter" idx="12"/>
-          </p:nvPr>
-        </p:nvSpPr>
-        <p:spPr/>
-        <p:txBody>
-          <a:bodyPr/>
-          <a:lstStyle/>
-          <a:p>
-            <a:fld id="{37290FF7-652B-4475-AEAB-8B1A5D23AE09}" type="slidenum">
-              <a:rPr lang="en-US" smtClean="0"/>
-              <a:t>10</a:t>
-            </a:fld>
-            <a:endParaRPr lang="en-US"/>
-          </a:p>
-        </p:txBody>
-      </p:sp>
-      <p:sp>
-        <p:nvSpPr>
-          <p:cNvPr id="5" name="Footer Placeholder 4"/>
-          <p:cNvSpPr>
-            <a:spLocks noGrp="1"/>
-          </p:cNvSpPr>
-          <p:nvPr>
-            <p:ph type="ftr" sz="quarter" idx="3"/>
-          </p:nvPr>
-        </p:nvSpPr>
-        <p:spPr/>
-        <p:txBody>
-          <a:bodyPr/>
-          <a:lstStyle/>
-          <a:p>
-            <a:r>
-              <a:rPr lang="en-US"/>
-              <a:t>Kwartler CSCI S-96</a:t>
-            </a:r>
-            <a:endParaRPr lang="en-US" dirty="0"/>
-          </a:p>
-        </p:txBody>
-      </p:sp>
-      <p:pic>
-        <p:nvPicPr>
-          <p:cNvPr id="18434" name="Picture 2" descr="Image result for asshole boss"/>
-          <p:cNvPicPr>
-            <a:picLocks noChangeAspect="1" noChangeArrowheads="1"/>
-          </p:cNvPicPr>
-          <p:nvPr/>
-        </p:nvPicPr>
-        <p:blipFill rotWithShape="1">
-          <a:blip r:embed="rId3">
-            <a:extLst>
-              <a:ext uri="{28A0092B-C50C-407E-A947-70E740481C1C}">
-                <a14:useLocalDpi xmlns:a14="http://schemas.microsoft.com/office/drawing/2010/main" val="0"/>
-              </a:ext>
-            </a:extLst>
-          </a:blip>
-          <a:srcRect l="7226" r="6348"/>
-          <a:stretch/>
-        </p:blipFill>
-        <p:spPr bwMode="auto">
-          <a:xfrm>
-            <a:off x="371363" y="2078194"/>
-            <a:ext cx="3128210" cy="2714626"/>
-          </a:xfrm>
-          <a:prstGeom prst="rect">
-            <a:avLst/>
-          </a:prstGeom>
-          <a:noFill/>
-          <a:extLst>
-            <a:ext uri="{909E8E84-426E-40DD-AFC4-6F175D3DCCD1}">
-              <a14:hiddenFill xmlns:a14="http://schemas.microsoft.com/office/drawing/2010/main">
-                <a:solidFill>
-                  <a:srgbClr val="FFFFFF"/>
-                </a:solidFill>
-              </a14:hiddenFill>
-            </a:ext>
-          </a:extLst>
-        </p:spPr>
-      </p:pic>
-      <p:sp>
-        <p:nvSpPr>
-          <p:cNvPr id="9" name="Oval Callout 8"/>
-          <p:cNvSpPr/>
-          <p:nvPr/>
-        </p:nvSpPr>
-        <p:spPr>
-          <a:xfrm>
-            <a:off x="3176337" y="1090863"/>
-            <a:ext cx="5534526" cy="1235242"/>
-          </a:xfrm>
-          <a:prstGeom prst="wedgeEllipseCallout">
-            <a:avLst>
-              <a:gd name="adj1" fmla="val -58631"/>
-              <a:gd name="adj2" fmla="val 101326"/>
-            </a:avLst>
-          </a:prstGeom>
-          <a:solidFill>
-            <a:schemeClr val="accent4"/>
-          </a:solidFill>
-          <a:ln>
-            <a:noFill/>
-          </a:ln>
-        </p:spPr>
-        <p:style>
-          <a:lnRef idx="2">
-            <a:schemeClr val="accent1">
-              <a:shade val="50000"/>
-            </a:schemeClr>
-          </a:lnRef>
-          <a:fillRef idx="1">
-            <a:schemeClr val="accent1"/>
-          </a:fillRef>
-          <a:effectRef idx="0">
-            <a:schemeClr val="accent1"/>
-          </a:effectRef>
-          <a:fontRef idx="minor">
-            <a:schemeClr val="lt1"/>
-          </a:fontRef>
-        </p:style>
-        <p:txBody>
-          <a:bodyPr rtlCol="0" anchor="ctr"/>
-          <a:lstStyle/>
-          <a:p>
-            <a:pPr algn="ctr"/>
-            <a:r>
-              <a:rPr lang="en-US" dirty="0"/>
-              <a:t>Hey Dale, its me…from </a:t>
-            </a:r>
-            <a:r>
-              <a:rPr lang="en-US" dirty="0" err="1"/>
-              <a:t>OfficeSpace</a:t>
-            </a:r>
-            <a:r>
-              <a:rPr lang="en-US" dirty="0"/>
-              <a:t>.</a:t>
-            </a:r>
-          </a:p>
-          <a:p>
-            <a:pPr algn="ctr"/>
-            <a:r>
-              <a:rPr lang="en-US" dirty="0"/>
-              <a:t>I read in the WSJ that everyone should be using </a:t>
-            </a:r>
-            <a:r>
-              <a:rPr lang="en-US" dirty="0" err="1"/>
-              <a:t>blockchain</a:t>
-            </a:r>
-            <a:r>
-              <a:rPr lang="en-US" dirty="0"/>
-              <a:t>.  Should we?</a:t>
-            </a:r>
-          </a:p>
-        </p:txBody>
-      </p:sp>
-      <p:sp>
-        <p:nvSpPr>
-          <p:cNvPr id="11" name="TextBox 10"/>
-          <p:cNvSpPr txBox="1"/>
-          <p:nvPr/>
-        </p:nvSpPr>
-        <p:spPr>
-          <a:xfrm>
-            <a:off x="3238205" y="4892124"/>
-            <a:ext cx="5742021" cy="1200329"/>
-          </a:xfrm>
-          <a:prstGeom prst="rect">
-            <a:avLst/>
-          </a:prstGeom>
-          <a:solidFill>
-            <a:schemeClr val="bg2"/>
-          </a:solidFill>
-        </p:spPr>
-        <p:txBody>
-          <a:bodyPr wrap="none" rtlCol="0">
-            <a:spAutoFit/>
-          </a:bodyPr>
-          <a:lstStyle/>
-          <a:p>
-            <a:r>
-              <a:rPr lang="en-US" dirty="0"/>
-              <a:t>Is this a biz analytics, intel or data mining problem?</a:t>
-            </a:r>
-          </a:p>
-          <a:p>
-            <a:r>
-              <a:rPr lang="en-US" dirty="0"/>
-              <a:t>What is the current state?</a:t>
-            </a:r>
-          </a:p>
-          <a:p>
-            <a:r>
-              <a:rPr lang="en-US" dirty="0"/>
-              <a:t>What are the possible outcomes of the business scenario?  </a:t>
-            </a:r>
-          </a:p>
-          <a:p>
-            <a:r>
-              <a:rPr lang="en-US" dirty="0"/>
-              <a:t>How will the outcome of the data mining project be used?</a:t>
-            </a:r>
-          </a:p>
-        </p:txBody>
-      </p:sp>
-    </p:spTree>
-    <p:extLst>
-      <p:ext uri="{BB962C8B-B14F-4D97-AF65-F5344CB8AC3E}">
-        <p14:creationId xmlns:p14="http://schemas.microsoft.com/office/powerpoint/2010/main" val="2601959964"/>
-      </p:ext>
-    </p:extLst>
-  </p:cSld>
-  <p:clrMapOvr>
-    <a:masterClrMapping/>
-  </p:clrMapOvr>
-</p:sld>
-</file>
-
-<file path=ppt/slides/slide11.xml><?xml version="1.0" encoding="utf-8"?>
-<p:sld xmlns:a="http://schemas.openxmlformats.org/drawingml/2006/main" xmlns:r="http://schemas.openxmlformats.org/officeDocument/2006/relationships" xmlns:p="http://schemas.openxmlformats.org/presentationml/2006/main">
-  <p:cSld>
-    <p:spTree>
-      <p:nvGrpSpPr>
-        <p:cNvPr id="1" name=""/>
-        <p:cNvGrpSpPr/>
-        <p:nvPr/>
-      </p:nvGrpSpPr>
-      <p:grpSpPr>
-        <a:xfrm>
-          <a:off x="0" y="0"/>
-          <a:ext cx="0" cy="0"/>
-          <a:chOff x="0" y="0"/>
-          <a:chExt cx="0" cy="0"/>
-        </a:xfrm>
-      </p:grpSpPr>
-      <p:sp>
-        <p:nvSpPr>
-          <p:cNvPr id="2" name="Date Placeholder 1"/>
-          <p:cNvSpPr>
-            <a:spLocks noGrp="1"/>
-          </p:cNvSpPr>
-          <p:nvPr>
-            <p:ph type="dt" sz="half" idx="10"/>
-          </p:nvPr>
-        </p:nvSpPr>
-        <p:spPr/>
-        <p:txBody>
-          <a:bodyPr/>
-          <a:lstStyle/>
-          <a:p>
-            <a:fld id="{6700A58B-DD98-43D0-B791-721480A02982}" type="datetime1">
-              <a:rPr lang="en-US" smtClean="0"/>
-              <a:t>9/11/20</a:t>
-            </a:fld>
-            <a:endParaRPr lang="en-US"/>
-          </a:p>
-        </p:txBody>
-      </p:sp>
-      <p:sp>
-        <p:nvSpPr>
-          <p:cNvPr id="3" name="Title 2"/>
-          <p:cNvSpPr>
-            <a:spLocks noGrp="1"/>
-          </p:cNvSpPr>
-          <p:nvPr>
-            <p:ph type="title"/>
-          </p:nvPr>
-        </p:nvSpPr>
-        <p:spPr/>
-        <p:txBody>
-          <a:bodyPr/>
-          <a:lstStyle/>
-          <a:p>
-            <a:r>
-              <a:rPr lang="en-US" dirty="0"/>
-              <a:t>Let’s do this for real</a:t>
-            </a:r>
-          </a:p>
-        </p:txBody>
-      </p:sp>
-      <p:sp>
-        <p:nvSpPr>
-          <p:cNvPr id="4" name="Slide Number Placeholder 3"/>
-          <p:cNvSpPr>
-            <a:spLocks noGrp="1"/>
-          </p:cNvSpPr>
-          <p:nvPr>
-            <p:ph type="sldNum" sz="quarter" idx="12"/>
-          </p:nvPr>
-        </p:nvSpPr>
-        <p:spPr/>
-        <p:txBody>
-          <a:bodyPr/>
-          <a:lstStyle/>
-          <a:p>
-            <a:fld id="{37290FF7-652B-4475-AEAB-8B1A5D23AE09}" type="slidenum">
-              <a:rPr lang="en-US" smtClean="0"/>
-              <a:t>11</a:t>
-            </a:fld>
-            <a:endParaRPr lang="en-US"/>
-          </a:p>
-        </p:txBody>
-      </p:sp>
-      <p:sp>
-        <p:nvSpPr>
-          <p:cNvPr id="5" name="Footer Placeholder 4"/>
-          <p:cNvSpPr>
-            <a:spLocks noGrp="1"/>
-          </p:cNvSpPr>
-          <p:nvPr>
-            <p:ph type="ftr" sz="quarter" idx="3"/>
-          </p:nvPr>
-        </p:nvSpPr>
-        <p:spPr/>
-        <p:txBody>
-          <a:bodyPr/>
-          <a:lstStyle/>
-          <a:p>
-            <a:r>
-              <a:rPr lang="en-US"/>
-              <a:t>Kwartler CSCI S-96</a:t>
-            </a:r>
-            <a:endParaRPr lang="en-US" dirty="0"/>
-          </a:p>
-        </p:txBody>
-      </p:sp>
-      <p:pic>
-        <p:nvPicPr>
-          <p:cNvPr id="2052" name="Picture 4" descr="Woman in funny business concept on white, Stock Photo, Picture And Rights  Managed Image. Pic. ZON-7956560 | agefotostock">
-            <a:extLst>
-              <a:ext uri="{FF2B5EF4-FFF2-40B4-BE49-F238E27FC236}">
-                <a16:creationId xmlns:a16="http://schemas.microsoft.com/office/drawing/2014/main" id="{DB0C1DDD-768B-794B-8860-DF13E67AABD1}"/>
-              </a:ext>
-            </a:extLst>
-          </p:cNvPr>
-          <p:cNvPicPr>
-            <a:picLocks noChangeAspect="1" noChangeArrowheads="1"/>
-          </p:cNvPicPr>
-          <p:nvPr/>
-        </p:nvPicPr>
-        <p:blipFill>
-          <a:blip r:embed="rId3">
-            <a:extLst>
-              <a:ext uri="{28A0092B-C50C-407E-A947-70E740481C1C}">
-                <a14:useLocalDpi xmlns:a14="http://schemas.microsoft.com/office/drawing/2010/main" val="0"/>
-              </a:ext>
-            </a:extLst>
-          </a:blip>
-          <a:srcRect/>
-          <a:stretch>
-            <a:fillRect/>
-          </a:stretch>
-        </p:blipFill>
-        <p:spPr bwMode="auto">
-          <a:xfrm>
-            <a:off x="147918" y="1720023"/>
-            <a:ext cx="4491318" cy="2971600"/>
-          </a:xfrm>
-          <a:prstGeom prst="rect">
-            <a:avLst/>
-          </a:prstGeom>
-          <a:noFill/>
-          <a:extLst>
-            <a:ext uri="{909E8E84-426E-40DD-AFC4-6F175D3DCCD1}">
-              <a14:hiddenFill xmlns:a14="http://schemas.microsoft.com/office/drawing/2010/main">
-                <a:solidFill>
-                  <a:srgbClr val="FFFFFF"/>
-                </a:solidFill>
-              </a14:hiddenFill>
-            </a:ext>
-          </a:extLst>
-        </p:spPr>
-      </p:pic>
-      <p:sp>
-        <p:nvSpPr>
-          <p:cNvPr id="11" name="Oval Callout 10"/>
-          <p:cNvSpPr/>
-          <p:nvPr/>
-        </p:nvSpPr>
-        <p:spPr>
-          <a:xfrm>
-            <a:off x="4020671" y="1090863"/>
-            <a:ext cx="5027794" cy="1734224"/>
-          </a:xfrm>
-          <a:prstGeom prst="wedgeEllipseCallout">
-            <a:avLst>
-              <a:gd name="adj1" fmla="val -58873"/>
-              <a:gd name="adj2" fmla="val 49384"/>
-            </a:avLst>
-          </a:prstGeom>
-          <a:solidFill>
-            <a:schemeClr val="accent4"/>
-          </a:solidFill>
-          <a:ln>
-            <a:noFill/>
-          </a:ln>
-        </p:spPr>
-        <p:style>
-          <a:lnRef idx="2">
-            <a:schemeClr val="accent1">
-              <a:shade val="50000"/>
-            </a:schemeClr>
-          </a:lnRef>
-          <a:fillRef idx="1">
-            <a:schemeClr val="accent1"/>
-          </a:fillRef>
-          <a:effectRef idx="0">
-            <a:schemeClr val="accent1"/>
-          </a:effectRef>
-          <a:fontRef idx="minor">
-            <a:schemeClr val="lt1"/>
-          </a:fontRef>
-        </p:style>
-        <p:txBody>
-          <a:bodyPr rtlCol="0" anchor="ctr"/>
-          <a:lstStyle/>
-          <a:p>
-            <a:pPr algn="ctr"/>
-            <a:r>
-              <a:rPr lang="en-US" sz="1600" dirty="0"/>
-              <a:t>Your </a:t>
-            </a:r>
-            <a:r>
-              <a:rPr lang="en-US" sz="1600" dirty="0" err="1"/>
-              <a:t>Daleness</a:t>
-            </a:r>
-            <a:r>
-              <a:rPr lang="en-US" sz="1600" dirty="0"/>
-              <a:t>, I work in marketing (and apparently hate phones).  I want to do a mailing to prospective corndog eaters.  Can you identify how many postcards we should send &amp; ROI?</a:t>
-            </a:r>
-          </a:p>
-        </p:txBody>
-      </p:sp>
-      <p:sp>
-        <p:nvSpPr>
-          <p:cNvPr id="9" name="TextBox 8">
-            <a:extLst>
-              <a:ext uri="{FF2B5EF4-FFF2-40B4-BE49-F238E27FC236}">
-                <a16:creationId xmlns:a16="http://schemas.microsoft.com/office/drawing/2014/main" id="{7E7D2CE4-ECE7-CB4A-856D-F4AB0E8E96D4}"/>
-              </a:ext>
-            </a:extLst>
-          </p:cNvPr>
-          <p:cNvSpPr txBox="1"/>
-          <p:nvPr/>
-        </p:nvSpPr>
-        <p:spPr>
-          <a:xfrm>
-            <a:off x="3238205" y="4892124"/>
-            <a:ext cx="5742021" cy="1200329"/>
-          </a:xfrm>
-          <a:prstGeom prst="rect">
-            <a:avLst/>
-          </a:prstGeom>
-          <a:solidFill>
-            <a:schemeClr val="bg2"/>
-          </a:solidFill>
-        </p:spPr>
-        <p:txBody>
-          <a:bodyPr wrap="none" rtlCol="0">
-            <a:spAutoFit/>
-          </a:bodyPr>
-          <a:lstStyle/>
-          <a:p>
-            <a:r>
-              <a:rPr lang="en-US" dirty="0"/>
-              <a:t>Is this a biz analytics, intel or data mining problem?</a:t>
-            </a:r>
-          </a:p>
-          <a:p>
-            <a:r>
-              <a:rPr lang="en-US" dirty="0"/>
-              <a:t>What is the current state?</a:t>
-            </a:r>
-          </a:p>
-          <a:p>
-            <a:r>
-              <a:rPr lang="en-US" dirty="0"/>
-              <a:t>What are the possible outcomes of the business scenario?  </a:t>
-            </a:r>
-          </a:p>
-          <a:p>
-            <a:r>
-              <a:rPr lang="en-US" dirty="0"/>
-              <a:t>How will the outcome of the data mining project be used?</a:t>
-            </a:r>
-          </a:p>
-        </p:txBody>
-      </p:sp>
-    </p:spTree>
-    <p:extLst>
-      <p:ext uri="{BB962C8B-B14F-4D97-AF65-F5344CB8AC3E}">
-        <p14:creationId xmlns:p14="http://schemas.microsoft.com/office/powerpoint/2010/main" val="4135124502"/>
-      </p:ext>
-    </p:extLst>
-  </p:cSld>
-  <p:clrMapOvr>
-    <a:masterClrMapping/>
-  </p:clrMapOvr>
-</p:sld>
-</file>
-
-<file path=ppt/slides/slide12.xml><?xml version="1.0" encoding="utf-8"?>
 <p:sld xmlns:a="http://schemas.openxmlformats.org/drawingml/2006/main" xmlns:r="http://schemas.openxmlformats.org/officeDocument/2006/relationships" xmlns:p="http://schemas.openxmlformats.org/presentationml/2006/main">
   <p:cSld>
     <p:spTree>
@@ -8304,7 +7735,7 @@
           <a:p>
             <a:fld id="{6700A58B-DD98-43D0-B791-721480A02982}" type="datetime1">
               <a:rPr lang="en-US" smtClean="0"/>
-              <a:t>9/11/20</a:t>
+              <a:t>2/1/21</a:t>
             </a:fld>
             <a:endParaRPr lang="en-US"/>
           </a:p>
@@ -8349,7 +7780,7 @@
           <a:p>
             <a:fld id="{37290FF7-652B-4475-AEAB-8B1A5D23AE09}" type="slidenum">
               <a:rPr lang="en-US" smtClean="0"/>
-              <a:t>12</a:t>
+              <a:t>10</a:t>
             </a:fld>
             <a:endParaRPr lang="en-US"/>
           </a:p>
@@ -8506,7 +7937,7 @@
 </p:sld>
 </file>
 
-<file path=ppt/slides/slide13.xml><?xml version="1.0" encoding="utf-8"?>
+<file path=ppt/slides/slide11.xml><?xml version="1.0" encoding="utf-8"?>
 <p:sld xmlns:a="http://schemas.openxmlformats.org/drawingml/2006/main" xmlns:r="http://schemas.openxmlformats.org/officeDocument/2006/relationships" xmlns:p="http://schemas.openxmlformats.org/presentationml/2006/main">
   <p:cSld>
     <p:spTree>
@@ -8540,7 +7971,7 @@
           <a:p>
             <a:fld id="{6700A58B-DD98-43D0-B791-721480A02982}" type="datetime1">
               <a:rPr lang="en-US" smtClean="0"/>
-              <a:t>9/11/20</a:t>
+              <a:t>2/1/21</a:t>
             </a:fld>
             <a:endParaRPr lang="en-US"/>
           </a:p>
@@ -8585,7 +8016,7 @@
           <a:p>
             <a:fld id="{37290FF7-652B-4475-AEAB-8B1A5D23AE09}" type="slidenum">
               <a:rPr lang="en-US" smtClean="0"/>
-              <a:t>13</a:t>
+              <a:t>11</a:t>
             </a:fld>
             <a:endParaRPr lang="en-US"/>
           </a:p>
@@ -8781,7 +8212,7 @@
 </p:sld>
 </file>
 
-<file path=ppt/slides/slide14.xml><?xml version="1.0" encoding="utf-8"?>
+<file path=ppt/slides/slide12.xml><?xml version="1.0" encoding="utf-8"?>
 <p:sld xmlns:a="http://schemas.openxmlformats.org/drawingml/2006/main" xmlns:r="http://schemas.openxmlformats.org/officeDocument/2006/relationships" xmlns:p="http://schemas.openxmlformats.org/presentationml/2006/main">
   <p:cSld>
     <p:spTree>
@@ -8815,7 +8246,7 @@
           <a:p>
             <a:fld id="{6700A58B-DD98-43D0-B791-721480A02982}" type="datetime1">
               <a:rPr lang="en-US" smtClean="0"/>
-              <a:t>9/11/20</a:t>
+              <a:t>2/1/21</a:t>
             </a:fld>
             <a:endParaRPr lang="en-US"/>
           </a:p>
@@ -8860,7 +8291,7 @@
           <a:p>
             <a:fld id="{37290FF7-652B-4475-AEAB-8B1A5D23AE09}" type="slidenum">
               <a:rPr lang="en-US" smtClean="0"/>
-              <a:t>14</a:t>
+              <a:t>12</a:t>
             </a:fld>
             <a:endParaRPr lang="en-US"/>
           </a:p>
@@ -8996,8 +8427,8 @@
         </p:nvSpPr>
         <p:spPr>
           <a:xfrm>
-            <a:off x="3238205" y="4892124"/>
-            <a:ext cx="5742021" cy="1200329"/>
+            <a:off x="304725" y="4892124"/>
+            <a:ext cx="8675501" cy="1200329"/>
           </a:xfrm>
           <a:prstGeom prst="rect">
             <a:avLst/>
@@ -9007,7 +8438,7 @@
           </a:solidFill>
         </p:spPr>
         <p:txBody>
-          <a:bodyPr wrap="none" rtlCol="0">
+          <a:bodyPr wrap="square" rtlCol="0">
             <a:spAutoFit/>
           </a:bodyPr>
           <a:lstStyle/>
@@ -9050,7 +8481,7 @@
 </p:sld>
 </file>
 
-<file path=ppt/slides/slide15.xml><?xml version="1.0" encoding="utf-8"?>
+<file path=ppt/slides/slide13.xml><?xml version="1.0" encoding="utf-8"?>
 <p:sld xmlns:a="http://schemas.openxmlformats.org/drawingml/2006/main" xmlns:r="http://schemas.openxmlformats.org/officeDocument/2006/relationships" xmlns:p="http://schemas.openxmlformats.org/presentationml/2006/main">
   <p:cSld>
     <p:spTree>
@@ -9084,7 +8515,7 @@
           <a:p>
             <a:fld id="{6700A58B-DD98-43D0-B791-721480A02982}" type="datetime1">
               <a:rPr lang="en-US" smtClean="0"/>
-              <a:t>9/11/20</a:t>
+              <a:t>2/1/21</a:t>
             </a:fld>
             <a:endParaRPr lang="en-US"/>
           </a:p>
@@ -9129,7 +8560,7 @@
           <a:p>
             <a:fld id="{37290FF7-652B-4475-AEAB-8B1A5D23AE09}" type="slidenum">
               <a:rPr lang="en-US" smtClean="0"/>
-              <a:t>15</a:t>
+              <a:t>13</a:t>
             </a:fld>
             <a:endParaRPr lang="en-US"/>
           </a:p>
@@ -9263,8 +8694,8 @@
         </p:nvSpPr>
         <p:spPr>
           <a:xfrm>
-            <a:off x="3238205" y="4892124"/>
-            <a:ext cx="5742021" cy="1200329"/>
+            <a:off x="204717" y="4892124"/>
+            <a:ext cx="8775510" cy="1200329"/>
           </a:xfrm>
           <a:prstGeom prst="rect">
             <a:avLst/>
@@ -9274,7 +8705,7 @@
           </a:solidFill>
         </p:spPr>
         <p:txBody>
-          <a:bodyPr wrap="none" rtlCol="0">
+          <a:bodyPr wrap="square" rtlCol="0">
             <a:spAutoFit/>
           </a:bodyPr>
           <a:lstStyle/>
@@ -9317,7 +8748,7 @@
 </p:sld>
 </file>
 
-<file path=ppt/slides/slide16.xml><?xml version="1.0" encoding="utf-8"?>
+<file path=ppt/slides/slide14.xml><?xml version="1.0" encoding="utf-8"?>
 <p:sld xmlns:a="http://schemas.openxmlformats.org/drawingml/2006/main" xmlns:r="http://schemas.openxmlformats.org/officeDocument/2006/relationships" xmlns:p="http://schemas.openxmlformats.org/presentationml/2006/main">
   <p:cSld>
     <p:spTree>
@@ -9351,7 +8782,7 @@
           <a:p>
             <a:fld id="{6700A58B-DD98-43D0-B791-721480A02982}" type="datetime1">
               <a:rPr lang="en-US" smtClean="0"/>
-              <a:t>9/11/20</a:t>
+              <a:t>2/1/21</a:t>
             </a:fld>
             <a:endParaRPr lang="en-US"/>
           </a:p>
@@ -9374,7 +8805,7 @@
           <a:p>
             <a:fld id="{37290FF7-652B-4475-AEAB-8B1A5D23AE09}" type="slidenum">
               <a:rPr lang="en-US" smtClean="0"/>
-              <a:t>16</a:t>
+              <a:t>14</a:t>
             </a:fld>
             <a:endParaRPr lang="en-US"/>
           </a:p>
@@ -9636,7 +9067,7 @@
 </p:sld>
 </file>
 
-<file path=ppt/slides/slide17.xml><?xml version="1.0" encoding="utf-8"?>
+<file path=ppt/slides/slide15.xml><?xml version="1.0" encoding="utf-8"?>
 <p:sld xmlns:a="http://schemas.openxmlformats.org/drawingml/2006/main" xmlns:r="http://schemas.openxmlformats.org/officeDocument/2006/relationships" xmlns:p="http://schemas.openxmlformats.org/presentationml/2006/main">
   <p:cSld>
     <p:spTree>
@@ -9670,7 +9101,7 @@
           <a:p>
             <a:fld id="{6700A58B-DD98-43D0-B791-721480A02982}" type="datetime1">
               <a:rPr lang="en-US" smtClean="0"/>
-              <a:t>9/11/20</a:t>
+              <a:t>2/1/21</a:t>
             </a:fld>
             <a:endParaRPr lang="en-US"/>
           </a:p>
@@ -9715,7 +9146,7 @@
           <a:p>
             <a:fld id="{37290FF7-652B-4475-AEAB-8B1A5D23AE09}" type="slidenum">
               <a:rPr lang="en-US" smtClean="0"/>
-              <a:t>17</a:t>
+              <a:t>15</a:t>
             </a:fld>
             <a:endParaRPr lang="en-US"/>
           </a:p>
@@ -9925,7 +9356,7 @@
 </p:sld>
 </file>
 
-<file path=ppt/slides/slide18.xml><?xml version="1.0" encoding="utf-8"?>
+<file path=ppt/slides/slide16.xml><?xml version="1.0" encoding="utf-8"?>
 <p:sld xmlns:a="http://schemas.openxmlformats.org/drawingml/2006/main" xmlns:r="http://schemas.openxmlformats.org/officeDocument/2006/relationships" xmlns:p="http://schemas.openxmlformats.org/presentationml/2006/main">
   <p:cSld>
     <p:spTree>
@@ -9959,7 +9390,7 @@
           <a:p>
             <a:fld id="{6700A58B-DD98-43D0-B791-721480A02982}" type="datetime1">
               <a:rPr lang="en-US" smtClean="0"/>
-              <a:t>9/11/20</a:t>
+              <a:t>2/1/21</a:t>
             </a:fld>
             <a:endParaRPr lang="en-US"/>
           </a:p>
@@ -10004,7 +9435,7 @@
           <a:p>
             <a:fld id="{37290FF7-652B-4475-AEAB-8B1A5D23AE09}" type="slidenum">
               <a:rPr lang="en-US" smtClean="0"/>
-              <a:t>18</a:t>
+              <a:t>16</a:t>
             </a:fld>
             <a:endParaRPr lang="en-US"/>
           </a:p>
@@ -10287,7 +9718,7 @@
 </p:sld>
 </file>
 
-<file path=ppt/slides/slide19.xml><?xml version="1.0" encoding="utf-8"?>
+<file path=ppt/slides/slide17.xml><?xml version="1.0" encoding="utf-8"?>
 <p:sld xmlns:a="http://schemas.openxmlformats.org/drawingml/2006/main" xmlns:r="http://schemas.openxmlformats.org/officeDocument/2006/relationships" xmlns:p="http://schemas.openxmlformats.org/presentationml/2006/main">
   <p:cSld>
     <p:spTree>
@@ -10321,7 +9752,7 @@
           <a:p>
             <a:fld id="{6700A58B-DD98-43D0-B791-721480A02982}" type="datetime1">
               <a:rPr lang="en-US" smtClean="0"/>
-              <a:t>9/11/20</a:t>
+              <a:t>2/1/21</a:t>
             </a:fld>
             <a:endParaRPr lang="en-US"/>
           </a:p>
@@ -10366,7 +9797,7 @@
           <a:p>
             <a:fld id="{37290FF7-652B-4475-AEAB-8B1A5D23AE09}" type="slidenum">
               <a:rPr lang="en-US" smtClean="0"/>
-              <a:t>19</a:t>
+              <a:t>17</a:t>
             </a:fld>
             <a:endParaRPr lang="en-US"/>
           </a:p>
@@ -10649,7 +10080,7 @@
 </p:sld>
 </file>
 
-<file path=ppt/slides/slide2.xml><?xml version="1.0" encoding="utf-8"?>
+<file path=ppt/slides/slide18.xml><?xml version="1.0" encoding="utf-8"?>
 <p:sld xmlns:a="http://schemas.openxmlformats.org/drawingml/2006/main" xmlns:r="http://schemas.openxmlformats.org/officeDocument/2006/relationships" xmlns:p="http://schemas.openxmlformats.org/presentationml/2006/main">
   <p:cSld>
     <p:spTree>
@@ -10668,243 +10099,6 @@
       </p:grpSpPr>
       <p:sp>
         <p:nvSpPr>
-          <p:cNvPr id="2" name="Title 1">
-            <a:extLst>
-              <a:ext uri="{FF2B5EF4-FFF2-40B4-BE49-F238E27FC236}">
-                <a16:creationId xmlns:a16="http://schemas.microsoft.com/office/drawing/2014/main" id="{24781D8F-18F4-214F-97DD-B56FE23F9852}"/>
-              </a:ext>
-            </a:extLst>
-          </p:cNvPr>
-          <p:cNvSpPr>
-            <a:spLocks noGrp="1"/>
-          </p:cNvSpPr>
-          <p:nvPr>
-            <p:ph type="title"/>
-          </p:nvPr>
-        </p:nvSpPr>
-        <p:spPr/>
-        <p:txBody>
-          <a:bodyPr/>
-          <a:lstStyle/>
-          <a:p>
-            <a:r>
-              <a:rPr lang="en-US" dirty="0"/>
-              <a:t>Lab Questions…</a:t>
-            </a:r>
-          </a:p>
-        </p:txBody>
-      </p:sp>
-      <p:sp>
-        <p:nvSpPr>
-          <p:cNvPr id="3" name="Content Placeholder 2">
-            <a:extLst>
-              <a:ext uri="{FF2B5EF4-FFF2-40B4-BE49-F238E27FC236}">
-                <a16:creationId xmlns:a16="http://schemas.microsoft.com/office/drawing/2014/main" id="{15396F7B-103E-1F44-99C5-D6F8B4C8B04A}"/>
-              </a:ext>
-            </a:extLst>
-          </p:cNvPr>
-          <p:cNvSpPr>
-            <a:spLocks noGrp="1"/>
-          </p:cNvSpPr>
-          <p:nvPr>
-            <p:ph idx="1"/>
-          </p:nvPr>
-        </p:nvSpPr>
-        <p:spPr/>
-        <p:txBody>
-          <a:bodyPr>
-            <a:normAutofit/>
-          </a:bodyPr>
-          <a:lstStyle/>
-          <a:p>
-            <a:r>
-              <a:rPr lang="en-US" dirty="0"/>
-              <a:t>Some of you were wondering about Canvas:</a:t>
-            </a:r>
-          </a:p>
-          <a:p>
-            <a:pPr lvl="1"/>
-            <a:r>
-              <a:rPr lang="en-US" dirty="0"/>
-              <a:t>Upload your R script(s) and presentation files following instructions here</a:t>
-            </a:r>
-          </a:p>
-          <a:p>
-            <a:pPr marL="342900" lvl="1" indent="0">
-              <a:buNone/>
-            </a:pPr>
-            <a:r>
-              <a:rPr lang="en-US" dirty="0">
-                <a:hlinkClick r:id="rId2"/>
-              </a:rPr>
-              <a:t>https://community.canvaslms.com/t5/Student-Guide/How-do-I-upload-a-file-as-an-assignment-submission-in-Canvas/ta-p/274</a:t>
-            </a:r>
-            <a:endParaRPr lang="en-US" dirty="0"/>
-          </a:p>
-          <a:p>
-            <a:pPr lvl="1"/>
-            <a:r>
-              <a:rPr lang="en-US" dirty="0"/>
-              <a:t>For case video presentations, you can add to </a:t>
-            </a:r>
-            <a:r>
-              <a:rPr lang="en-US" dirty="0" err="1"/>
-              <a:t>youtube</a:t>
-            </a:r>
-            <a:r>
-              <a:rPr lang="en-US" dirty="0"/>
-              <a:t> (unlisted is fine), </a:t>
-            </a:r>
-            <a:r>
-              <a:rPr lang="en-US" dirty="0" err="1"/>
-              <a:t>dropbox</a:t>
-            </a:r>
-            <a:r>
-              <a:rPr lang="en-US" dirty="0"/>
-              <a:t> or similar and share the URL as a simple text file uploaded to Canvas. We don’t really care where it is hosted or even emailed.  </a:t>
-            </a:r>
-          </a:p>
-          <a:p>
-            <a:pPr lvl="2"/>
-            <a:r>
-              <a:rPr lang="en-US" dirty="0"/>
-              <a:t>To be successful in a business context, even the most technical people/teams need to present to leadership.  Thus the class includes presentations similar to MBA classes and was included in the syllabus shared prior to class.</a:t>
-            </a:r>
-          </a:p>
-          <a:p>
-            <a:pPr lvl="2"/>
-            <a:r>
-              <a:rPr lang="en-US" dirty="0"/>
-              <a:t>Your teaching staff will first watch the video, review the scripts and add running commentary in canvas.  The final score is then assigned in canvas according to the syllabus description.  Once all assignments have been graded the results are “published” so that each individual student can review the grade and commentary.</a:t>
-            </a:r>
-          </a:p>
-          <a:p>
-            <a:pPr marL="342900" lvl="1" indent="0">
-              <a:buNone/>
-            </a:pPr>
-            <a:endParaRPr lang="en-US" dirty="0"/>
-          </a:p>
-        </p:txBody>
-      </p:sp>
-      <p:sp>
-        <p:nvSpPr>
-          <p:cNvPr id="4" name="Date Placeholder 3">
-            <a:extLst>
-              <a:ext uri="{FF2B5EF4-FFF2-40B4-BE49-F238E27FC236}">
-                <a16:creationId xmlns:a16="http://schemas.microsoft.com/office/drawing/2014/main" id="{43E7923C-CA2B-294D-9EFC-8A93ECD9D712}"/>
-              </a:ext>
-            </a:extLst>
-          </p:cNvPr>
-          <p:cNvSpPr>
-            <a:spLocks noGrp="1"/>
-          </p:cNvSpPr>
-          <p:nvPr>
-            <p:ph type="dt" sz="half" idx="10"/>
-          </p:nvPr>
-        </p:nvSpPr>
-        <p:spPr/>
-        <p:txBody>
-          <a:bodyPr/>
-          <a:lstStyle/>
-          <a:p>
-            <a:fld id="{D753EFC8-4232-4598-94F6-94C0EBAFC469}" type="datetime1">
-              <a:rPr lang="en-US" smtClean="0"/>
-              <a:t>9/11/20</a:t>
-            </a:fld>
-            <a:endParaRPr lang="en-US"/>
-          </a:p>
-        </p:txBody>
-      </p:sp>
-      <p:sp>
-        <p:nvSpPr>
-          <p:cNvPr id="5" name="Slide Number Placeholder 4">
-            <a:extLst>
-              <a:ext uri="{FF2B5EF4-FFF2-40B4-BE49-F238E27FC236}">
-                <a16:creationId xmlns:a16="http://schemas.microsoft.com/office/drawing/2014/main" id="{D9A0A052-1DA2-3840-AF3F-27E78D5885D8}"/>
-              </a:ext>
-            </a:extLst>
-          </p:cNvPr>
-          <p:cNvSpPr>
-            <a:spLocks noGrp="1"/>
-          </p:cNvSpPr>
-          <p:nvPr>
-            <p:ph type="sldNum" sz="quarter" idx="12"/>
-          </p:nvPr>
-        </p:nvSpPr>
-        <p:spPr/>
-        <p:txBody>
-          <a:bodyPr/>
-          <a:lstStyle/>
-          <a:p>
-            <a:fld id="{37290FF7-652B-4475-AEAB-8B1A5D23AE09}" type="slidenum">
-              <a:rPr lang="en-US" smtClean="0"/>
-              <a:t>2</a:t>
-            </a:fld>
-            <a:endParaRPr lang="en-US"/>
-          </a:p>
-        </p:txBody>
-      </p:sp>
-      <p:sp>
-        <p:nvSpPr>
-          <p:cNvPr id="6" name="Footer Placeholder 5">
-            <a:extLst>
-              <a:ext uri="{FF2B5EF4-FFF2-40B4-BE49-F238E27FC236}">
-                <a16:creationId xmlns:a16="http://schemas.microsoft.com/office/drawing/2014/main" id="{C1D8A663-5796-2941-9073-E5F2B2D6335C}"/>
-              </a:ext>
-            </a:extLst>
-          </p:cNvPr>
-          <p:cNvSpPr>
-            <a:spLocks noGrp="1"/>
-          </p:cNvSpPr>
-          <p:nvPr>
-            <p:ph type="ftr" sz="quarter" idx="3"/>
-          </p:nvPr>
-        </p:nvSpPr>
-        <p:spPr/>
-        <p:txBody>
-          <a:bodyPr/>
-          <a:lstStyle/>
-          <a:p>
-            <a:r>
-              <a:rPr lang="en-US"/>
-              <a:t>Kwartler CSCI S-96</a:t>
-            </a:r>
-            <a:endParaRPr lang="en-US" dirty="0"/>
-          </a:p>
-        </p:txBody>
-      </p:sp>
-    </p:spTree>
-    <p:extLst>
-      <p:ext uri="{BB962C8B-B14F-4D97-AF65-F5344CB8AC3E}">
-        <p14:creationId xmlns:p14="http://schemas.microsoft.com/office/powerpoint/2010/main" val="516118153"/>
-      </p:ext>
-    </p:extLst>
-  </p:cSld>
-  <p:clrMapOvr>
-    <a:masterClrMapping/>
-  </p:clrMapOvr>
-</p:sld>
-</file>
-
-<file path=ppt/slides/slide20.xml><?xml version="1.0" encoding="utf-8"?>
-<p:sld xmlns:a="http://schemas.openxmlformats.org/drawingml/2006/main" xmlns:r="http://schemas.openxmlformats.org/officeDocument/2006/relationships" xmlns:p="http://schemas.openxmlformats.org/presentationml/2006/main">
-  <p:cSld>
-    <p:spTree>
-      <p:nvGrpSpPr>
-        <p:cNvPr id="1" name=""/>
-        <p:cNvGrpSpPr/>
-        <p:nvPr/>
-      </p:nvGrpSpPr>
-      <p:grpSpPr>
-        <a:xfrm>
-          <a:off x="0" y="0"/>
-          <a:ext cx="0" cy="0"/>
-          <a:chOff x="0" y="0"/>
-          <a:chExt cx="0" cy="0"/>
-        </a:xfrm>
-      </p:grpSpPr>
-      <p:sp>
-        <p:nvSpPr>
           <p:cNvPr id="2" name="Date Placeholder 1"/>
           <p:cNvSpPr>
             <a:spLocks noGrp="1"/>
@@ -10920,7 +10114,7 @@
           <a:p>
             <a:fld id="{6700A58B-DD98-43D0-B791-721480A02982}" type="datetime1">
               <a:rPr lang="en-US" smtClean="0"/>
-              <a:t>9/11/20</a:t>
+              <a:t>2/1/21</a:t>
             </a:fld>
             <a:endParaRPr lang="en-US"/>
           </a:p>
@@ -10965,7 +10159,7 @@
           <a:p>
             <a:fld id="{37290FF7-652B-4475-AEAB-8B1A5D23AE09}" type="slidenum">
               <a:rPr lang="en-US" smtClean="0"/>
-              <a:t>20</a:t>
+              <a:t>18</a:t>
             </a:fld>
             <a:endParaRPr lang="en-US"/>
           </a:p>
@@ -11280,7 +10474,7 @@
 </p:sld>
 </file>
 
-<file path=ppt/slides/slide21.xml><?xml version="1.0" encoding="utf-8"?>
+<file path=ppt/slides/slide19.xml><?xml version="1.0" encoding="utf-8"?>
 <p:sld xmlns:a="http://schemas.openxmlformats.org/drawingml/2006/main" xmlns:r="http://schemas.openxmlformats.org/officeDocument/2006/relationships" xmlns:p="http://schemas.openxmlformats.org/presentationml/2006/main">
   <p:cSld>
     <p:spTree>
@@ -11314,7 +10508,7 @@
           <a:p>
             <a:fld id="{6700A58B-DD98-43D0-B791-721480A02982}" type="datetime1">
               <a:rPr lang="en-US" smtClean="0"/>
-              <a:t>9/11/20</a:t>
+              <a:t>2/1/21</a:t>
             </a:fld>
             <a:endParaRPr lang="en-US"/>
           </a:p>
@@ -11364,7 +10558,7 @@
           <a:p>
             <a:fld id="{37290FF7-652B-4475-AEAB-8B1A5D23AE09}" type="slidenum">
               <a:rPr lang="en-US" smtClean="0"/>
-              <a:t>21</a:t>
+              <a:t>19</a:t>
             </a:fld>
             <a:endParaRPr lang="en-US"/>
           </a:p>
@@ -12799,7 +11993,7 @@
 </p:sld>
 </file>
 
-<file path=ppt/slides/slide22.xml><?xml version="1.0" encoding="utf-8"?>
+<file path=ppt/slides/slide2.xml><?xml version="1.0" encoding="utf-8"?>
 <p:sld xmlns:a="http://schemas.openxmlformats.org/drawingml/2006/main" xmlns:r="http://schemas.openxmlformats.org/officeDocument/2006/relationships" xmlns:p="http://schemas.openxmlformats.org/presentationml/2006/main">
   <p:cSld>
     <p:spTree>
@@ -12833,7 +12027,7 @@
           <a:p>
             <a:fld id="{6700A58B-DD98-43D0-B791-721480A02982}" type="datetime1">
               <a:rPr lang="en-US" smtClean="0"/>
-              <a:t>9/11/20</a:t>
+              <a:t>2/1/21</a:t>
             </a:fld>
             <a:endParaRPr lang="en-US"/>
           </a:p>
@@ -12856,7 +12050,7 @@
           <a:p>
             <a:r>
               <a:rPr lang="en-US" dirty="0"/>
-              <a:t>Types of Problems</a:t>
+              <a:t>Data Mining in this course </a:t>
             </a:r>
           </a:p>
         </p:txBody>
@@ -12878,7 +12072,285 @@
           <a:p>
             <a:fld id="{37290FF7-652B-4475-AEAB-8B1A5D23AE09}" type="slidenum">
               <a:rPr lang="en-US" smtClean="0"/>
-              <a:t>22</a:t>
+              <a:t>2</a:t>
+            </a:fld>
+            <a:endParaRPr lang="en-US"/>
+          </a:p>
+        </p:txBody>
+      </p:sp>
+      <p:sp>
+        <p:nvSpPr>
+          <p:cNvPr id="5" name="Footer Placeholder 4"/>
+          <p:cNvSpPr>
+            <a:spLocks noGrp="1"/>
+          </p:cNvSpPr>
+          <p:nvPr>
+            <p:ph type="ftr" sz="quarter" idx="3"/>
+          </p:nvPr>
+        </p:nvSpPr>
+        <p:spPr/>
+        <p:txBody>
+          <a:bodyPr/>
+          <a:lstStyle/>
+          <a:p>
+            <a:r>
+              <a:rPr lang="en-US"/>
+              <a:t>Kwartler CSCI S-96</a:t>
+            </a:r>
+            <a:endParaRPr lang="en-US" dirty="0"/>
+          </a:p>
+        </p:txBody>
+      </p:sp>
+      <p:sp>
+        <p:nvSpPr>
+          <p:cNvPr id="7" name="Rectangle 6"/>
+          <p:cNvSpPr/>
+          <p:nvPr/>
+        </p:nvSpPr>
+        <p:spPr>
+          <a:xfrm>
+            <a:off x="228600" y="5672137"/>
+            <a:ext cx="8686800" cy="614371"/>
+          </a:xfrm>
+          <a:prstGeom prst="rect">
+            <a:avLst/>
+          </a:prstGeom>
+        </p:spPr>
+        <p:style>
+          <a:lnRef idx="2">
+            <a:schemeClr val="accent1">
+              <a:shade val="50000"/>
+            </a:schemeClr>
+          </a:lnRef>
+          <a:fillRef idx="1">
+            <a:schemeClr val="accent1"/>
+          </a:fillRef>
+          <a:effectRef idx="0">
+            <a:schemeClr val="accent1"/>
+          </a:effectRef>
+          <a:fontRef idx="minor">
+            <a:schemeClr val="lt1"/>
+          </a:fontRef>
+        </p:style>
+        <p:txBody>
+          <a:bodyPr rtlCol="0" anchor="ctr"/>
+          <a:lstStyle/>
+          <a:p>
+            <a:pPr algn="ctr"/>
+            <a:r>
+              <a:rPr lang="en-US" dirty="0"/>
+              <a:t>In this class we explore basic analytics, some business intelligence and ML methods in an effort to bring quantitative judgment to bear on business decisions.</a:t>
+            </a:r>
+          </a:p>
+        </p:txBody>
+      </p:sp>
+      <p:cxnSp>
+        <p:nvCxnSpPr>
+          <p:cNvPr id="8" name="Straight Connector 7"/>
+          <p:cNvCxnSpPr/>
+          <p:nvPr/>
+        </p:nvCxnSpPr>
+        <p:spPr>
+          <a:xfrm>
+            <a:off x="228600" y="5543567"/>
+            <a:ext cx="8558213" cy="0"/>
+          </a:xfrm>
+          <a:prstGeom prst="line">
+            <a:avLst/>
+          </a:prstGeom>
+          <a:ln>
+            <a:solidFill>
+              <a:schemeClr val="accent5"/>
+            </a:solidFill>
+            <a:prstDash val="dash"/>
+          </a:ln>
+        </p:spPr>
+        <p:style>
+          <a:lnRef idx="1">
+            <a:schemeClr val="accent1"/>
+          </a:lnRef>
+          <a:fillRef idx="0">
+            <a:schemeClr val="accent1"/>
+          </a:fillRef>
+          <a:effectRef idx="0">
+            <a:schemeClr val="accent1"/>
+          </a:effectRef>
+          <a:fontRef idx="minor">
+            <a:schemeClr val="tx1"/>
+          </a:fontRef>
+        </p:style>
+      </p:cxnSp>
+      <p:sp>
+        <p:nvSpPr>
+          <p:cNvPr id="10" name="TextBox 9"/>
+          <p:cNvSpPr txBox="1"/>
+          <p:nvPr/>
+        </p:nvSpPr>
+        <p:spPr>
+          <a:xfrm>
+            <a:off x="192505" y="1748589"/>
+            <a:ext cx="8726907" cy="1754326"/>
+          </a:xfrm>
+          <a:prstGeom prst="rect">
+            <a:avLst/>
+          </a:prstGeom>
+          <a:noFill/>
+        </p:spPr>
+        <p:txBody>
+          <a:bodyPr wrap="square" rtlCol="0">
+            <a:spAutoFit/>
+          </a:bodyPr>
+          <a:lstStyle/>
+          <a:p>
+            <a:pPr marL="112713" indent="-112713">
+              <a:buFont typeface="Arial" panose="020B0604020202020204" pitchFamily="34" charset="0"/>
+              <a:buChar char="•"/>
+            </a:pPr>
+            <a:r>
+              <a:rPr lang="en-US" b="1" dirty="0"/>
+              <a:t>Business Analytics </a:t>
+            </a:r>
+            <a:r>
+              <a:rPr lang="en-US" dirty="0"/>
+              <a:t>– analyzing historical business data with basic math, SME rules, tallies, tables, summary statistics </a:t>
+            </a:r>
+            <a:r>
+              <a:rPr lang="en-US" dirty="0" err="1"/>
+              <a:t>etc</a:t>
+            </a:r>
+            <a:endParaRPr lang="en-US" dirty="0"/>
+          </a:p>
+          <a:p>
+            <a:pPr marL="112713" indent="-112713">
+              <a:buFont typeface="Arial" panose="020B0604020202020204" pitchFamily="34" charset="0"/>
+              <a:buChar char="•"/>
+            </a:pPr>
+            <a:r>
+              <a:rPr lang="en-US" b="1" dirty="0"/>
+              <a:t>Business Intelligence</a:t>
+            </a:r>
+            <a:r>
+              <a:rPr lang="en-US" dirty="0"/>
+              <a:t> – what has happened or is happening that can help current business decisions, often done with visuals, </a:t>
+            </a:r>
+            <a:r>
+              <a:rPr lang="en-US" dirty="0" err="1"/>
+              <a:t>powerpoint</a:t>
+            </a:r>
+            <a:r>
+              <a:rPr lang="en-US" dirty="0"/>
+              <a:t>, dashboards i.e. tableau</a:t>
+            </a:r>
+          </a:p>
+          <a:p>
+            <a:pPr marL="112713" indent="-112713">
+              <a:buFont typeface="Arial" panose="020B0604020202020204" pitchFamily="34" charset="0"/>
+              <a:buChar char="•"/>
+            </a:pPr>
+            <a:r>
+              <a:rPr lang="en-US" b="1" dirty="0"/>
+              <a:t>Data Mining</a:t>
+            </a:r>
+            <a:r>
+              <a:rPr lang="en-US" dirty="0"/>
+              <a:t> – includes machine learning (ML) &amp; data science; applies more sophisticated methods to understand and predict business outcomes.</a:t>
+            </a:r>
+          </a:p>
+        </p:txBody>
+      </p:sp>
+    </p:spTree>
+    <p:extLst>
+      <p:ext uri="{BB962C8B-B14F-4D97-AF65-F5344CB8AC3E}">
+        <p14:creationId xmlns:p14="http://schemas.microsoft.com/office/powerpoint/2010/main" val="66837245"/>
+      </p:ext>
+    </p:extLst>
+  </p:cSld>
+  <p:clrMapOvr>
+    <a:masterClrMapping/>
+  </p:clrMapOvr>
+</p:sld>
+</file>
+
+<file path=ppt/slides/slide20.xml><?xml version="1.0" encoding="utf-8"?>
+<p:sld xmlns:a="http://schemas.openxmlformats.org/drawingml/2006/main" xmlns:r="http://schemas.openxmlformats.org/officeDocument/2006/relationships" xmlns:p="http://schemas.openxmlformats.org/presentationml/2006/main">
+  <p:cSld>
+    <p:spTree>
+      <p:nvGrpSpPr>
+        <p:cNvPr id="1" name=""/>
+        <p:cNvGrpSpPr/>
+        <p:nvPr/>
+      </p:nvGrpSpPr>
+      <p:grpSpPr>
+        <a:xfrm>
+          <a:off x="0" y="0"/>
+          <a:ext cx="0" cy="0"/>
+          <a:chOff x="0" y="0"/>
+          <a:chExt cx="0" cy="0"/>
+        </a:xfrm>
+      </p:grpSpPr>
+      <p:sp>
+        <p:nvSpPr>
+          <p:cNvPr id="2" name="Date Placeholder 1"/>
+          <p:cNvSpPr>
+            <a:spLocks noGrp="1"/>
+          </p:cNvSpPr>
+          <p:nvPr>
+            <p:ph type="dt" sz="half" idx="10"/>
+          </p:nvPr>
+        </p:nvSpPr>
+        <p:spPr/>
+        <p:txBody>
+          <a:bodyPr/>
+          <a:lstStyle/>
+          <a:p>
+            <a:fld id="{6700A58B-DD98-43D0-B791-721480A02982}" type="datetime1">
+              <a:rPr lang="en-US" smtClean="0"/>
+              <a:t>2/1/21</a:t>
+            </a:fld>
+            <a:endParaRPr lang="en-US"/>
+          </a:p>
+        </p:txBody>
+      </p:sp>
+      <p:sp>
+        <p:nvSpPr>
+          <p:cNvPr id="3" name="Title 2"/>
+          <p:cNvSpPr>
+            <a:spLocks noGrp="1"/>
+          </p:cNvSpPr>
+          <p:nvPr>
+            <p:ph type="title"/>
+          </p:nvPr>
+        </p:nvSpPr>
+        <p:spPr/>
+        <p:txBody>
+          <a:bodyPr/>
+          <a:lstStyle/>
+          <a:p>
+            <a:r>
+              <a:rPr lang="en-US" dirty="0"/>
+              <a:t>Types of Problems</a:t>
+            </a:r>
+          </a:p>
+        </p:txBody>
+      </p:sp>
+      <p:sp>
+        <p:nvSpPr>
+          <p:cNvPr id="4" name="Slide Number Placeholder 3"/>
+          <p:cNvSpPr>
+            <a:spLocks noGrp="1"/>
+          </p:cNvSpPr>
+          <p:nvPr>
+            <p:ph type="sldNum" sz="quarter" idx="12"/>
+          </p:nvPr>
+        </p:nvSpPr>
+        <p:spPr/>
+        <p:txBody>
+          <a:bodyPr/>
+          <a:lstStyle/>
+          <a:p>
+            <a:fld id="{37290FF7-652B-4475-AEAB-8B1A5D23AE09}" type="slidenum">
+              <a:rPr lang="en-US" smtClean="0"/>
+              <a:t>20</a:t>
             </a:fld>
             <a:endParaRPr lang="en-US"/>
           </a:p>
@@ -13201,7 +12673,7 @@
 </p:sld>
 </file>
 
-<file path=ppt/slides/slide23.xml><?xml version="1.0" encoding="utf-8"?>
+<file path=ppt/slides/slide21.xml><?xml version="1.0" encoding="utf-8"?>
 <p:sld xmlns:a="http://schemas.openxmlformats.org/drawingml/2006/main" xmlns:r="http://schemas.openxmlformats.org/officeDocument/2006/relationships" xmlns:p="http://schemas.openxmlformats.org/presentationml/2006/main">
   <p:cSld>
     <p:spTree>
@@ -13235,7 +12707,7 @@
           <a:p>
             <a:fld id="{6700A58B-DD98-43D0-B791-721480A02982}" type="datetime1">
               <a:rPr lang="en-US" smtClean="0"/>
-              <a:t>9/11/20</a:t>
+              <a:t>2/1/21</a:t>
             </a:fld>
             <a:endParaRPr lang="en-US"/>
           </a:p>
@@ -13280,7 +12752,7 @@
           <a:p>
             <a:fld id="{37290FF7-652B-4475-AEAB-8B1A5D23AE09}" type="slidenum">
               <a:rPr lang="en-US" smtClean="0"/>
-              <a:t>23</a:t>
+              <a:t>21</a:t>
             </a:fld>
             <a:endParaRPr lang="en-US"/>
           </a:p>
@@ -13627,7 +13099,7 @@
 </p:sld>
 </file>
 
-<file path=ppt/slides/slide24.xml><?xml version="1.0" encoding="utf-8"?>
+<file path=ppt/slides/slide22.xml><?xml version="1.0" encoding="utf-8"?>
 <p:sld xmlns:a="http://schemas.openxmlformats.org/drawingml/2006/main" xmlns:r="http://schemas.openxmlformats.org/officeDocument/2006/relationships" xmlns:p="http://schemas.openxmlformats.org/presentationml/2006/main">
   <p:cSld>
     <p:spTree>
@@ -13661,7 +13133,7 @@
           <a:p>
             <a:fld id="{6700A58B-DD98-43D0-B791-721480A02982}" type="datetime1">
               <a:rPr lang="en-US" smtClean="0"/>
-              <a:t>9/11/20</a:t>
+              <a:t>2/1/21</a:t>
             </a:fld>
             <a:endParaRPr lang="en-US"/>
           </a:p>
@@ -13706,7 +13178,7 @@
           <a:p>
             <a:fld id="{37290FF7-652B-4475-AEAB-8B1A5D23AE09}" type="slidenum">
               <a:rPr lang="en-US" smtClean="0"/>
-              <a:t>24</a:t>
+              <a:t>22</a:t>
             </a:fld>
             <a:endParaRPr lang="en-US"/>
           </a:p>
@@ -14009,7 +13481,7 @@
 </p:sld>
 </file>
 
-<file path=ppt/slides/slide25.xml><?xml version="1.0" encoding="utf-8"?>
+<file path=ppt/slides/slide23.xml><?xml version="1.0" encoding="utf-8"?>
 <p:sld xmlns:a="http://schemas.openxmlformats.org/drawingml/2006/main" xmlns:r="http://schemas.openxmlformats.org/officeDocument/2006/relationships" xmlns:p="http://schemas.openxmlformats.org/presentationml/2006/main">
   <p:cSld>
     <p:spTree>
@@ -14043,7 +13515,7 @@
           <a:p>
             <a:fld id="{6700A58B-DD98-43D0-B791-721480A02982}" type="datetime1">
               <a:rPr lang="en-US" smtClean="0"/>
-              <a:t>9/11/20</a:t>
+              <a:t>2/1/21</a:t>
             </a:fld>
             <a:endParaRPr lang="en-US"/>
           </a:p>
@@ -14088,7 +13560,7 @@
           <a:p>
             <a:fld id="{37290FF7-652B-4475-AEAB-8B1A5D23AE09}" type="slidenum">
               <a:rPr lang="en-US" smtClean="0"/>
-              <a:t>25</a:t>
+              <a:t>23</a:t>
             </a:fld>
             <a:endParaRPr lang="en-US"/>
           </a:p>
@@ -14387,7 +13859,7 @@
 </p:sld>
 </file>
 
-<file path=ppt/slides/slide26.xml><?xml version="1.0" encoding="utf-8"?>
+<file path=ppt/slides/slide24.xml><?xml version="1.0" encoding="utf-8"?>
 <p:sld xmlns:a="http://schemas.openxmlformats.org/drawingml/2006/main" xmlns:r="http://schemas.openxmlformats.org/officeDocument/2006/relationships" xmlns:p="http://schemas.openxmlformats.org/presentationml/2006/main">
   <p:cSld>
     <p:spTree>
@@ -14421,7 +13893,7 @@
           <a:p>
             <a:fld id="{6700A58B-DD98-43D0-B791-721480A02982}" type="datetime1">
               <a:rPr lang="en-US" smtClean="0"/>
-              <a:t>9/11/20</a:t>
+              <a:t>2/1/21</a:t>
             </a:fld>
             <a:endParaRPr lang="en-US"/>
           </a:p>
@@ -14466,7 +13938,7 @@
           <a:p>
             <a:fld id="{37290FF7-652B-4475-AEAB-8B1A5D23AE09}" type="slidenum">
               <a:rPr lang="en-US" smtClean="0"/>
-              <a:t>26</a:t>
+              <a:t>24</a:t>
             </a:fld>
             <a:endParaRPr lang="en-US"/>
           </a:p>
@@ -14773,7 +14245,7 @@
 </p:sld>
 </file>
 
-<file path=ppt/slides/slide27.xml><?xml version="1.0" encoding="utf-8"?>
+<file path=ppt/slides/slide25.xml><?xml version="1.0" encoding="utf-8"?>
 <p:sld xmlns:a="http://schemas.openxmlformats.org/drawingml/2006/main" xmlns:r="http://schemas.openxmlformats.org/officeDocument/2006/relationships" xmlns:p="http://schemas.openxmlformats.org/presentationml/2006/main">
   <p:cSld>
     <p:spTree>
@@ -14834,7 +14306,7 @@
           <a:p>
             <a:fld id="{D753EFC8-4232-4598-94F6-94C0EBAFC469}" type="datetime1">
               <a:rPr lang="en-US" smtClean="0"/>
-              <a:t>9/11/20</a:t>
+              <a:t>2/1/21</a:t>
             </a:fld>
             <a:endParaRPr lang="en-US"/>
           </a:p>
@@ -14857,7 +14329,7 @@
           <a:p>
             <a:fld id="{37290FF7-652B-4475-AEAB-8B1A5D23AE09}" type="slidenum">
               <a:rPr lang="en-US" smtClean="0"/>
-              <a:t>27</a:t>
+              <a:t>25</a:t>
             </a:fld>
             <a:endParaRPr lang="en-US"/>
           </a:p>
@@ -16653,7 +16125,7 @@
 </p:sld>
 </file>
 
-<file path=ppt/slides/slide28.xml><?xml version="1.0" encoding="utf-8"?>
+<file path=ppt/slides/slide26.xml><?xml version="1.0" encoding="utf-8"?>
 <p:sld xmlns:a="http://schemas.openxmlformats.org/drawingml/2006/main" xmlns:r="http://schemas.openxmlformats.org/officeDocument/2006/relationships" xmlns:p="http://schemas.openxmlformats.org/presentationml/2006/main">
   <p:cSld>
     <p:spTree>
@@ -16687,7 +16159,7 @@
           <a:p>
             <a:fld id="{6700A58B-DD98-43D0-B791-721480A02982}" type="datetime1">
               <a:rPr lang="en-US" smtClean="0"/>
-              <a:t>9/11/20</a:t>
+              <a:t>2/1/21</a:t>
             </a:fld>
             <a:endParaRPr lang="en-US"/>
           </a:p>
@@ -16732,7 +16204,7 @@
           <a:p>
             <a:fld id="{37290FF7-652B-4475-AEAB-8B1A5D23AE09}" type="slidenum">
               <a:rPr lang="en-US" smtClean="0"/>
-              <a:t>28</a:t>
+              <a:t>26</a:t>
             </a:fld>
             <a:endParaRPr lang="en-US"/>
           </a:p>
@@ -17031,7 +16503,7 @@
 </p:sld>
 </file>
 
-<file path=ppt/slides/slide29.xml><?xml version="1.0" encoding="utf-8"?>
+<file path=ppt/slides/slide27.xml><?xml version="1.0" encoding="utf-8"?>
 <p:sld xmlns:a="http://schemas.openxmlformats.org/drawingml/2006/main" xmlns:r="http://schemas.openxmlformats.org/officeDocument/2006/relationships" xmlns:p="http://schemas.openxmlformats.org/presentationml/2006/main">
   <p:cSld>
     <p:spTree>
@@ -17065,7 +16537,7 @@
           <a:p>
             <a:fld id="{6700A58B-DD98-43D0-B791-721480A02982}" type="datetime1">
               <a:rPr lang="en-US" smtClean="0"/>
-              <a:t>9/11/20</a:t>
+              <a:t>2/1/21</a:t>
             </a:fld>
             <a:endParaRPr lang="en-US"/>
           </a:p>
@@ -17110,7 +16582,7 @@
           <a:p>
             <a:fld id="{37290FF7-652B-4475-AEAB-8B1A5D23AE09}" type="slidenum">
               <a:rPr lang="en-US" smtClean="0"/>
-              <a:t>29</a:t>
+              <a:t>27</a:t>
             </a:fld>
             <a:endParaRPr lang="en-US"/>
           </a:p>
@@ -17603,7 +17075,7 @@
 </p:sld>
 </file>
 
-<file path=ppt/slides/slide3.xml><?xml version="1.0" encoding="utf-8"?>
+<file path=ppt/slides/slide28.xml><?xml version="1.0" encoding="utf-8"?>
 <p:sld xmlns:a="http://schemas.openxmlformats.org/drawingml/2006/main" xmlns:r="http://schemas.openxmlformats.org/officeDocument/2006/relationships" xmlns:p="http://schemas.openxmlformats.org/presentationml/2006/main">
   <p:cSld>
     <p:spTree>
@@ -17622,217 +17094,6 @@
       </p:grpSpPr>
       <p:sp>
         <p:nvSpPr>
-          <p:cNvPr id="2" name="Title 1">
-            <a:extLst>
-              <a:ext uri="{FF2B5EF4-FFF2-40B4-BE49-F238E27FC236}">
-                <a16:creationId xmlns:a16="http://schemas.microsoft.com/office/drawing/2014/main" id="{24781D8F-18F4-214F-97DD-B56FE23F9852}"/>
-              </a:ext>
-            </a:extLst>
-          </p:cNvPr>
-          <p:cNvSpPr>
-            <a:spLocks noGrp="1"/>
-          </p:cNvSpPr>
-          <p:nvPr>
-            <p:ph type="title"/>
-          </p:nvPr>
-        </p:nvSpPr>
-        <p:spPr/>
-        <p:txBody>
-          <a:bodyPr/>
-          <a:lstStyle/>
-          <a:p>
-            <a:r>
-              <a:rPr lang="en-US" dirty="0"/>
-              <a:t>More Lab Questions…</a:t>
-            </a:r>
-          </a:p>
-        </p:txBody>
-      </p:sp>
-      <p:sp>
-        <p:nvSpPr>
-          <p:cNvPr id="3" name="Content Placeholder 2">
-            <a:extLst>
-              <a:ext uri="{FF2B5EF4-FFF2-40B4-BE49-F238E27FC236}">
-                <a16:creationId xmlns:a16="http://schemas.microsoft.com/office/drawing/2014/main" id="{15396F7B-103E-1F44-99C5-D6F8B4C8B04A}"/>
-              </a:ext>
-            </a:extLst>
-          </p:cNvPr>
-          <p:cNvSpPr>
-            <a:spLocks noGrp="1"/>
-          </p:cNvSpPr>
-          <p:nvPr>
-            <p:ph idx="1"/>
-          </p:nvPr>
-        </p:nvSpPr>
-        <p:spPr/>
-        <p:txBody>
-          <a:bodyPr>
-            <a:normAutofit/>
-          </a:bodyPr>
-          <a:lstStyle/>
-          <a:p>
-            <a:r>
-              <a:rPr lang="en-US" dirty="0" err="1"/>
-              <a:t>DataCamp</a:t>
-            </a:r>
-            <a:r>
-              <a:rPr lang="en-US" dirty="0"/>
-              <a:t> free subscription invitations for 6 months should be in your inbox.  Check spam and if not there please reach out over email for a new link.</a:t>
-            </a:r>
-          </a:p>
-          <a:p>
-            <a:r>
-              <a:rPr lang="en-US" dirty="0"/>
-              <a:t>EDA is the subject of today’s lesson, so that should decrease some of the anxiety regarding the case.  </a:t>
-            </a:r>
-          </a:p>
-          <a:p>
-            <a:r>
-              <a:rPr lang="en-US" dirty="0"/>
-              <a:t>The book is </a:t>
-            </a:r>
-            <a:r>
-              <a:rPr lang="en-US" i="1" dirty="0"/>
-              <a:t>required</a:t>
-            </a:r>
-            <a:r>
-              <a:rPr lang="en-US" dirty="0"/>
-              <a:t>.  You spent thousands on the class, don’t complain about the book cost.  Graduate school at HU expects that you study 10-14hrs per class outside of instruction.  It was part original syllabus and should have been expected.</a:t>
-            </a:r>
-          </a:p>
-          <a:p>
-            <a:pPr marL="342900" lvl="1" indent="0">
-              <a:buNone/>
-            </a:pPr>
-            <a:endParaRPr lang="en-US" dirty="0"/>
-          </a:p>
-          <a:p>
-            <a:pPr marL="342900" lvl="1" indent="0">
-              <a:buNone/>
-            </a:pPr>
-            <a:endParaRPr lang="en-US" dirty="0"/>
-          </a:p>
-        </p:txBody>
-      </p:sp>
-      <p:sp>
-        <p:nvSpPr>
-          <p:cNvPr id="4" name="Date Placeholder 3">
-            <a:extLst>
-              <a:ext uri="{FF2B5EF4-FFF2-40B4-BE49-F238E27FC236}">
-                <a16:creationId xmlns:a16="http://schemas.microsoft.com/office/drawing/2014/main" id="{43E7923C-CA2B-294D-9EFC-8A93ECD9D712}"/>
-              </a:ext>
-            </a:extLst>
-          </p:cNvPr>
-          <p:cNvSpPr>
-            <a:spLocks noGrp="1"/>
-          </p:cNvSpPr>
-          <p:nvPr>
-            <p:ph type="dt" sz="half" idx="10"/>
-          </p:nvPr>
-        </p:nvSpPr>
-        <p:spPr/>
-        <p:txBody>
-          <a:bodyPr/>
-          <a:lstStyle/>
-          <a:p>
-            <a:fld id="{D753EFC8-4232-4598-94F6-94C0EBAFC469}" type="datetime1">
-              <a:rPr lang="en-US" smtClean="0"/>
-              <a:t>9/11/20</a:t>
-            </a:fld>
-            <a:endParaRPr lang="en-US"/>
-          </a:p>
-        </p:txBody>
-      </p:sp>
-      <p:sp>
-        <p:nvSpPr>
-          <p:cNvPr id="5" name="Slide Number Placeholder 4">
-            <a:extLst>
-              <a:ext uri="{FF2B5EF4-FFF2-40B4-BE49-F238E27FC236}">
-                <a16:creationId xmlns:a16="http://schemas.microsoft.com/office/drawing/2014/main" id="{D9A0A052-1DA2-3840-AF3F-27E78D5885D8}"/>
-              </a:ext>
-            </a:extLst>
-          </p:cNvPr>
-          <p:cNvSpPr>
-            <a:spLocks noGrp="1"/>
-          </p:cNvSpPr>
-          <p:nvPr>
-            <p:ph type="sldNum" sz="quarter" idx="12"/>
-          </p:nvPr>
-        </p:nvSpPr>
-        <p:spPr/>
-        <p:txBody>
-          <a:bodyPr/>
-          <a:lstStyle/>
-          <a:p>
-            <a:fld id="{37290FF7-652B-4475-AEAB-8B1A5D23AE09}" type="slidenum">
-              <a:rPr lang="en-US" smtClean="0"/>
-              <a:t>3</a:t>
-            </a:fld>
-            <a:endParaRPr lang="en-US"/>
-          </a:p>
-        </p:txBody>
-      </p:sp>
-      <p:sp>
-        <p:nvSpPr>
-          <p:cNvPr id="6" name="Footer Placeholder 5">
-            <a:extLst>
-              <a:ext uri="{FF2B5EF4-FFF2-40B4-BE49-F238E27FC236}">
-                <a16:creationId xmlns:a16="http://schemas.microsoft.com/office/drawing/2014/main" id="{C1D8A663-5796-2941-9073-E5F2B2D6335C}"/>
-              </a:ext>
-            </a:extLst>
-          </p:cNvPr>
-          <p:cNvSpPr>
-            <a:spLocks noGrp="1"/>
-          </p:cNvSpPr>
-          <p:nvPr>
-            <p:ph type="ftr" sz="quarter" idx="3"/>
-          </p:nvPr>
-        </p:nvSpPr>
-        <p:spPr/>
-        <p:txBody>
-          <a:bodyPr/>
-          <a:lstStyle/>
-          <a:p>
-            <a:r>
-              <a:rPr lang="en-US"/>
-              <a:t>Kwartler CSCI S-96</a:t>
-            </a:r>
-            <a:endParaRPr lang="en-US" dirty="0"/>
-          </a:p>
-        </p:txBody>
-      </p:sp>
-    </p:spTree>
-    <p:extLst>
-      <p:ext uri="{BB962C8B-B14F-4D97-AF65-F5344CB8AC3E}">
-        <p14:creationId xmlns:p14="http://schemas.microsoft.com/office/powerpoint/2010/main" val="3618751113"/>
-      </p:ext>
-    </p:extLst>
-  </p:cSld>
-  <p:clrMapOvr>
-    <a:masterClrMapping/>
-  </p:clrMapOvr>
-</p:sld>
-</file>
-
-<file path=ppt/slides/slide30.xml><?xml version="1.0" encoding="utf-8"?>
-<p:sld xmlns:a="http://schemas.openxmlformats.org/drawingml/2006/main" xmlns:r="http://schemas.openxmlformats.org/officeDocument/2006/relationships" xmlns:p="http://schemas.openxmlformats.org/presentationml/2006/main">
-  <p:cSld>
-    <p:spTree>
-      <p:nvGrpSpPr>
-        <p:cNvPr id="1" name=""/>
-        <p:cNvGrpSpPr/>
-        <p:nvPr/>
-      </p:nvGrpSpPr>
-      <p:grpSpPr>
-        <a:xfrm>
-          <a:off x="0" y="0"/>
-          <a:ext cx="0" cy="0"/>
-          <a:chOff x="0" y="0"/>
-          <a:chExt cx="0" cy="0"/>
-        </a:xfrm>
-      </p:grpSpPr>
-      <p:sp>
-        <p:nvSpPr>
           <p:cNvPr id="2" name="Date Placeholder 1"/>
           <p:cNvSpPr>
             <a:spLocks noGrp="1"/>
@@ -17848,7 +17109,7 @@
           <a:p>
             <a:fld id="{6700A58B-DD98-43D0-B791-721480A02982}" type="datetime1">
               <a:rPr lang="en-US" smtClean="0"/>
-              <a:t>9/11/20</a:t>
+              <a:t>2/1/21</a:t>
             </a:fld>
             <a:endParaRPr lang="en-US"/>
           </a:p>
@@ -17893,7 +17154,7 @@
           <a:p>
             <a:fld id="{37290FF7-652B-4475-AEAB-8B1A5D23AE09}" type="slidenum">
               <a:rPr lang="en-US" smtClean="0"/>
-              <a:t>30</a:t>
+              <a:t>28</a:t>
             </a:fld>
             <a:endParaRPr lang="en-US"/>
           </a:p>
@@ -18293,6 +17554,1702 @@
     <p:extLst>
       <p:ext uri="{BB962C8B-B14F-4D97-AF65-F5344CB8AC3E}">
         <p14:creationId xmlns:p14="http://schemas.microsoft.com/office/powerpoint/2010/main" val="1085885802"/>
+      </p:ext>
+    </p:extLst>
+  </p:cSld>
+  <p:clrMapOvr>
+    <a:masterClrMapping/>
+  </p:clrMapOvr>
+  <p:timing>
+    <p:tnLst>
+      <p:par>
+        <p:cTn id="1" dur="indefinite" restart="never" nodeType="tmRoot">
+          <p:childTnLst>
+            <p:seq concurrent="1" nextAc="seek">
+              <p:cTn id="2" dur="indefinite" nodeType="mainSeq">
+                <p:childTnLst>
+                  <p:par>
+                    <p:cTn id="3" fill="hold">
+                      <p:stCondLst>
+                        <p:cond delay="indefinite"/>
+                      </p:stCondLst>
+                      <p:childTnLst>
+                        <p:par>
+                          <p:cTn id="4" fill="hold">
+                            <p:stCondLst>
+                              <p:cond delay="0"/>
+                            </p:stCondLst>
+                            <p:childTnLst>
+                              <p:par>
+                                <p:cTn id="5" presetID="1" presetClass="entr" presetSubtype="0" fill="hold" grpId="0" nodeType="clickEffect">
+                                  <p:stCondLst>
+                                    <p:cond delay="0"/>
+                                  </p:stCondLst>
+                                  <p:childTnLst>
+                                    <p:set>
+                                      <p:cBhvr>
+                                        <p:cTn id="6" dur="1" fill="hold">
+                                          <p:stCondLst>
+                                            <p:cond delay="0"/>
+                                          </p:stCondLst>
+                                        </p:cTn>
+                                        <p:tgtEl>
+                                          <p:spTgt spid="11"/>
+                                        </p:tgtEl>
+                                        <p:attrNameLst>
+                                          <p:attrName>style.visibility</p:attrName>
+                                        </p:attrNameLst>
+                                      </p:cBhvr>
+                                      <p:to>
+                                        <p:strVal val="visible"/>
+                                      </p:to>
+                                    </p:set>
+                                  </p:childTnLst>
+                                </p:cTn>
+                              </p:par>
+                            </p:childTnLst>
+                          </p:cTn>
+                        </p:par>
+                      </p:childTnLst>
+                    </p:cTn>
+                  </p:par>
+                </p:childTnLst>
+              </p:cTn>
+              <p:prevCondLst>
+                <p:cond evt="onPrev" delay="0">
+                  <p:tgtEl>
+                    <p:sldTgt/>
+                  </p:tgtEl>
+                </p:cond>
+              </p:prevCondLst>
+              <p:nextCondLst>
+                <p:cond evt="onNext" delay="0">
+                  <p:tgtEl>
+                    <p:sldTgt/>
+                  </p:tgtEl>
+                </p:cond>
+              </p:nextCondLst>
+            </p:seq>
+          </p:childTnLst>
+        </p:cTn>
+      </p:par>
+    </p:tnLst>
+    <p:bldLst>
+      <p:bldP spid="11" grpId="0" animBg="1"/>
+    </p:bldLst>
+  </p:timing>
+</p:sld>
+</file>
+
+<file path=ppt/slides/slide29.xml><?xml version="1.0" encoding="utf-8"?>
+<p:sld xmlns:a="http://schemas.openxmlformats.org/drawingml/2006/main" xmlns:r="http://schemas.openxmlformats.org/officeDocument/2006/relationships" xmlns:p="http://schemas.openxmlformats.org/presentationml/2006/main">
+  <p:cSld>
+    <p:spTree>
+      <p:nvGrpSpPr>
+        <p:cNvPr id="1" name=""/>
+        <p:cNvGrpSpPr/>
+        <p:nvPr/>
+      </p:nvGrpSpPr>
+      <p:grpSpPr>
+        <a:xfrm>
+          <a:off x="0" y="0"/>
+          <a:ext cx="0" cy="0"/>
+          <a:chOff x="0" y="0"/>
+          <a:chExt cx="0" cy="0"/>
+        </a:xfrm>
+      </p:grpSpPr>
+      <p:sp>
+        <p:nvSpPr>
+          <p:cNvPr id="2" name="Date Placeholder 1"/>
+          <p:cNvSpPr>
+            <a:spLocks noGrp="1"/>
+          </p:cNvSpPr>
+          <p:nvPr>
+            <p:ph type="dt" sz="half" idx="10"/>
+          </p:nvPr>
+        </p:nvSpPr>
+        <p:spPr/>
+        <p:txBody>
+          <a:bodyPr/>
+          <a:lstStyle/>
+          <a:p>
+            <a:fld id="{6700A58B-DD98-43D0-B791-721480A02982}" type="datetime1">
+              <a:rPr lang="en-US" smtClean="0"/>
+              <a:t>2/1/21</a:t>
+            </a:fld>
+            <a:endParaRPr lang="en-US"/>
+          </a:p>
+        </p:txBody>
+      </p:sp>
+      <p:sp>
+        <p:nvSpPr>
+          <p:cNvPr id="3" name="Title 2"/>
+          <p:cNvSpPr>
+            <a:spLocks noGrp="1"/>
+          </p:cNvSpPr>
+          <p:nvPr>
+            <p:ph type="title"/>
+          </p:nvPr>
+        </p:nvSpPr>
+        <p:spPr/>
+        <p:txBody>
+          <a:bodyPr/>
+          <a:lstStyle/>
+          <a:p>
+            <a:r>
+              <a:rPr lang="en-US" dirty="0"/>
+              <a:t>Your turn…</a:t>
+            </a:r>
+          </a:p>
+        </p:txBody>
+      </p:sp>
+      <p:sp>
+        <p:nvSpPr>
+          <p:cNvPr id="4" name="Slide Number Placeholder 3"/>
+          <p:cNvSpPr>
+            <a:spLocks noGrp="1"/>
+          </p:cNvSpPr>
+          <p:nvPr>
+            <p:ph type="sldNum" sz="quarter" idx="12"/>
+          </p:nvPr>
+        </p:nvSpPr>
+        <p:spPr/>
+        <p:txBody>
+          <a:bodyPr/>
+          <a:lstStyle/>
+          <a:p>
+            <a:fld id="{37290FF7-652B-4475-AEAB-8B1A5D23AE09}" type="slidenum">
+              <a:rPr lang="en-US" smtClean="0"/>
+              <a:t>29</a:t>
+            </a:fld>
+            <a:endParaRPr lang="en-US"/>
+          </a:p>
+        </p:txBody>
+      </p:sp>
+      <p:sp>
+        <p:nvSpPr>
+          <p:cNvPr id="5" name="Footer Placeholder 4"/>
+          <p:cNvSpPr>
+            <a:spLocks noGrp="1"/>
+          </p:cNvSpPr>
+          <p:nvPr>
+            <p:ph type="ftr" sz="quarter" idx="3"/>
+          </p:nvPr>
+        </p:nvSpPr>
+        <p:spPr/>
+        <p:txBody>
+          <a:bodyPr/>
+          <a:lstStyle/>
+          <a:p>
+            <a:r>
+              <a:rPr lang="en-US"/>
+              <a:t>Kwartler CSCI S-96</a:t>
+            </a:r>
+            <a:endParaRPr lang="en-US" dirty="0"/>
+          </a:p>
+        </p:txBody>
+      </p:sp>
+      <p:sp>
+        <p:nvSpPr>
+          <p:cNvPr id="6" name="TextBox 5"/>
+          <p:cNvSpPr txBox="1"/>
+          <p:nvPr/>
+        </p:nvSpPr>
+        <p:spPr>
+          <a:xfrm>
+            <a:off x="492398" y="2036939"/>
+            <a:ext cx="3358612" cy="3693319"/>
+          </a:xfrm>
+          <a:prstGeom prst="rect">
+            <a:avLst/>
+          </a:prstGeom>
+          <a:noFill/>
+        </p:spPr>
+        <p:txBody>
+          <a:bodyPr wrap="none" rtlCol="0">
+            <a:spAutoFit/>
+          </a:bodyPr>
+          <a:lstStyle/>
+          <a:p>
+            <a:pPr marL="285750" indent="-285750">
+              <a:buFont typeface="Arial" panose="020B0604020202020204" pitchFamily="34" charset="0"/>
+              <a:buChar char="•"/>
+            </a:pPr>
+            <a:r>
+              <a:rPr lang="en-US" dirty="0"/>
+              <a:t>Retrospective</a:t>
+            </a:r>
+          </a:p>
+          <a:p>
+            <a:pPr marL="285750" indent="-285750">
+              <a:buFont typeface="Arial" panose="020B0604020202020204" pitchFamily="34" charset="0"/>
+              <a:buChar char="•"/>
+            </a:pPr>
+            <a:r>
+              <a:rPr lang="en-US" dirty="0"/>
+              <a:t>Descriptive</a:t>
+            </a:r>
+          </a:p>
+          <a:p>
+            <a:pPr marL="285750" indent="-285750">
+              <a:buFont typeface="Arial" panose="020B0604020202020204" pitchFamily="34" charset="0"/>
+              <a:buChar char="•"/>
+            </a:pPr>
+            <a:r>
+              <a:rPr lang="en-US" dirty="0"/>
+              <a:t>Data Science</a:t>
+            </a:r>
+          </a:p>
+          <a:p>
+            <a:pPr marL="742950" lvl="1" indent="-285750">
+              <a:buFont typeface="Arial" panose="020B0604020202020204" pitchFamily="34" charset="0"/>
+              <a:buChar char="•"/>
+            </a:pPr>
+            <a:r>
+              <a:rPr lang="en-US" dirty="0"/>
+              <a:t>Predictive</a:t>
+            </a:r>
+          </a:p>
+          <a:p>
+            <a:pPr marL="1200150" lvl="2" indent="-285750">
+              <a:buFont typeface="Arial" panose="020B0604020202020204" pitchFamily="34" charset="0"/>
+              <a:buChar char="•"/>
+            </a:pPr>
+            <a:r>
+              <a:rPr lang="en-US" dirty="0"/>
+              <a:t>Supervised Learning</a:t>
+            </a:r>
+          </a:p>
+          <a:p>
+            <a:pPr marL="1657350" lvl="3" indent="-285750">
+              <a:buFont typeface="Arial" panose="020B0604020202020204" pitchFamily="34" charset="0"/>
+              <a:buChar char="•"/>
+            </a:pPr>
+            <a:r>
+              <a:rPr lang="en-US" dirty="0"/>
+              <a:t>Classification</a:t>
+            </a:r>
+          </a:p>
+          <a:p>
+            <a:pPr marL="2114550" lvl="4" indent="-285750">
+              <a:buFont typeface="Arial" panose="020B0604020202020204" pitchFamily="34" charset="0"/>
+              <a:buChar char="•"/>
+            </a:pPr>
+            <a:r>
+              <a:rPr lang="en-US" dirty="0"/>
+              <a:t>Binary</a:t>
+            </a:r>
+          </a:p>
+          <a:p>
+            <a:pPr marL="2114550" lvl="4" indent="-285750">
+              <a:buFont typeface="Arial" panose="020B0604020202020204" pitchFamily="34" charset="0"/>
+              <a:buChar char="•"/>
+            </a:pPr>
+            <a:r>
+              <a:rPr lang="en-US" dirty="0"/>
+              <a:t>Multi-Class</a:t>
+            </a:r>
+          </a:p>
+          <a:p>
+            <a:pPr marL="1657350" lvl="3" indent="-285750">
+              <a:buFont typeface="Arial" panose="020B0604020202020204" pitchFamily="34" charset="0"/>
+              <a:buChar char="•"/>
+            </a:pPr>
+            <a:r>
+              <a:rPr lang="en-US" dirty="0"/>
+              <a:t>Continuous</a:t>
+            </a:r>
+          </a:p>
+          <a:p>
+            <a:pPr marL="742950" lvl="1" indent="-285750">
+              <a:buFont typeface="Arial" panose="020B0604020202020204" pitchFamily="34" charset="0"/>
+              <a:buChar char="•"/>
+            </a:pPr>
+            <a:r>
+              <a:rPr lang="en-US" dirty="0"/>
+              <a:t>Forecasting</a:t>
+            </a:r>
+          </a:p>
+          <a:p>
+            <a:pPr marL="742950" lvl="2" indent="-285750">
+              <a:buFont typeface="Arial" panose="020B0604020202020204" pitchFamily="34" charset="0"/>
+              <a:buChar char="•"/>
+            </a:pPr>
+            <a:r>
+              <a:rPr lang="en-US" dirty="0"/>
+              <a:t>Unsupervised Learning</a:t>
+            </a:r>
+          </a:p>
+          <a:p>
+            <a:pPr marL="742950" lvl="1" indent="-285750">
+              <a:buFont typeface="Arial" panose="020B0604020202020204" pitchFamily="34" charset="0"/>
+              <a:buChar char="•"/>
+            </a:pPr>
+            <a:r>
+              <a:rPr lang="en-US" dirty="0"/>
+              <a:t>Associative System</a:t>
+            </a:r>
+          </a:p>
+          <a:p>
+            <a:pPr marL="285750" indent="-285750">
+              <a:buFont typeface="Arial" panose="020B0604020202020204" pitchFamily="34" charset="0"/>
+              <a:buChar char="•"/>
+            </a:pPr>
+            <a:endParaRPr lang="en-US" dirty="0"/>
+          </a:p>
+        </p:txBody>
+      </p:sp>
+      <p:sp>
+        <p:nvSpPr>
+          <p:cNvPr id="7" name="TextBox 6"/>
+          <p:cNvSpPr txBox="1"/>
+          <p:nvPr/>
+        </p:nvSpPr>
+        <p:spPr>
+          <a:xfrm>
+            <a:off x="4522319" y="2036939"/>
+            <a:ext cx="4544705" cy="646331"/>
+          </a:xfrm>
+          <a:prstGeom prst="rect">
+            <a:avLst/>
+          </a:prstGeom>
+          <a:noFill/>
+        </p:spPr>
+        <p:txBody>
+          <a:bodyPr wrap="square" rtlCol="0">
+            <a:spAutoFit/>
+          </a:bodyPr>
+          <a:lstStyle/>
+          <a:p>
+            <a:r>
+              <a:rPr lang="en-US" dirty="0"/>
+              <a:t>What should we place next to the cheese in the grocery cooler?</a:t>
+            </a:r>
+          </a:p>
+        </p:txBody>
+      </p:sp>
+      <p:sp>
+        <p:nvSpPr>
+          <p:cNvPr id="8" name="Rectangle 7"/>
+          <p:cNvSpPr/>
+          <p:nvPr/>
+        </p:nvSpPr>
+        <p:spPr>
+          <a:xfrm>
+            <a:off x="4598448" y="1319213"/>
+            <a:ext cx="4392447" cy="557213"/>
+          </a:xfrm>
+          <a:prstGeom prst="rect">
+            <a:avLst/>
+          </a:prstGeom>
+          <a:solidFill>
+            <a:schemeClr val="accent3"/>
+          </a:solidFill>
+          <a:ln>
+            <a:noFill/>
+          </a:ln>
+        </p:spPr>
+        <p:style>
+          <a:lnRef idx="2">
+            <a:schemeClr val="accent1">
+              <a:shade val="50000"/>
+            </a:schemeClr>
+          </a:lnRef>
+          <a:fillRef idx="1">
+            <a:schemeClr val="accent1"/>
+          </a:fillRef>
+          <a:effectRef idx="0">
+            <a:schemeClr val="accent1"/>
+          </a:effectRef>
+          <a:fontRef idx="minor">
+            <a:schemeClr val="lt1"/>
+          </a:fontRef>
+        </p:style>
+        <p:txBody>
+          <a:bodyPr rtlCol="0" anchor="ctr"/>
+          <a:lstStyle/>
+          <a:p>
+            <a:pPr algn="ctr"/>
+            <a:r>
+              <a:rPr lang="en-US" dirty="0"/>
+              <a:t>Scenarios</a:t>
+            </a:r>
+          </a:p>
+        </p:txBody>
+      </p:sp>
+      <p:sp>
+        <p:nvSpPr>
+          <p:cNvPr id="9" name="Rectangle 8"/>
+          <p:cNvSpPr/>
+          <p:nvPr/>
+        </p:nvSpPr>
+        <p:spPr>
+          <a:xfrm>
+            <a:off x="114304" y="1319213"/>
+            <a:ext cx="4114800" cy="557213"/>
+          </a:xfrm>
+          <a:prstGeom prst="rect">
+            <a:avLst/>
+          </a:prstGeom>
+          <a:solidFill>
+            <a:schemeClr val="accent3"/>
+          </a:solidFill>
+          <a:ln>
+            <a:noFill/>
+          </a:ln>
+        </p:spPr>
+        <p:style>
+          <a:lnRef idx="2">
+            <a:schemeClr val="accent1">
+              <a:shade val="50000"/>
+            </a:schemeClr>
+          </a:lnRef>
+          <a:fillRef idx="1">
+            <a:schemeClr val="accent1"/>
+          </a:fillRef>
+          <a:effectRef idx="0">
+            <a:schemeClr val="accent1"/>
+          </a:effectRef>
+          <a:fontRef idx="minor">
+            <a:schemeClr val="lt1"/>
+          </a:fontRef>
+        </p:style>
+        <p:txBody>
+          <a:bodyPr rtlCol="0" anchor="ctr"/>
+          <a:lstStyle/>
+          <a:p>
+            <a:pPr algn="ctr"/>
+            <a:r>
+              <a:rPr lang="en-US" dirty="0"/>
+              <a:t>Methods</a:t>
+            </a:r>
+          </a:p>
+        </p:txBody>
+      </p:sp>
+      <p:pic>
+        <p:nvPicPr>
+          <p:cNvPr id="3074" name="Picture 2" descr="Image result for cheese meme"/>
+          <p:cNvPicPr>
+            <a:picLocks noChangeAspect="1" noChangeArrowheads="1"/>
+          </p:cNvPicPr>
+          <p:nvPr/>
+        </p:nvPicPr>
+        <p:blipFill>
+          <a:blip r:embed="rId3">
+            <a:extLst>
+              <a:ext uri="{28A0092B-C50C-407E-A947-70E740481C1C}">
+                <a14:useLocalDpi xmlns:a14="http://schemas.microsoft.com/office/drawing/2010/main" val="0"/>
+              </a:ext>
+            </a:extLst>
+          </a:blip>
+          <a:srcRect/>
+          <a:stretch>
+            <a:fillRect/>
+          </a:stretch>
+        </p:blipFill>
+        <p:spPr bwMode="auto">
+          <a:xfrm>
+            <a:off x="5425880" y="2831489"/>
+            <a:ext cx="2737582" cy="2993200"/>
+          </a:xfrm>
+          <a:prstGeom prst="rect">
+            <a:avLst/>
+          </a:prstGeom>
+          <a:noFill/>
+          <a:extLst>
+            <a:ext uri="{909E8E84-426E-40DD-AFC4-6F175D3DCCD1}">
+              <a14:hiddenFill xmlns:a14="http://schemas.microsoft.com/office/drawing/2010/main">
+                <a:solidFill>
+                  <a:srgbClr val="FFFFFF"/>
+                </a:solidFill>
+              </a14:hiddenFill>
+            </a:ext>
+          </a:extLst>
+        </p:spPr>
+      </p:pic>
+      <p:sp>
+        <p:nvSpPr>
+          <p:cNvPr id="11" name="Rectangle 10">
+            <a:extLst>
+              <a:ext uri="{FF2B5EF4-FFF2-40B4-BE49-F238E27FC236}">
+                <a16:creationId xmlns:a16="http://schemas.microsoft.com/office/drawing/2014/main" id="{AE01E582-1061-3B4B-AB0C-BEFB0EAF66B8}"/>
+              </a:ext>
+            </a:extLst>
+          </p:cNvPr>
+          <p:cNvSpPr/>
+          <p:nvPr/>
+        </p:nvSpPr>
+        <p:spPr>
+          <a:xfrm>
+            <a:off x="5654565" y="5845216"/>
+            <a:ext cx="2280213" cy="381964"/>
+          </a:xfrm>
+          <a:prstGeom prst="rect">
+            <a:avLst/>
+          </a:prstGeom>
+        </p:spPr>
+        <p:style>
+          <a:lnRef idx="2">
+            <a:schemeClr val="accent1">
+              <a:shade val="50000"/>
+            </a:schemeClr>
+          </a:lnRef>
+          <a:fillRef idx="1">
+            <a:schemeClr val="accent1"/>
+          </a:fillRef>
+          <a:effectRef idx="0">
+            <a:schemeClr val="accent1"/>
+          </a:effectRef>
+          <a:fontRef idx="minor">
+            <a:schemeClr val="lt1"/>
+          </a:fontRef>
+        </p:style>
+        <p:txBody>
+          <a:bodyPr rtlCol="0" anchor="ctr"/>
+          <a:lstStyle/>
+          <a:p>
+            <a:pPr algn="ctr"/>
+            <a:r>
+              <a:rPr lang="en-US" dirty="0"/>
+              <a:t>Association</a:t>
+            </a:r>
+          </a:p>
+        </p:txBody>
+      </p:sp>
+    </p:spTree>
+    <p:extLst>
+      <p:ext uri="{BB962C8B-B14F-4D97-AF65-F5344CB8AC3E}">
+        <p14:creationId xmlns:p14="http://schemas.microsoft.com/office/powerpoint/2010/main" val="414842357"/>
+      </p:ext>
+    </p:extLst>
+  </p:cSld>
+  <p:clrMapOvr>
+    <a:masterClrMapping/>
+  </p:clrMapOvr>
+  <p:timing>
+    <p:tnLst>
+      <p:par>
+        <p:cTn id="1" dur="indefinite" restart="never" nodeType="tmRoot">
+          <p:childTnLst>
+            <p:seq concurrent="1" nextAc="seek">
+              <p:cTn id="2" dur="indefinite" nodeType="mainSeq">
+                <p:childTnLst>
+                  <p:par>
+                    <p:cTn id="3" fill="hold">
+                      <p:stCondLst>
+                        <p:cond delay="indefinite"/>
+                      </p:stCondLst>
+                      <p:childTnLst>
+                        <p:par>
+                          <p:cTn id="4" fill="hold">
+                            <p:stCondLst>
+                              <p:cond delay="0"/>
+                            </p:stCondLst>
+                            <p:childTnLst>
+                              <p:par>
+                                <p:cTn id="5" presetID="1" presetClass="entr" presetSubtype="0" fill="hold" grpId="0" nodeType="clickEffect">
+                                  <p:stCondLst>
+                                    <p:cond delay="0"/>
+                                  </p:stCondLst>
+                                  <p:childTnLst>
+                                    <p:set>
+                                      <p:cBhvr>
+                                        <p:cTn id="6" dur="1" fill="hold">
+                                          <p:stCondLst>
+                                            <p:cond delay="0"/>
+                                          </p:stCondLst>
+                                        </p:cTn>
+                                        <p:tgtEl>
+                                          <p:spTgt spid="11"/>
+                                        </p:tgtEl>
+                                        <p:attrNameLst>
+                                          <p:attrName>style.visibility</p:attrName>
+                                        </p:attrNameLst>
+                                      </p:cBhvr>
+                                      <p:to>
+                                        <p:strVal val="visible"/>
+                                      </p:to>
+                                    </p:set>
+                                  </p:childTnLst>
+                                </p:cTn>
+                              </p:par>
+                            </p:childTnLst>
+                          </p:cTn>
+                        </p:par>
+                      </p:childTnLst>
+                    </p:cTn>
+                  </p:par>
+                </p:childTnLst>
+              </p:cTn>
+              <p:prevCondLst>
+                <p:cond evt="onPrev" delay="0">
+                  <p:tgtEl>
+                    <p:sldTgt/>
+                  </p:tgtEl>
+                </p:cond>
+              </p:prevCondLst>
+              <p:nextCondLst>
+                <p:cond evt="onNext" delay="0">
+                  <p:tgtEl>
+                    <p:sldTgt/>
+                  </p:tgtEl>
+                </p:cond>
+              </p:nextCondLst>
+            </p:seq>
+          </p:childTnLst>
+        </p:cTn>
+      </p:par>
+    </p:tnLst>
+    <p:bldLst>
+      <p:bldP spid="11" grpId="0" animBg="1"/>
+    </p:bldLst>
+  </p:timing>
+</p:sld>
+</file>
+
+<file path=ppt/slides/slide3.xml><?xml version="1.0" encoding="utf-8"?>
+<p:sld xmlns:a="http://schemas.openxmlformats.org/drawingml/2006/main" xmlns:r="http://schemas.openxmlformats.org/officeDocument/2006/relationships" xmlns:p="http://schemas.openxmlformats.org/presentationml/2006/main">
+  <p:cSld>
+    <p:spTree>
+      <p:nvGrpSpPr>
+        <p:cNvPr id="1" name=""/>
+        <p:cNvGrpSpPr/>
+        <p:nvPr/>
+      </p:nvGrpSpPr>
+      <p:grpSpPr>
+        <a:xfrm>
+          <a:off x="0" y="0"/>
+          <a:ext cx="0" cy="0"/>
+          <a:chOff x="0" y="0"/>
+          <a:chExt cx="0" cy="0"/>
+        </a:xfrm>
+      </p:grpSpPr>
+      <p:sp>
+        <p:nvSpPr>
+          <p:cNvPr id="2" name="Date Placeholder 1"/>
+          <p:cNvSpPr>
+            <a:spLocks noGrp="1"/>
+          </p:cNvSpPr>
+          <p:nvPr>
+            <p:ph type="dt" sz="half" idx="10"/>
+          </p:nvPr>
+        </p:nvSpPr>
+        <p:spPr/>
+        <p:txBody>
+          <a:bodyPr/>
+          <a:lstStyle/>
+          <a:p>
+            <a:fld id="{6700A58B-DD98-43D0-B791-721480A02982}" type="datetime1">
+              <a:rPr lang="en-US" smtClean="0"/>
+              <a:t>2/1/21</a:t>
+            </a:fld>
+            <a:endParaRPr lang="en-US"/>
+          </a:p>
+        </p:txBody>
+      </p:sp>
+      <p:sp>
+        <p:nvSpPr>
+          <p:cNvPr id="3" name="Title 2"/>
+          <p:cNvSpPr>
+            <a:spLocks noGrp="1"/>
+          </p:cNvSpPr>
+          <p:nvPr>
+            <p:ph type="title"/>
+          </p:nvPr>
+        </p:nvSpPr>
+        <p:spPr>
+          <a:xfrm>
+            <a:off x="0" y="107947"/>
+            <a:ext cx="9144000" cy="591477"/>
+          </a:xfrm>
+        </p:spPr>
+        <p:txBody>
+          <a:bodyPr/>
+          <a:lstStyle/>
+          <a:p>
+            <a:r>
+              <a:rPr lang="en-US" dirty="0"/>
+              <a:t>Data Mining &amp; Science is almost always missing business acumen.</a:t>
+            </a:r>
+          </a:p>
+        </p:txBody>
+      </p:sp>
+      <p:sp>
+        <p:nvSpPr>
+          <p:cNvPr id="4" name="Slide Number Placeholder 3"/>
+          <p:cNvSpPr>
+            <a:spLocks noGrp="1"/>
+          </p:cNvSpPr>
+          <p:nvPr>
+            <p:ph type="sldNum" sz="quarter" idx="12"/>
+          </p:nvPr>
+        </p:nvSpPr>
+        <p:spPr/>
+        <p:txBody>
+          <a:bodyPr/>
+          <a:lstStyle/>
+          <a:p>
+            <a:fld id="{37290FF7-652B-4475-AEAB-8B1A5D23AE09}" type="slidenum">
+              <a:rPr lang="en-US" smtClean="0"/>
+              <a:t>3</a:t>
+            </a:fld>
+            <a:endParaRPr lang="en-US"/>
+          </a:p>
+        </p:txBody>
+      </p:sp>
+      <p:sp>
+        <p:nvSpPr>
+          <p:cNvPr id="5" name="Footer Placeholder 4"/>
+          <p:cNvSpPr>
+            <a:spLocks noGrp="1"/>
+          </p:cNvSpPr>
+          <p:nvPr>
+            <p:ph type="ftr" sz="quarter" idx="3"/>
+          </p:nvPr>
+        </p:nvSpPr>
+        <p:spPr/>
+        <p:txBody>
+          <a:bodyPr/>
+          <a:lstStyle/>
+          <a:p>
+            <a:r>
+              <a:rPr lang="en-US"/>
+              <a:t>Kwartler CSCI S-96</a:t>
+            </a:r>
+            <a:endParaRPr lang="en-US" dirty="0"/>
+          </a:p>
+        </p:txBody>
+      </p:sp>
+      <p:pic>
+        <p:nvPicPr>
+          <p:cNvPr id="7" name="Shape 204"/>
+          <p:cNvPicPr preferRelativeResize="0"/>
+          <p:nvPr/>
+        </p:nvPicPr>
+        <p:blipFill rotWithShape="1">
+          <a:blip r:embed="rId2">
+            <a:alphaModFix/>
+          </a:blip>
+          <a:srcRect l="4369" t="88613" r="8232" b="4232"/>
+          <a:stretch/>
+        </p:blipFill>
+        <p:spPr>
+          <a:xfrm>
+            <a:off x="120150" y="5219850"/>
+            <a:ext cx="4370098" cy="367925"/>
+          </a:xfrm>
+          <a:prstGeom prst="rect">
+            <a:avLst/>
+          </a:prstGeom>
+          <a:noFill/>
+          <a:ln>
+            <a:noFill/>
+          </a:ln>
+        </p:spPr>
+      </p:pic>
+      <p:pic>
+        <p:nvPicPr>
+          <p:cNvPr id="8" name="Shape 205"/>
+          <p:cNvPicPr preferRelativeResize="0"/>
+          <p:nvPr/>
+        </p:nvPicPr>
+        <p:blipFill rotWithShape="1">
+          <a:blip r:embed="rId2">
+            <a:alphaModFix/>
+          </a:blip>
+          <a:srcRect l="10632" t="16637" r="12932" b="14382"/>
+          <a:stretch/>
+        </p:blipFill>
+        <p:spPr>
+          <a:xfrm>
+            <a:off x="172675" y="1702000"/>
+            <a:ext cx="3821976" cy="3547900"/>
+          </a:xfrm>
+          <a:prstGeom prst="rect">
+            <a:avLst/>
+          </a:prstGeom>
+          <a:noFill/>
+          <a:ln>
+            <a:noFill/>
+          </a:ln>
+        </p:spPr>
+      </p:pic>
+      <p:sp>
+        <p:nvSpPr>
+          <p:cNvPr id="10" name="Shape 207"/>
+          <p:cNvSpPr txBox="1"/>
+          <p:nvPr/>
+        </p:nvSpPr>
+        <p:spPr>
+          <a:xfrm>
+            <a:off x="4490251" y="1201000"/>
+            <a:ext cx="4325099" cy="413487"/>
+          </a:xfrm>
+          <a:prstGeom prst="rect">
+            <a:avLst/>
+          </a:prstGeom>
+          <a:noFill/>
+          <a:ln>
+            <a:noFill/>
+          </a:ln>
+        </p:spPr>
+        <p:txBody>
+          <a:bodyPr lIns="91425" tIns="91425" rIns="91425" bIns="91425" anchor="t" anchorCtr="0">
+            <a:noAutofit/>
+          </a:bodyPr>
+          <a:lstStyle/>
+          <a:p>
+            <a:r>
+              <a:rPr lang="en" u="sng" dirty="0">
+                <a:latin typeface="Open Sans"/>
+                <a:ea typeface="Open Sans"/>
+                <a:cs typeface="Open Sans"/>
+                <a:sym typeface="Open Sans"/>
+              </a:rPr>
+              <a:t>Data Science</a:t>
+            </a:r>
+          </a:p>
+        </p:txBody>
+      </p:sp>
+      <p:sp>
+        <p:nvSpPr>
+          <p:cNvPr id="13" name="Shape 210"/>
+          <p:cNvSpPr txBox="1"/>
+          <p:nvPr/>
+        </p:nvSpPr>
+        <p:spPr>
+          <a:xfrm>
+            <a:off x="4541326" y="1654612"/>
+            <a:ext cx="4325099" cy="1717238"/>
+          </a:xfrm>
+          <a:prstGeom prst="rect">
+            <a:avLst/>
+          </a:prstGeom>
+          <a:solidFill>
+            <a:schemeClr val="accent6"/>
+          </a:solidFill>
+          <a:ln>
+            <a:noFill/>
+          </a:ln>
+        </p:spPr>
+        <p:txBody>
+          <a:bodyPr lIns="91425" tIns="91425" rIns="91425" bIns="91425" anchor="t" anchorCtr="0">
+            <a:noAutofit/>
+          </a:bodyPr>
+          <a:lstStyle/>
+          <a:p>
+            <a:r>
+              <a:rPr lang="en" dirty="0">
+                <a:solidFill>
+                  <a:schemeClr val="bg1"/>
+                </a:solidFill>
+                <a:latin typeface="Open Sans"/>
+                <a:ea typeface="Open Sans"/>
+                <a:cs typeface="Open Sans"/>
+                <a:sym typeface="Open Sans"/>
+              </a:rPr>
+              <a:t>The study of information with the goal of extracting  meaningful insights and creating actionable recommendations.</a:t>
+            </a:r>
+          </a:p>
+          <a:p>
+            <a:endParaRPr sz="2400" dirty="0">
+              <a:solidFill>
+                <a:schemeClr val="bg1"/>
+              </a:solidFill>
+              <a:latin typeface="Open Sans"/>
+              <a:ea typeface="Open Sans"/>
+              <a:cs typeface="Open Sans"/>
+              <a:sym typeface="Open Sans"/>
+            </a:endParaRPr>
+          </a:p>
+          <a:p>
+            <a:r>
+              <a:rPr lang="en" sz="1000" i="1" dirty="0">
+                <a:solidFill>
+                  <a:schemeClr val="bg1"/>
+                </a:solidFill>
+                <a:latin typeface="Open Sans"/>
+                <a:ea typeface="Open Sans"/>
+                <a:cs typeface="Open Sans"/>
+                <a:sym typeface="Open Sans"/>
+              </a:rPr>
+              <a:t>*often does not require “big data” or extremely exotic approaches to have a business impact</a:t>
+            </a:r>
+          </a:p>
+        </p:txBody>
+      </p:sp>
+      <p:sp>
+        <p:nvSpPr>
+          <p:cNvPr id="14" name="Shape 211"/>
+          <p:cNvSpPr txBox="1"/>
+          <p:nvPr/>
+        </p:nvSpPr>
+        <p:spPr>
+          <a:xfrm>
+            <a:off x="4467751" y="4059378"/>
+            <a:ext cx="4325099" cy="1571402"/>
+          </a:xfrm>
+          <a:prstGeom prst="rect">
+            <a:avLst/>
+          </a:prstGeom>
+          <a:solidFill>
+            <a:schemeClr val="accent6"/>
+          </a:solidFill>
+          <a:ln>
+            <a:noFill/>
+          </a:ln>
+        </p:spPr>
+        <p:txBody>
+          <a:bodyPr lIns="91425" tIns="91425" rIns="91425" bIns="91425" anchor="t" anchorCtr="0">
+            <a:noAutofit/>
+          </a:bodyPr>
+          <a:lstStyle/>
+          <a:p>
+            <a:r>
+              <a:rPr lang="en" dirty="0">
+                <a:solidFill>
+                  <a:schemeClr val="bg1"/>
+                </a:solidFill>
+                <a:latin typeface="Open Sans"/>
+                <a:ea typeface="Open Sans"/>
+                <a:cs typeface="Open Sans"/>
+                <a:sym typeface="Open Sans"/>
+              </a:rPr>
+              <a:t>An outgrowth of artificial intelligence, machine learning is the set of tools, methodologies and techniques allowing a computer to “learn” about a specific situations represented with data. </a:t>
+            </a:r>
+          </a:p>
+        </p:txBody>
+      </p:sp>
+      <p:sp>
+        <p:nvSpPr>
+          <p:cNvPr id="15" name="Rectangle 14"/>
+          <p:cNvSpPr/>
+          <p:nvPr/>
+        </p:nvSpPr>
+        <p:spPr>
+          <a:xfrm>
+            <a:off x="300038" y="1271588"/>
+            <a:ext cx="3586162" cy="400050"/>
+          </a:xfrm>
+          <a:prstGeom prst="rect">
+            <a:avLst/>
+          </a:prstGeom>
+          <a:solidFill>
+            <a:schemeClr val="accent2"/>
+          </a:solidFill>
+          <a:ln>
+            <a:noFill/>
+          </a:ln>
+        </p:spPr>
+        <p:style>
+          <a:lnRef idx="2">
+            <a:schemeClr val="accent1">
+              <a:shade val="50000"/>
+            </a:schemeClr>
+          </a:lnRef>
+          <a:fillRef idx="1">
+            <a:schemeClr val="accent1"/>
+          </a:fillRef>
+          <a:effectRef idx="0">
+            <a:schemeClr val="accent1"/>
+          </a:effectRef>
+          <a:fontRef idx="minor">
+            <a:schemeClr val="lt1"/>
+          </a:fontRef>
+        </p:style>
+        <p:txBody>
+          <a:bodyPr rtlCol="0" anchor="ctr"/>
+          <a:lstStyle/>
+          <a:p>
+            <a:pPr algn="ctr"/>
+            <a:r>
+              <a:rPr lang="en-US" dirty="0"/>
+              <a:t>Traditional View</a:t>
+            </a:r>
+          </a:p>
+        </p:txBody>
+      </p:sp>
+      <p:sp>
+        <p:nvSpPr>
+          <p:cNvPr id="16" name="Shape 207"/>
+          <p:cNvSpPr txBox="1"/>
+          <p:nvPr/>
+        </p:nvSpPr>
+        <p:spPr>
+          <a:xfrm>
+            <a:off x="4414051" y="3610825"/>
+            <a:ext cx="4325099" cy="413487"/>
+          </a:xfrm>
+          <a:prstGeom prst="rect">
+            <a:avLst/>
+          </a:prstGeom>
+          <a:noFill/>
+          <a:ln>
+            <a:noFill/>
+          </a:ln>
+        </p:spPr>
+        <p:txBody>
+          <a:bodyPr lIns="91425" tIns="91425" rIns="91425" bIns="91425" anchor="t" anchorCtr="0">
+            <a:noAutofit/>
+          </a:bodyPr>
+          <a:lstStyle/>
+          <a:p>
+            <a:r>
+              <a:rPr lang="en" u="sng" dirty="0">
+                <a:latin typeface="Open Sans"/>
+                <a:ea typeface="Open Sans"/>
+                <a:cs typeface="Open Sans"/>
+                <a:sym typeface="Open Sans"/>
+              </a:rPr>
+              <a:t>Machine Learning</a:t>
+            </a:r>
+          </a:p>
+        </p:txBody>
+      </p:sp>
+    </p:spTree>
+    <p:extLst>
+      <p:ext uri="{BB962C8B-B14F-4D97-AF65-F5344CB8AC3E}">
+        <p14:creationId xmlns:p14="http://schemas.microsoft.com/office/powerpoint/2010/main" val="1685000190"/>
+      </p:ext>
+    </p:extLst>
+  </p:cSld>
+  <p:clrMapOvr>
+    <a:masterClrMapping/>
+  </p:clrMapOvr>
+  <p:timing>
+    <p:tnLst>
+      <p:par>
+        <p:cTn id="1" dur="indefinite" restart="never" nodeType="tmRoot">
+          <p:childTnLst>
+            <p:seq concurrent="1" nextAc="seek">
+              <p:cTn id="2" dur="indefinite" nodeType="mainSeq">
+                <p:childTnLst>
+                  <p:par>
+                    <p:cTn id="3" fill="hold">
+                      <p:stCondLst>
+                        <p:cond delay="indefinite"/>
+                      </p:stCondLst>
+                      <p:childTnLst>
+                        <p:par>
+                          <p:cTn id="4" fill="hold">
+                            <p:stCondLst>
+                              <p:cond delay="0"/>
+                            </p:stCondLst>
+                            <p:childTnLst>
+                              <p:par>
+                                <p:cTn id="5" presetID="1" presetClass="entr" presetSubtype="0" fill="hold" grpId="0" nodeType="clickEffect">
+                                  <p:stCondLst>
+                                    <p:cond delay="0"/>
+                                  </p:stCondLst>
+                                  <p:childTnLst>
+                                    <p:set>
+                                      <p:cBhvr>
+                                        <p:cTn id="6" dur="1" fill="hold">
+                                          <p:stCondLst>
+                                            <p:cond delay="0"/>
+                                          </p:stCondLst>
+                                        </p:cTn>
+                                        <p:tgtEl>
+                                          <p:spTgt spid="10"/>
+                                        </p:tgtEl>
+                                        <p:attrNameLst>
+                                          <p:attrName>style.visibility</p:attrName>
+                                        </p:attrNameLst>
+                                      </p:cBhvr>
+                                      <p:to>
+                                        <p:strVal val="visible"/>
+                                      </p:to>
+                                    </p:set>
+                                  </p:childTnLst>
+                                </p:cTn>
+                              </p:par>
+                              <p:par>
+                                <p:cTn id="7" presetID="1" presetClass="entr" presetSubtype="0" fill="hold" grpId="0" nodeType="withEffect">
+                                  <p:stCondLst>
+                                    <p:cond delay="0"/>
+                                  </p:stCondLst>
+                                  <p:childTnLst>
+                                    <p:set>
+                                      <p:cBhvr>
+                                        <p:cTn id="8" dur="1" fill="hold">
+                                          <p:stCondLst>
+                                            <p:cond delay="0"/>
+                                          </p:stCondLst>
+                                        </p:cTn>
+                                        <p:tgtEl>
+                                          <p:spTgt spid="13"/>
+                                        </p:tgtEl>
+                                        <p:attrNameLst>
+                                          <p:attrName>style.visibility</p:attrName>
+                                        </p:attrNameLst>
+                                      </p:cBhvr>
+                                      <p:to>
+                                        <p:strVal val="visible"/>
+                                      </p:to>
+                                    </p:set>
+                                  </p:childTnLst>
+                                </p:cTn>
+                              </p:par>
+                            </p:childTnLst>
+                          </p:cTn>
+                        </p:par>
+                      </p:childTnLst>
+                    </p:cTn>
+                  </p:par>
+                  <p:par>
+                    <p:cTn id="9" fill="hold">
+                      <p:stCondLst>
+                        <p:cond delay="indefinite"/>
+                      </p:stCondLst>
+                      <p:childTnLst>
+                        <p:par>
+                          <p:cTn id="10" fill="hold">
+                            <p:stCondLst>
+                              <p:cond delay="0"/>
+                            </p:stCondLst>
+                            <p:childTnLst>
+                              <p:par>
+                                <p:cTn id="11" presetID="1" presetClass="entr" presetSubtype="0" fill="hold" grpId="0" nodeType="clickEffect">
+                                  <p:stCondLst>
+                                    <p:cond delay="0"/>
+                                  </p:stCondLst>
+                                  <p:childTnLst>
+                                    <p:set>
+                                      <p:cBhvr>
+                                        <p:cTn id="12" dur="1" fill="hold">
+                                          <p:stCondLst>
+                                            <p:cond delay="0"/>
+                                          </p:stCondLst>
+                                        </p:cTn>
+                                        <p:tgtEl>
+                                          <p:spTgt spid="14"/>
+                                        </p:tgtEl>
+                                        <p:attrNameLst>
+                                          <p:attrName>style.visibility</p:attrName>
+                                        </p:attrNameLst>
+                                      </p:cBhvr>
+                                      <p:to>
+                                        <p:strVal val="visible"/>
+                                      </p:to>
+                                    </p:set>
+                                  </p:childTnLst>
+                                </p:cTn>
+                              </p:par>
+                            </p:childTnLst>
+                          </p:cTn>
+                        </p:par>
+                      </p:childTnLst>
+                    </p:cTn>
+                  </p:par>
+                </p:childTnLst>
+              </p:cTn>
+              <p:prevCondLst>
+                <p:cond evt="onPrev" delay="0">
+                  <p:tgtEl>
+                    <p:sldTgt/>
+                  </p:tgtEl>
+                </p:cond>
+              </p:prevCondLst>
+              <p:nextCondLst>
+                <p:cond evt="onNext" delay="0">
+                  <p:tgtEl>
+                    <p:sldTgt/>
+                  </p:tgtEl>
+                </p:cond>
+              </p:nextCondLst>
+            </p:seq>
+          </p:childTnLst>
+        </p:cTn>
+      </p:par>
+    </p:tnLst>
+    <p:bldLst>
+      <p:bldP spid="10" grpId="0"/>
+      <p:bldP spid="13" grpId="0" animBg="1"/>
+      <p:bldP spid="14" grpId="0" animBg="1"/>
+    </p:bldLst>
+  </p:timing>
+</p:sld>
+</file>
+
+<file path=ppt/slides/slide30.xml><?xml version="1.0" encoding="utf-8"?>
+<p:sld xmlns:a="http://schemas.openxmlformats.org/drawingml/2006/main" xmlns:r="http://schemas.openxmlformats.org/officeDocument/2006/relationships" xmlns:p="http://schemas.openxmlformats.org/presentationml/2006/main">
+  <p:cSld>
+    <p:spTree>
+      <p:nvGrpSpPr>
+        <p:cNvPr id="1" name=""/>
+        <p:cNvGrpSpPr/>
+        <p:nvPr/>
+      </p:nvGrpSpPr>
+      <p:grpSpPr>
+        <a:xfrm>
+          <a:off x="0" y="0"/>
+          <a:ext cx="0" cy="0"/>
+          <a:chOff x="0" y="0"/>
+          <a:chExt cx="0" cy="0"/>
+        </a:xfrm>
+      </p:grpSpPr>
+      <p:sp>
+        <p:nvSpPr>
+          <p:cNvPr id="2" name="Date Placeholder 1"/>
+          <p:cNvSpPr>
+            <a:spLocks noGrp="1"/>
+          </p:cNvSpPr>
+          <p:nvPr>
+            <p:ph type="dt" sz="half" idx="10"/>
+          </p:nvPr>
+        </p:nvSpPr>
+        <p:spPr/>
+        <p:txBody>
+          <a:bodyPr/>
+          <a:lstStyle/>
+          <a:p>
+            <a:fld id="{6700A58B-DD98-43D0-B791-721480A02982}" type="datetime1">
+              <a:rPr lang="en-US" smtClean="0"/>
+              <a:t>2/1/21</a:t>
+            </a:fld>
+            <a:endParaRPr lang="en-US"/>
+          </a:p>
+        </p:txBody>
+      </p:sp>
+      <p:sp>
+        <p:nvSpPr>
+          <p:cNvPr id="3" name="Title 2"/>
+          <p:cNvSpPr>
+            <a:spLocks noGrp="1"/>
+          </p:cNvSpPr>
+          <p:nvPr>
+            <p:ph type="title"/>
+          </p:nvPr>
+        </p:nvSpPr>
+        <p:spPr/>
+        <p:txBody>
+          <a:bodyPr/>
+          <a:lstStyle/>
+          <a:p>
+            <a:r>
+              <a:rPr lang="en-US" dirty="0"/>
+              <a:t>Your turn…</a:t>
+            </a:r>
+          </a:p>
+        </p:txBody>
+      </p:sp>
+      <p:sp>
+        <p:nvSpPr>
+          <p:cNvPr id="4" name="Slide Number Placeholder 3"/>
+          <p:cNvSpPr>
+            <a:spLocks noGrp="1"/>
+          </p:cNvSpPr>
+          <p:nvPr>
+            <p:ph type="sldNum" sz="quarter" idx="12"/>
+          </p:nvPr>
+        </p:nvSpPr>
+        <p:spPr/>
+        <p:txBody>
+          <a:bodyPr/>
+          <a:lstStyle/>
+          <a:p>
+            <a:fld id="{37290FF7-652B-4475-AEAB-8B1A5D23AE09}" type="slidenum">
+              <a:rPr lang="en-US" smtClean="0"/>
+              <a:t>30</a:t>
+            </a:fld>
+            <a:endParaRPr lang="en-US"/>
+          </a:p>
+        </p:txBody>
+      </p:sp>
+      <p:sp>
+        <p:nvSpPr>
+          <p:cNvPr id="5" name="Footer Placeholder 4"/>
+          <p:cNvSpPr>
+            <a:spLocks noGrp="1"/>
+          </p:cNvSpPr>
+          <p:nvPr>
+            <p:ph type="ftr" sz="quarter" idx="3"/>
+          </p:nvPr>
+        </p:nvSpPr>
+        <p:spPr/>
+        <p:txBody>
+          <a:bodyPr/>
+          <a:lstStyle/>
+          <a:p>
+            <a:r>
+              <a:rPr lang="en-US"/>
+              <a:t>Kwartler CSCI S-96</a:t>
+            </a:r>
+            <a:endParaRPr lang="en-US" dirty="0"/>
+          </a:p>
+        </p:txBody>
+      </p:sp>
+      <p:sp>
+        <p:nvSpPr>
+          <p:cNvPr id="6" name="TextBox 5"/>
+          <p:cNvSpPr txBox="1"/>
+          <p:nvPr/>
+        </p:nvSpPr>
+        <p:spPr>
+          <a:xfrm>
+            <a:off x="492398" y="2036939"/>
+            <a:ext cx="3358612" cy="3693319"/>
+          </a:xfrm>
+          <a:prstGeom prst="rect">
+            <a:avLst/>
+          </a:prstGeom>
+          <a:noFill/>
+        </p:spPr>
+        <p:txBody>
+          <a:bodyPr wrap="none" rtlCol="0">
+            <a:spAutoFit/>
+          </a:bodyPr>
+          <a:lstStyle/>
+          <a:p>
+            <a:pPr marL="285750" indent="-285750">
+              <a:buFont typeface="Arial" panose="020B0604020202020204" pitchFamily="34" charset="0"/>
+              <a:buChar char="•"/>
+            </a:pPr>
+            <a:r>
+              <a:rPr lang="en-US" dirty="0"/>
+              <a:t>Retrospective</a:t>
+            </a:r>
+          </a:p>
+          <a:p>
+            <a:pPr marL="285750" indent="-285750">
+              <a:buFont typeface="Arial" panose="020B0604020202020204" pitchFamily="34" charset="0"/>
+              <a:buChar char="•"/>
+            </a:pPr>
+            <a:r>
+              <a:rPr lang="en-US" dirty="0"/>
+              <a:t>Descriptive</a:t>
+            </a:r>
+          </a:p>
+          <a:p>
+            <a:pPr marL="285750" indent="-285750">
+              <a:buFont typeface="Arial" panose="020B0604020202020204" pitchFamily="34" charset="0"/>
+              <a:buChar char="•"/>
+            </a:pPr>
+            <a:r>
+              <a:rPr lang="en-US" dirty="0"/>
+              <a:t>Data Science</a:t>
+            </a:r>
+          </a:p>
+          <a:p>
+            <a:pPr marL="742950" lvl="1" indent="-285750">
+              <a:buFont typeface="Arial" panose="020B0604020202020204" pitchFamily="34" charset="0"/>
+              <a:buChar char="•"/>
+            </a:pPr>
+            <a:r>
+              <a:rPr lang="en-US" dirty="0"/>
+              <a:t>Predictive</a:t>
+            </a:r>
+          </a:p>
+          <a:p>
+            <a:pPr marL="1200150" lvl="2" indent="-285750">
+              <a:buFont typeface="Arial" panose="020B0604020202020204" pitchFamily="34" charset="0"/>
+              <a:buChar char="•"/>
+            </a:pPr>
+            <a:r>
+              <a:rPr lang="en-US" dirty="0"/>
+              <a:t>Supervised Learning</a:t>
+            </a:r>
+          </a:p>
+          <a:p>
+            <a:pPr marL="1657350" lvl="3" indent="-285750">
+              <a:buFont typeface="Arial" panose="020B0604020202020204" pitchFamily="34" charset="0"/>
+              <a:buChar char="•"/>
+            </a:pPr>
+            <a:r>
+              <a:rPr lang="en-US" dirty="0"/>
+              <a:t>Classification</a:t>
+            </a:r>
+          </a:p>
+          <a:p>
+            <a:pPr marL="2114550" lvl="4" indent="-285750">
+              <a:buFont typeface="Arial" panose="020B0604020202020204" pitchFamily="34" charset="0"/>
+              <a:buChar char="•"/>
+            </a:pPr>
+            <a:r>
+              <a:rPr lang="en-US" dirty="0"/>
+              <a:t>Binary</a:t>
+            </a:r>
+          </a:p>
+          <a:p>
+            <a:pPr marL="2114550" lvl="4" indent="-285750">
+              <a:buFont typeface="Arial" panose="020B0604020202020204" pitchFamily="34" charset="0"/>
+              <a:buChar char="•"/>
+            </a:pPr>
+            <a:r>
+              <a:rPr lang="en-US" dirty="0"/>
+              <a:t>Multi-Class</a:t>
+            </a:r>
+          </a:p>
+          <a:p>
+            <a:pPr marL="1657350" lvl="3" indent="-285750">
+              <a:buFont typeface="Arial" panose="020B0604020202020204" pitchFamily="34" charset="0"/>
+              <a:buChar char="•"/>
+            </a:pPr>
+            <a:r>
+              <a:rPr lang="en-US" dirty="0"/>
+              <a:t>Continuous</a:t>
+            </a:r>
+          </a:p>
+          <a:p>
+            <a:pPr marL="742950" lvl="1" indent="-285750">
+              <a:buFont typeface="Arial" panose="020B0604020202020204" pitchFamily="34" charset="0"/>
+              <a:buChar char="•"/>
+            </a:pPr>
+            <a:r>
+              <a:rPr lang="en-US" dirty="0"/>
+              <a:t>Forecasting</a:t>
+            </a:r>
+          </a:p>
+          <a:p>
+            <a:pPr marL="742950" lvl="2" indent="-285750">
+              <a:buFont typeface="Arial" panose="020B0604020202020204" pitchFamily="34" charset="0"/>
+              <a:buChar char="•"/>
+            </a:pPr>
+            <a:r>
+              <a:rPr lang="en-US" dirty="0"/>
+              <a:t>Unsupervised Learning</a:t>
+            </a:r>
+          </a:p>
+          <a:p>
+            <a:pPr marL="742950" lvl="1" indent="-285750">
+              <a:buFont typeface="Arial" panose="020B0604020202020204" pitchFamily="34" charset="0"/>
+              <a:buChar char="•"/>
+            </a:pPr>
+            <a:r>
+              <a:rPr lang="en-US" dirty="0"/>
+              <a:t>Associative System</a:t>
+            </a:r>
+          </a:p>
+          <a:p>
+            <a:pPr marL="285750" indent="-285750">
+              <a:buFont typeface="Arial" panose="020B0604020202020204" pitchFamily="34" charset="0"/>
+              <a:buChar char="•"/>
+            </a:pPr>
+            <a:endParaRPr lang="en-US" dirty="0"/>
+          </a:p>
+        </p:txBody>
+      </p:sp>
+      <p:sp>
+        <p:nvSpPr>
+          <p:cNvPr id="7" name="TextBox 6"/>
+          <p:cNvSpPr txBox="1"/>
+          <p:nvPr/>
+        </p:nvSpPr>
+        <p:spPr>
+          <a:xfrm>
+            <a:off x="4522319" y="2036939"/>
+            <a:ext cx="4544705" cy="646331"/>
+          </a:xfrm>
+          <a:prstGeom prst="rect">
+            <a:avLst/>
+          </a:prstGeom>
+          <a:noFill/>
+        </p:spPr>
+        <p:txBody>
+          <a:bodyPr wrap="square" rtlCol="0">
+            <a:spAutoFit/>
+          </a:bodyPr>
+          <a:lstStyle/>
+          <a:p>
+            <a:r>
+              <a:rPr lang="en-US" dirty="0"/>
+              <a:t>How many patients should we expect in the urgent care tomorrow?</a:t>
+            </a:r>
+          </a:p>
+        </p:txBody>
+      </p:sp>
+      <p:sp>
+        <p:nvSpPr>
+          <p:cNvPr id="8" name="Rectangle 7"/>
+          <p:cNvSpPr/>
+          <p:nvPr/>
+        </p:nvSpPr>
+        <p:spPr>
+          <a:xfrm>
+            <a:off x="4598448" y="1319213"/>
+            <a:ext cx="4392447" cy="557213"/>
+          </a:xfrm>
+          <a:prstGeom prst="rect">
+            <a:avLst/>
+          </a:prstGeom>
+          <a:solidFill>
+            <a:schemeClr val="accent3"/>
+          </a:solidFill>
+          <a:ln>
+            <a:noFill/>
+          </a:ln>
+        </p:spPr>
+        <p:style>
+          <a:lnRef idx="2">
+            <a:schemeClr val="accent1">
+              <a:shade val="50000"/>
+            </a:schemeClr>
+          </a:lnRef>
+          <a:fillRef idx="1">
+            <a:schemeClr val="accent1"/>
+          </a:fillRef>
+          <a:effectRef idx="0">
+            <a:schemeClr val="accent1"/>
+          </a:effectRef>
+          <a:fontRef idx="minor">
+            <a:schemeClr val="lt1"/>
+          </a:fontRef>
+        </p:style>
+        <p:txBody>
+          <a:bodyPr rtlCol="0" anchor="ctr"/>
+          <a:lstStyle/>
+          <a:p>
+            <a:pPr algn="ctr"/>
+            <a:r>
+              <a:rPr lang="en-US" dirty="0"/>
+              <a:t>Scenarios</a:t>
+            </a:r>
+          </a:p>
+        </p:txBody>
+      </p:sp>
+      <p:sp>
+        <p:nvSpPr>
+          <p:cNvPr id="9" name="Rectangle 8"/>
+          <p:cNvSpPr/>
+          <p:nvPr/>
+        </p:nvSpPr>
+        <p:spPr>
+          <a:xfrm>
+            <a:off x="114304" y="1319213"/>
+            <a:ext cx="4114800" cy="557213"/>
+          </a:xfrm>
+          <a:prstGeom prst="rect">
+            <a:avLst/>
+          </a:prstGeom>
+          <a:solidFill>
+            <a:schemeClr val="accent3"/>
+          </a:solidFill>
+          <a:ln>
+            <a:noFill/>
+          </a:ln>
+        </p:spPr>
+        <p:style>
+          <a:lnRef idx="2">
+            <a:schemeClr val="accent1">
+              <a:shade val="50000"/>
+            </a:schemeClr>
+          </a:lnRef>
+          <a:fillRef idx="1">
+            <a:schemeClr val="accent1"/>
+          </a:fillRef>
+          <a:effectRef idx="0">
+            <a:schemeClr val="accent1"/>
+          </a:effectRef>
+          <a:fontRef idx="minor">
+            <a:schemeClr val="lt1"/>
+          </a:fontRef>
+        </p:style>
+        <p:txBody>
+          <a:bodyPr rtlCol="0" anchor="ctr"/>
+          <a:lstStyle/>
+          <a:p>
+            <a:pPr algn="ctr"/>
+            <a:r>
+              <a:rPr lang="en-US" dirty="0"/>
+              <a:t>Methods</a:t>
+            </a:r>
+          </a:p>
+        </p:txBody>
+      </p:sp>
+      <p:pic>
+        <p:nvPicPr>
+          <p:cNvPr id="4098" name="Picture 2" descr="Image result for urgent care meme"/>
+          <p:cNvPicPr>
+            <a:picLocks noChangeAspect="1" noChangeArrowheads="1"/>
+          </p:cNvPicPr>
+          <p:nvPr/>
+        </p:nvPicPr>
+        <p:blipFill>
+          <a:blip r:embed="rId3">
+            <a:extLst>
+              <a:ext uri="{28A0092B-C50C-407E-A947-70E740481C1C}">
+                <a14:useLocalDpi xmlns:a14="http://schemas.microsoft.com/office/drawing/2010/main" val="0"/>
+              </a:ext>
+            </a:extLst>
+          </a:blip>
+          <a:srcRect/>
+          <a:stretch>
+            <a:fillRect/>
+          </a:stretch>
+        </p:blipFill>
+        <p:spPr bwMode="auto">
+          <a:xfrm>
+            <a:off x="5299102" y="2720974"/>
+            <a:ext cx="2991139" cy="2976441"/>
+          </a:xfrm>
+          <a:prstGeom prst="rect">
+            <a:avLst/>
+          </a:prstGeom>
+          <a:noFill/>
+          <a:extLst>
+            <a:ext uri="{909E8E84-426E-40DD-AFC4-6F175D3DCCD1}">
+              <a14:hiddenFill xmlns:a14="http://schemas.microsoft.com/office/drawing/2010/main">
+                <a:solidFill>
+                  <a:srgbClr val="FFFFFF"/>
+                </a:solidFill>
+              </a14:hiddenFill>
+            </a:ext>
+          </a:extLst>
+        </p:spPr>
+      </p:pic>
+      <p:sp>
+        <p:nvSpPr>
+          <p:cNvPr id="11" name="Rectangle 10">
+            <a:extLst>
+              <a:ext uri="{FF2B5EF4-FFF2-40B4-BE49-F238E27FC236}">
+                <a16:creationId xmlns:a16="http://schemas.microsoft.com/office/drawing/2014/main" id="{4D0B6B43-15E6-8142-A180-46419B412F3C}"/>
+              </a:ext>
+            </a:extLst>
+          </p:cNvPr>
+          <p:cNvSpPr/>
+          <p:nvPr/>
+        </p:nvSpPr>
+        <p:spPr>
+          <a:xfrm>
+            <a:off x="5535758" y="5752619"/>
+            <a:ext cx="2517826" cy="532436"/>
+          </a:xfrm>
+          <a:prstGeom prst="rect">
+            <a:avLst/>
+          </a:prstGeom>
+        </p:spPr>
+        <p:style>
+          <a:lnRef idx="2">
+            <a:schemeClr val="accent1">
+              <a:shade val="50000"/>
+            </a:schemeClr>
+          </a:lnRef>
+          <a:fillRef idx="1">
+            <a:schemeClr val="accent1"/>
+          </a:fillRef>
+          <a:effectRef idx="0">
+            <a:schemeClr val="accent1"/>
+          </a:effectRef>
+          <a:fontRef idx="minor">
+            <a:schemeClr val="lt1"/>
+          </a:fontRef>
+        </p:style>
+        <p:txBody>
+          <a:bodyPr rtlCol="0" anchor="ctr"/>
+          <a:lstStyle/>
+          <a:p>
+            <a:pPr algn="ctr"/>
+            <a:r>
+              <a:rPr lang="en-US" dirty="0"/>
+              <a:t>Predictive&gt;Continuous</a:t>
+            </a:r>
+          </a:p>
+        </p:txBody>
+      </p:sp>
+    </p:spTree>
+    <p:extLst>
+      <p:ext uri="{BB962C8B-B14F-4D97-AF65-F5344CB8AC3E}">
+        <p14:creationId xmlns:p14="http://schemas.microsoft.com/office/powerpoint/2010/main" val="1364805632"/>
       </p:ext>
     </p:extLst>
   </p:cSld>
@@ -18414,7 +19371,7 @@
           <a:p>
             <a:fld id="{6700A58B-DD98-43D0-B791-721480A02982}" type="datetime1">
               <a:rPr lang="en-US" smtClean="0"/>
-              <a:t>9/11/20</a:t>
+              <a:t>2/1/21</a:t>
             </a:fld>
             <a:endParaRPr lang="en-US"/>
           </a:p>
@@ -18662,7 +19619,15 @@
           <a:p>
             <a:r>
               <a:rPr lang="en-US" dirty="0"/>
-              <a:t>What should we place next to the cheese in the grocery cooler?</a:t>
+              <a:t>How many runs will the Chennai </a:t>
+            </a:r>
+            <a:r>
+              <a:rPr lang="en-US" dirty="0" err="1"/>
+              <a:t>SuperKings</a:t>
+            </a:r>
+            <a:r>
+              <a:rPr lang="en-US" dirty="0"/>
+              <a:t> make?</a:t>
             </a:r>
           </a:p>
         </p:txBody>
@@ -18767,14 +19732,14 @@
       </p:sp>
       <p:pic>
         <p:nvPicPr>
-          <p:cNvPr id="3074" name="Picture 2" descr="Image result for cheese meme"/>
+          <p:cNvPr id="5122" name="Picture 2" descr="Image result for chennai super kings"/>
           <p:cNvPicPr>
             <a:picLocks noChangeAspect="1" noChangeArrowheads="1"/>
           </p:cNvPicPr>
           <p:nvPr/>
         </p:nvPicPr>
         <p:blipFill>
-          <a:blip r:embed="rId3">
+          <a:blip r:embed="rId3" cstate="print">
             <a:extLst>
               <a:ext uri="{28A0092B-C50C-407E-A947-70E740481C1C}">
                 <a14:useLocalDpi xmlns:a14="http://schemas.microsoft.com/office/drawing/2010/main" val="0"/>
@@ -18788,8 +19753,8 @@
         </p:blipFill>
         <p:spPr bwMode="auto">
           <a:xfrm>
-            <a:off x="5425880" y="2831489"/>
-            <a:ext cx="2737582" cy="2993200"/>
+            <a:off x="5161382" y="2760785"/>
+            <a:ext cx="3266579" cy="2697650"/>
           </a:xfrm>
           <a:prstGeom prst="rect">
             <a:avLst/>
@@ -18811,7 +19776,7 @@
           <p:cNvPr id="11" name="Rectangle 10">
             <a:extLst>
               <a:ext uri="{FF2B5EF4-FFF2-40B4-BE49-F238E27FC236}">
-                <a16:creationId xmlns:a16="http://schemas.microsoft.com/office/drawing/2014/main" id="{AE01E582-1061-3B4B-AB0C-BEFB0EAF66B8}"/>
+                <a16:creationId xmlns:a16="http://schemas.microsoft.com/office/drawing/2014/main" id="{38DF6D16-A24C-FB47-AC3C-E7127E9E679B}"/>
               </a:ext>
             </a:extLst>
           </p:cNvPr>
@@ -18820,8 +19785,8 @@
         </p:nvSpPr>
         <p:spPr>
           <a:xfrm>
-            <a:off x="5654565" y="5845216"/>
-            <a:ext cx="2280213" cy="381964"/>
+            <a:off x="5167070" y="5497975"/>
+            <a:ext cx="3255202" cy="532436"/>
           </a:xfrm>
           <a:prstGeom prst="rect">
             <a:avLst/>
@@ -18850,7 +19815,7 @@
             <a:pPr algn="ctr"/>
             <a:r>
               <a:rPr lang="en-US" dirty="0"/>
-              <a:t>Association</a:t>
+              <a:t>Continuous</a:t>
             </a:r>
           </a:p>
         </p:txBody>
@@ -18858,7 +19823,7 @@
     </p:spTree>
     <p:extLst>
       <p:ext uri="{BB962C8B-B14F-4D97-AF65-F5344CB8AC3E}">
-        <p14:creationId xmlns:p14="http://schemas.microsoft.com/office/powerpoint/2010/main" val="414842357"/>
+        <p14:creationId xmlns:p14="http://schemas.microsoft.com/office/powerpoint/2010/main" val="517417378"/>
       </p:ext>
     </p:extLst>
   </p:cSld>
@@ -18980,7 +19945,7 @@
           <a:p>
             <a:fld id="{6700A58B-DD98-43D0-B791-721480A02982}" type="datetime1">
               <a:rPr lang="en-US" smtClean="0"/>
-              <a:t>9/11/20</a:t>
+              <a:t>2/1/21</a:t>
             </a:fld>
             <a:endParaRPr lang="en-US"/>
           </a:p>
@@ -19228,7 +20193,7 @@
           <a:p>
             <a:r>
               <a:rPr lang="en-US" dirty="0"/>
-              <a:t>How many patients should we expect in the urgent care tomorrow?</a:t>
+              <a:t>What are our customer personas and how are they similar by account attribute?</a:t>
             </a:r>
           </a:p>
         </p:txBody>
@@ -19333,14 +20298,14 @@
       </p:sp>
       <p:pic>
         <p:nvPicPr>
-          <p:cNvPr id="4098" name="Picture 2" descr="Image result for urgent care meme"/>
+          <p:cNvPr id="6146" name="Picture 2" descr="Image result for customer meme"/>
           <p:cNvPicPr>
             <a:picLocks noChangeAspect="1" noChangeArrowheads="1"/>
           </p:cNvPicPr>
           <p:nvPr/>
         </p:nvPicPr>
         <p:blipFill>
-          <a:blip r:embed="rId3">
+          <a:blip r:embed="rId3" cstate="print">
             <a:extLst>
               <a:ext uri="{28A0092B-C50C-407E-A947-70E740481C1C}">
                 <a14:useLocalDpi xmlns:a14="http://schemas.microsoft.com/office/drawing/2010/main" val="0"/>
@@ -19354,8 +20319,8 @@
         </p:blipFill>
         <p:spPr bwMode="auto">
           <a:xfrm>
-            <a:off x="5299102" y="2720974"/>
-            <a:ext cx="2991139" cy="2976441"/>
+            <a:off x="5279706" y="2966485"/>
+            <a:ext cx="3029931" cy="2317898"/>
           </a:xfrm>
           <a:prstGeom prst="rect">
             <a:avLst/>
@@ -19377,7 +20342,7 @@
           <p:cNvPr id="11" name="Rectangle 10">
             <a:extLst>
               <a:ext uri="{FF2B5EF4-FFF2-40B4-BE49-F238E27FC236}">
-                <a16:creationId xmlns:a16="http://schemas.microsoft.com/office/drawing/2014/main" id="{4D0B6B43-15E6-8142-A180-46419B412F3C}"/>
+                <a16:creationId xmlns:a16="http://schemas.microsoft.com/office/drawing/2014/main" id="{AB6F969A-2AC8-1B44-A7BB-833A6536DF94}"/>
               </a:ext>
             </a:extLst>
           </p:cNvPr>
@@ -19386,8 +20351,8 @@
         </p:nvSpPr>
         <p:spPr>
           <a:xfrm>
-            <a:off x="5535758" y="5752619"/>
-            <a:ext cx="2517826" cy="532436"/>
+            <a:off x="5167070" y="5497975"/>
+            <a:ext cx="3255202" cy="532436"/>
           </a:xfrm>
           <a:prstGeom prst="rect">
             <a:avLst/>
@@ -19416,7 +20381,7 @@
             <a:pPr algn="ctr"/>
             <a:r>
               <a:rPr lang="en-US" dirty="0"/>
-              <a:t>Predictive&gt;Continuous</a:t>
+              <a:t>Unsupervised</a:t>
             </a:r>
           </a:p>
         </p:txBody>
@@ -19424,7 +20389,7 @@
     </p:spTree>
     <p:extLst>
       <p:ext uri="{BB962C8B-B14F-4D97-AF65-F5344CB8AC3E}">
-        <p14:creationId xmlns:p14="http://schemas.microsoft.com/office/powerpoint/2010/main" val="1364805632"/>
+        <p14:creationId xmlns:p14="http://schemas.microsoft.com/office/powerpoint/2010/main" val="4194539577"/>
       </p:ext>
     </p:extLst>
   </p:cSld>
@@ -19546,7 +20511,7 @@
           <a:p>
             <a:fld id="{6700A58B-DD98-43D0-B791-721480A02982}" type="datetime1">
               <a:rPr lang="en-US" smtClean="0"/>
-              <a:t>9/11/20</a:t>
+              <a:t>2/1/21</a:t>
             </a:fld>
             <a:endParaRPr lang="en-US"/>
           </a:p>
@@ -19794,15 +20759,7 @@
           <a:p>
             <a:r>
               <a:rPr lang="en-US" dirty="0"/>
-              <a:t>How many runs will the Chennai </a:t>
-            </a:r>
-            <a:r>
-              <a:rPr lang="en-US" dirty="0" err="1"/>
-              <a:t>SuperKings</a:t>
-            </a:r>
-            <a:r>
-              <a:rPr lang="en-US" dirty="0"/>
-              <a:t> make?</a:t>
+              <a:t>How many fish did each vessel catch yesterday?</a:t>
             </a:r>
           </a:p>
         </p:txBody>
@@ -19907,14 +20864,14 @@
       </p:sp>
       <p:pic>
         <p:nvPicPr>
-          <p:cNvPr id="5122" name="Picture 2" descr="Image result for chennai super kings"/>
+          <p:cNvPr id="7170" name="Picture 2" descr="Image result for fish meme"/>
           <p:cNvPicPr>
             <a:picLocks noChangeAspect="1" noChangeArrowheads="1"/>
           </p:cNvPicPr>
           <p:nvPr/>
         </p:nvPicPr>
         <p:blipFill>
-          <a:blip r:embed="rId3" cstate="print">
+          <a:blip r:embed="rId3">
             <a:extLst>
               <a:ext uri="{28A0092B-C50C-407E-A947-70E740481C1C}">
                 <a14:useLocalDpi xmlns:a14="http://schemas.microsoft.com/office/drawing/2010/main" val="0"/>
@@ -19928,8 +20885,8 @@
         </p:blipFill>
         <p:spPr bwMode="auto">
           <a:xfrm>
-            <a:off x="5161382" y="2760785"/>
-            <a:ext cx="3266579" cy="2697650"/>
+            <a:off x="4984086" y="2902042"/>
+            <a:ext cx="3621171" cy="2390093"/>
           </a:xfrm>
           <a:prstGeom prst="rect">
             <a:avLst/>
@@ -19951,7 +20908,7 @@
           <p:cNvPr id="11" name="Rectangle 10">
             <a:extLst>
               <a:ext uri="{FF2B5EF4-FFF2-40B4-BE49-F238E27FC236}">
-                <a16:creationId xmlns:a16="http://schemas.microsoft.com/office/drawing/2014/main" id="{38DF6D16-A24C-FB47-AC3C-E7127E9E679B}"/>
+                <a16:creationId xmlns:a16="http://schemas.microsoft.com/office/drawing/2014/main" id="{8411DF2A-5E31-D747-A1AF-92E9D4BFF117}"/>
               </a:ext>
             </a:extLst>
           </p:cNvPr>
@@ -19990,7 +20947,7 @@
             <a:pPr algn="ctr"/>
             <a:r>
               <a:rPr lang="en-US" dirty="0"/>
-              <a:t>Continuous</a:t>
+              <a:t>Retrospective/Descriptive</a:t>
             </a:r>
           </a:p>
         </p:txBody>
@@ -19998,7 +20955,7 @@
     </p:spTree>
     <p:extLst>
       <p:ext uri="{BB962C8B-B14F-4D97-AF65-F5344CB8AC3E}">
-        <p14:creationId xmlns:p14="http://schemas.microsoft.com/office/powerpoint/2010/main" val="517417378"/>
+        <p14:creationId xmlns:p14="http://schemas.microsoft.com/office/powerpoint/2010/main" val="2627127406"/>
       </p:ext>
     </p:extLst>
   </p:cSld>
@@ -20120,7 +21077,7 @@
           <a:p>
             <a:fld id="{6700A58B-DD98-43D0-B791-721480A02982}" type="datetime1">
               <a:rPr lang="en-US" smtClean="0"/>
-              <a:t>9/11/20</a:t>
+              <a:t>2/1/21</a:t>
             </a:fld>
             <a:endParaRPr lang="en-US"/>
           </a:p>
@@ -20143,7 +21100,7 @@
           <a:p>
             <a:r>
               <a:rPr lang="en-US" dirty="0"/>
-              <a:t>Your turn…</a:t>
+              <a:t>Quiz!</a:t>
             </a:r>
           </a:p>
         </p:txBody>
@@ -20166,1138 +21123,6 @@
             <a:fld id="{37290FF7-652B-4475-AEAB-8B1A5D23AE09}" type="slidenum">
               <a:rPr lang="en-US" smtClean="0"/>
               <a:t>34</a:t>
-            </a:fld>
-            <a:endParaRPr lang="en-US"/>
-          </a:p>
-        </p:txBody>
-      </p:sp>
-      <p:sp>
-        <p:nvSpPr>
-          <p:cNvPr id="5" name="Footer Placeholder 4"/>
-          <p:cNvSpPr>
-            <a:spLocks noGrp="1"/>
-          </p:cNvSpPr>
-          <p:nvPr>
-            <p:ph type="ftr" sz="quarter" idx="3"/>
-          </p:nvPr>
-        </p:nvSpPr>
-        <p:spPr/>
-        <p:txBody>
-          <a:bodyPr/>
-          <a:lstStyle/>
-          <a:p>
-            <a:r>
-              <a:rPr lang="en-US"/>
-              <a:t>Kwartler CSCI S-96</a:t>
-            </a:r>
-            <a:endParaRPr lang="en-US" dirty="0"/>
-          </a:p>
-        </p:txBody>
-      </p:sp>
-      <p:sp>
-        <p:nvSpPr>
-          <p:cNvPr id="6" name="TextBox 5"/>
-          <p:cNvSpPr txBox="1"/>
-          <p:nvPr/>
-        </p:nvSpPr>
-        <p:spPr>
-          <a:xfrm>
-            <a:off x="492398" y="2036939"/>
-            <a:ext cx="3358612" cy="3693319"/>
-          </a:xfrm>
-          <a:prstGeom prst="rect">
-            <a:avLst/>
-          </a:prstGeom>
-          <a:noFill/>
-        </p:spPr>
-        <p:txBody>
-          <a:bodyPr wrap="none" rtlCol="0">
-            <a:spAutoFit/>
-          </a:bodyPr>
-          <a:lstStyle/>
-          <a:p>
-            <a:pPr marL="285750" indent="-285750">
-              <a:buFont typeface="Arial" panose="020B0604020202020204" pitchFamily="34" charset="0"/>
-              <a:buChar char="•"/>
-            </a:pPr>
-            <a:r>
-              <a:rPr lang="en-US" dirty="0"/>
-              <a:t>Retrospective</a:t>
-            </a:r>
-          </a:p>
-          <a:p>
-            <a:pPr marL="285750" indent="-285750">
-              <a:buFont typeface="Arial" panose="020B0604020202020204" pitchFamily="34" charset="0"/>
-              <a:buChar char="•"/>
-            </a:pPr>
-            <a:r>
-              <a:rPr lang="en-US" dirty="0"/>
-              <a:t>Descriptive</a:t>
-            </a:r>
-          </a:p>
-          <a:p>
-            <a:pPr marL="285750" indent="-285750">
-              <a:buFont typeface="Arial" panose="020B0604020202020204" pitchFamily="34" charset="0"/>
-              <a:buChar char="•"/>
-            </a:pPr>
-            <a:r>
-              <a:rPr lang="en-US" dirty="0"/>
-              <a:t>Data Science</a:t>
-            </a:r>
-          </a:p>
-          <a:p>
-            <a:pPr marL="742950" lvl="1" indent="-285750">
-              <a:buFont typeface="Arial" panose="020B0604020202020204" pitchFamily="34" charset="0"/>
-              <a:buChar char="•"/>
-            </a:pPr>
-            <a:r>
-              <a:rPr lang="en-US" dirty="0"/>
-              <a:t>Predictive</a:t>
-            </a:r>
-          </a:p>
-          <a:p>
-            <a:pPr marL="1200150" lvl="2" indent="-285750">
-              <a:buFont typeface="Arial" panose="020B0604020202020204" pitchFamily="34" charset="0"/>
-              <a:buChar char="•"/>
-            </a:pPr>
-            <a:r>
-              <a:rPr lang="en-US" dirty="0"/>
-              <a:t>Supervised Learning</a:t>
-            </a:r>
-          </a:p>
-          <a:p>
-            <a:pPr marL="1657350" lvl="3" indent="-285750">
-              <a:buFont typeface="Arial" panose="020B0604020202020204" pitchFamily="34" charset="0"/>
-              <a:buChar char="•"/>
-            </a:pPr>
-            <a:r>
-              <a:rPr lang="en-US" dirty="0"/>
-              <a:t>Classification</a:t>
-            </a:r>
-          </a:p>
-          <a:p>
-            <a:pPr marL="2114550" lvl="4" indent="-285750">
-              <a:buFont typeface="Arial" panose="020B0604020202020204" pitchFamily="34" charset="0"/>
-              <a:buChar char="•"/>
-            </a:pPr>
-            <a:r>
-              <a:rPr lang="en-US" dirty="0"/>
-              <a:t>Binary</a:t>
-            </a:r>
-          </a:p>
-          <a:p>
-            <a:pPr marL="2114550" lvl="4" indent="-285750">
-              <a:buFont typeface="Arial" panose="020B0604020202020204" pitchFamily="34" charset="0"/>
-              <a:buChar char="•"/>
-            </a:pPr>
-            <a:r>
-              <a:rPr lang="en-US" dirty="0"/>
-              <a:t>Multi-Class</a:t>
-            </a:r>
-          </a:p>
-          <a:p>
-            <a:pPr marL="1657350" lvl="3" indent="-285750">
-              <a:buFont typeface="Arial" panose="020B0604020202020204" pitchFamily="34" charset="0"/>
-              <a:buChar char="•"/>
-            </a:pPr>
-            <a:r>
-              <a:rPr lang="en-US" dirty="0"/>
-              <a:t>Continuous</a:t>
-            </a:r>
-          </a:p>
-          <a:p>
-            <a:pPr marL="742950" lvl="1" indent="-285750">
-              <a:buFont typeface="Arial" panose="020B0604020202020204" pitchFamily="34" charset="0"/>
-              <a:buChar char="•"/>
-            </a:pPr>
-            <a:r>
-              <a:rPr lang="en-US" dirty="0"/>
-              <a:t>Forecasting</a:t>
-            </a:r>
-          </a:p>
-          <a:p>
-            <a:pPr marL="742950" lvl="2" indent="-285750">
-              <a:buFont typeface="Arial" panose="020B0604020202020204" pitchFamily="34" charset="0"/>
-              <a:buChar char="•"/>
-            </a:pPr>
-            <a:r>
-              <a:rPr lang="en-US" dirty="0"/>
-              <a:t>Unsupervised Learning</a:t>
-            </a:r>
-          </a:p>
-          <a:p>
-            <a:pPr marL="742950" lvl="1" indent="-285750">
-              <a:buFont typeface="Arial" panose="020B0604020202020204" pitchFamily="34" charset="0"/>
-              <a:buChar char="•"/>
-            </a:pPr>
-            <a:r>
-              <a:rPr lang="en-US" dirty="0"/>
-              <a:t>Associative System</a:t>
-            </a:r>
-          </a:p>
-          <a:p>
-            <a:pPr marL="285750" indent="-285750">
-              <a:buFont typeface="Arial" panose="020B0604020202020204" pitchFamily="34" charset="0"/>
-              <a:buChar char="•"/>
-            </a:pPr>
-            <a:endParaRPr lang="en-US" dirty="0"/>
-          </a:p>
-        </p:txBody>
-      </p:sp>
-      <p:sp>
-        <p:nvSpPr>
-          <p:cNvPr id="7" name="TextBox 6"/>
-          <p:cNvSpPr txBox="1"/>
-          <p:nvPr/>
-        </p:nvSpPr>
-        <p:spPr>
-          <a:xfrm>
-            <a:off x="4522319" y="2036939"/>
-            <a:ext cx="4544705" cy="646331"/>
-          </a:xfrm>
-          <a:prstGeom prst="rect">
-            <a:avLst/>
-          </a:prstGeom>
-          <a:noFill/>
-        </p:spPr>
-        <p:txBody>
-          <a:bodyPr wrap="square" rtlCol="0">
-            <a:spAutoFit/>
-          </a:bodyPr>
-          <a:lstStyle/>
-          <a:p>
-            <a:r>
-              <a:rPr lang="en-US" dirty="0"/>
-              <a:t>What are our customer personas and how are they similar by account attribute?</a:t>
-            </a:r>
-          </a:p>
-        </p:txBody>
-      </p:sp>
-      <p:sp>
-        <p:nvSpPr>
-          <p:cNvPr id="8" name="Rectangle 7"/>
-          <p:cNvSpPr/>
-          <p:nvPr/>
-        </p:nvSpPr>
-        <p:spPr>
-          <a:xfrm>
-            <a:off x="4598448" y="1319213"/>
-            <a:ext cx="4392447" cy="557213"/>
-          </a:xfrm>
-          <a:prstGeom prst="rect">
-            <a:avLst/>
-          </a:prstGeom>
-          <a:solidFill>
-            <a:schemeClr val="accent3"/>
-          </a:solidFill>
-          <a:ln>
-            <a:noFill/>
-          </a:ln>
-        </p:spPr>
-        <p:style>
-          <a:lnRef idx="2">
-            <a:schemeClr val="accent1">
-              <a:shade val="50000"/>
-            </a:schemeClr>
-          </a:lnRef>
-          <a:fillRef idx="1">
-            <a:schemeClr val="accent1"/>
-          </a:fillRef>
-          <a:effectRef idx="0">
-            <a:schemeClr val="accent1"/>
-          </a:effectRef>
-          <a:fontRef idx="minor">
-            <a:schemeClr val="lt1"/>
-          </a:fontRef>
-        </p:style>
-        <p:txBody>
-          <a:bodyPr rtlCol="0" anchor="ctr"/>
-          <a:lstStyle/>
-          <a:p>
-            <a:pPr algn="ctr"/>
-            <a:r>
-              <a:rPr lang="en-US" dirty="0"/>
-              <a:t>Scenarios</a:t>
-            </a:r>
-          </a:p>
-        </p:txBody>
-      </p:sp>
-      <p:sp>
-        <p:nvSpPr>
-          <p:cNvPr id="9" name="Rectangle 8"/>
-          <p:cNvSpPr/>
-          <p:nvPr/>
-        </p:nvSpPr>
-        <p:spPr>
-          <a:xfrm>
-            <a:off x="114304" y="1319213"/>
-            <a:ext cx="4114800" cy="557213"/>
-          </a:xfrm>
-          <a:prstGeom prst="rect">
-            <a:avLst/>
-          </a:prstGeom>
-          <a:solidFill>
-            <a:schemeClr val="accent3"/>
-          </a:solidFill>
-          <a:ln>
-            <a:noFill/>
-          </a:ln>
-        </p:spPr>
-        <p:style>
-          <a:lnRef idx="2">
-            <a:schemeClr val="accent1">
-              <a:shade val="50000"/>
-            </a:schemeClr>
-          </a:lnRef>
-          <a:fillRef idx="1">
-            <a:schemeClr val="accent1"/>
-          </a:fillRef>
-          <a:effectRef idx="0">
-            <a:schemeClr val="accent1"/>
-          </a:effectRef>
-          <a:fontRef idx="minor">
-            <a:schemeClr val="lt1"/>
-          </a:fontRef>
-        </p:style>
-        <p:txBody>
-          <a:bodyPr rtlCol="0" anchor="ctr"/>
-          <a:lstStyle/>
-          <a:p>
-            <a:pPr algn="ctr"/>
-            <a:r>
-              <a:rPr lang="en-US" dirty="0"/>
-              <a:t>Methods</a:t>
-            </a:r>
-          </a:p>
-        </p:txBody>
-      </p:sp>
-      <p:pic>
-        <p:nvPicPr>
-          <p:cNvPr id="6146" name="Picture 2" descr="Image result for customer meme"/>
-          <p:cNvPicPr>
-            <a:picLocks noChangeAspect="1" noChangeArrowheads="1"/>
-          </p:cNvPicPr>
-          <p:nvPr/>
-        </p:nvPicPr>
-        <p:blipFill>
-          <a:blip r:embed="rId3" cstate="print">
-            <a:extLst>
-              <a:ext uri="{28A0092B-C50C-407E-A947-70E740481C1C}">
-                <a14:useLocalDpi xmlns:a14="http://schemas.microsoft.com/office/drawing/2010/main" val="0"/>
-              </a:ext>
-            </a:extLst>
-          </a:blip>
-          <a:srcRect/>
-          <a:stretch>
-            <a:fillRect/>
-          </a:stretch>
-        </p:blipFill>
-        <p:spPr bwMode="auto">
-          <a:xfrm>
-            <a:off x="5279706" y="2966485"/>
-            <a:ext cx="3029931" cy="2317898"/>
-          </a:xfrm>
-          <a:prstGeom prst="rect">
-            <a:avLst/>
-          </a:prstGeom>
-          <a:noFill/>
-          <a:extLst>
-            <a:ext uri="{909E8E84-426E-40DD-AFC4-6F175D3DCCD1}">
-              <a14:hiddenFill xmlns:a14="http://schemas.microsoft.com/office/drawing/2010/main">
-                <a:solidFill>
-                  <a:srgbClr val="FFFFFF"/>
-                </a:solidFill>
-              </a14:hiddenFill>
-            </a:ext>
-          </a:extLst>
-        </p:spPr>
-      </p:pic>
-      <p:sp>
-        <p:nvSpPr>
-          <p:cNvPr id="11" name="Rectangle 10">
-            <a:extLst>
-              <a:ext uri="{FF2B5EF4-FFF2-40B4-BE49-F238E27FC236}">
-                <a16:creationId xmlns:a16="http://schemas.microsoft.com/office/drawing/2014/main" id="{AB6F969A-2AC8-1B44-A7BB-833A6536DF94}"/>
-              </a:ext>
-            </a:extLst>
-          </p:cNvPr>
-          <p:cNvSpPr/>
-          <p:nvPr/>
-        </p:nvSpPr>
-        <p:spPr>
-          <a:xfrm>
-            <a:off x="5167070" y="5497975"/>
-            <a:ext cx="3255202" cy="532436"/>
-          </a:xfrm>
-          <a:prstGeom prst="rect">
-            <a:avLst/>
-          </a:prstGeom>
-        </p:spPr>
-        <p:style>
-          <a:lnRef idx="2">
-            <a:schemeClr val="accent1">
-              <a:shade val="50000"/>
-            </a:schemeClr>
-          </a:lnRef>
-          <a:fillRef idx="1">
-            <a:schemeClr val="accent1"/>
-          </a:fillRef>
-          <a:effectRef idx="0">
-            <a:schemeClr val="accent1"/>
-          </a:effectRef>
-          <a:fontRef idx="minor">
-            <a:schemeClr val="lt1"/>
-          </a:fontRef>
-        </p:style>
-        <p:txBody>
-          <a:bodyPr rtlCol="0" anchor="ctr"/>
-          <a:lstStyle/>
-          <a:p>
-            <a:pPr algn="ctr"/>
-            <a:r>
-              <a:rPr lang="en-US" dirty="0"/>
-              <a:t>Unsupervised</a:t>
-            </a:r>
-          </a:p>
-        </p:txBody>
-      </p:sp>
-    </p:spTree>
-    <p:extLst>
-      <p:ext uri="{BB962C8B-B14F-4D97-AF65-F5344CB8AC3E}">
-        <p14:creationId xmlns:p14="http://schemas.microsoft.com/office/powerpoint/2010/main" val="4194539577"/>
-      </p:ext>
-    </p:extLst>
-  </p:cSld>
-  <p:clrMapOvr>
-    <a:masterClrMapping/>
-  </p:clrMapOvr>
-  <p:timing>
-    <p:tnLst>
-      <p:par>
-        <p:cTn id="1" dur="indefinite" restart="never" nodeType="tmRoot">
-          <p:childTnLst>
-            <p:seq concurrent="1" nextAc="seek">
-              <p:cTn id="2" dur="indefinite" nodeType="mainSeq">
-                <p:childTnLst>
-                  <p:par>
-                    <p:cTn id="3" fill="hold">
-                      <p:stCondLst>
-                        <p:cond delay="indefinite"/>
-                      </p:stCondLst>
-                      <p:childTnLst>
-                        <p:par>
-                          <p:cTn id="4" fill="hold">
-                            <p:stCondLst>
-                              <p:cond delay="0"/>
-                            </p:stCondLst>
-                            <p:childTnLst>
-                              <p:par>
-                                <p:cTn id="5" presetID="1" presetClass="entr" presetSubtype="0" fill="hold" grpId="0" nodeType="clickEffect">
-                                  <p:stCondLst>
-                                    <p:cond delay="0"/>
-                                  </p:stCondLst>
-                                  <p:childTnLst>
-                                    <p:set>
-                                      <p:cBhvr>
-                                        <p:cTn id="6" dur="1" fill="hold">
-                                          <p:stCondLst>
-                                            <p:cond delay="0"/>
-                                          </p:stCondLst>
-                                        </p:cTn>
-                                        <p:tgtEl>
-                                          <p:spTgt spid="11"/>
-                                        </p:tgtEl>
-                                        <p:attrNameLst>
-                                          <p:attrName>style.visibility</p:attrName>
-                                        </p:attrNameLst>
-                                      </p:cBhvr>
-                                      <p:to>
-                                        <p:strVal val="visible"/>
-                                      </p:to>
-                                    </p:set>
-                                  </p:childTnLst>
-                                </p:cTn>
-                              </p:par>
-                            </p:childTnLst>
-                          </p:cTn>
-                        </p:par>
-                      </p:childTnLst>
-                    </p:cTn>
-                  </p:par>
-                </p:childTnLst>
-              </p:cTn>
-              <p:prevCondLst>
-                <p:cond evt="onPrev" delay="0">
-                  <p:tgtEl>
-                    <p:sldTgt/>
-                  </p:tgtEl>
-                </p:cond>
-              </p:prevCondLst>
-              <p:nextCondLst>
-                <p:cond evt="onNext" delay="0">
-                  <p:tgtEl>
-                    <p:sldTgt/>
-                  </p:tgtEl>
-                </p:cond>
-              </p:nextCondLst>
-            </p:seq>
-          </p:childTnLst>
-        </p:cTn>
-      </p:par>
-    </p:tnLst>
-    <p:bldLst>
-      <p:bldP spid="11" grpId="0" animBg="1"/>
-    </p:bldLst>
-  </p:timing>
-</p:sld>
-</file>
-
-<file path=ppt/slides/slide35.xml><?xml version="1.0" encoding="utf-8"?>
-<p:sld xmlns:a="http://schemas.openxmlformats.org/drawingml/2006/main" xmlns:r="http://schemas.openxmlformats.org/officeDocument/2006/relationships" xmlns:p="http://schemas.openxmlformats.org/presentationml/2006/main">
-  <p:cSld>
-    <p:spTree>
-      <p:nvGrpSpPr>
-        <p:cNvPr id="1" name=""/>
-        <p:cNvGrpSpPr/>
-        <p:nvPr/>
-      </p:nvGrpSpPr>
-      <p:grpSpPr>
-        <a:xfrm>
-          <a:off x="0" y="0"/>
-          <a:ext cx="0" cy="0"/>
-          <a:chOff x="0" y="0"/>
-          <a:chExt cx="0" cy="0"/>
-        </a:xfrm>
-      </p:grpSpPr>
-      <p:sp>
-        <p:nvSpPr>
-          <p:cNvPr id="2" name="Date Placeholder 1"/>
-          <p:cNvSpPr>
-            <a:spLocks noGrp="1"/>
-          </p:cNvSpPr>
-          <p:nvPr>
-            <p:ph type="dt" sz="half" idx="10"/>
-          </p:nvPr>
-        </p:nvSpPr>
-        <p:spPr/>
-        <p:txBody>
-          <a:bodyPr/>
-          <a:lstStyle/>
-          <a:p>
-            <a:fld id="{6700A58B-DD98-43D0-B791-721480A02982}" type="datetime1">
-              <a:rPr lang="en-US" smtClean="0"/>
-              <a:t>9/11/20</a:t>
-            </a:fld>
-            <a:endParaRPr lang="en-US"/>
-          </a:p>
-        </p:txBody>
-      </p:sp>
-      <p:sp>
-        <p:nvSpPr>
-          <p:cNvPr id="3" name="Title 2"/>
-          <p:cNvSpPr>
-            <a:spLocks noGrp="1"/>
-          </p:cNvSpPr>
-          <p:nvPr>
-            <p:ph type="title"/>
-          </p:nvPr>
-        </p:nvSpPr>
-        <p:spPr/>
-        <p:txBody>
-          <a:bodyPr/>
-          <a:lstStyle/>
-          <a:p>
-            <a:r>
-              <a:rPr lang="en-US" dirty="0"/>
-              <a:t>Your turn…</a:t>
-            </a:r>
-          </a:p>
-        </p:txBody>
-      </p:sp>
-      <p:sp>
-        <p:nvSpPr>
-          <p:cNvPr id="4" name="Slide Number Placeholder 3"/>
-          <p:cNvSpPr>
-            <a:spLocks noGrp="1"/>
-          </p:cNvSpPr>
-          <p:nvPr>
-            <p:ph type="sldNum" sz="quarter" idx="12"/>
-          </p:nvPr>
-        </p:nvSpPr>
-        <p:spPr/>
-        <p:txBody>
-          <a:bodyPr/>
-          <a:lstStyle/>
-          <a:p>
-            <a:fld id="{37290FF7-652B-4475-AEAB-8B1A5D23AE09}" type="slidenum">
-              <a:rPr lang="en-US" smtClean="0"/>
-              <a:t>35</a:t>
-            </a:fld>
-            <a:endParaRPr lang="en-US"/>
-          </a:p>
-        </p:txBody>
-      </p:sp>
-      <p:sp>
-        <p:nvSpPr>
-          <p:cNvPr id="5" name="Footer Placeholder 4"/>
-          <p:cNvSpPr>
-            <a:spLocks noGrp="1"/>
-          </p:cNvSpPr>
-          <p:nvPr>
-            <p:ph type="ftr" sz="quarter" idx="3"/>
-          </p:nvPr>
-        </p:nvSpPr>
-        <p:spPr/>
-        <p:txBody>
-          <a:bodyPr/>
-          <a:lstStyle/>
-          <a:p>
-            <a:r>
-              <a:rPr lang="en-US"/>
-              <a:t>Kwartler CSCI S-96</a:t>
-            </a:r>
-            <a:endParaRPr lang="en-US" dirty="0"/>
-          </a:p>
-        </p:txBody>
-      </p:sp>
-      <p:sp>
-        <p:nvSpPr>
-          <p:cNvPr id="6" name="TextBox 5"/>
-          <p:cNvSpPr txBox="1"/>
-          <p:nvPr/>
-        </p:nvSpPr>
-        <p:spPr>
-          <a:xfrm>
-            <a:off x="492398" y="2036939"/>
-            <a:ext cx="3358612" cy="3693319"/>
-          </a:xfrm>
-          <a:prstGeom prst="rect">
-            <a:avLst/>
-          </a:prstGeom>
-          <a:noFill/>
-        </p:spPr>
-        <p:txBody>
-          <a:bodyPr wrap="none" rtlCol="0">
-            <a:spAutoFit/>
-          </a:bodyPr>
-          <a:lstStyle/>
-          <a:p>
-            <a:pPr marL="285750" indent="-285750">
-              <a:buFont typeface="Arial" panose="020B0604020202020204" pitchFamily="34" charset="0"/>
-              <a:buChar char="•"/>
-            </a:pPr>
-            <a:r>
-              <a:rPr lang="en-US" dirty="0"/>
-              <a:t>Retrospective</a:t>
-            </a:r>
-          </a:p>
-          <a:p>
-            <a:pPr marL="285750" indent="-285750">
-              <a:buFont typeface="Arial" panose="020B0604020202020204" pitchFamily="34" charset="0"/>
-              <a:buChar char="•"/>
-            </a:pPr>
-            <a:r>
-              <a:rPr lang="en-US" dirty="0"/>
-              <a:t>Descriptive</a:t>
-            </a:r>
-          </a:p>
-          <a:p>
-            <a:pPr marL="285750" indent="-285750">
-              <a:buFont typeface="Arial" panose="020B0604020202020204" pitchFamily="34" charset="0"/>
-              <a:buChar char="•"/>
-            </a:pPr>
-            <a:r>
-              <a:rPr lang="en-US" dirty="0"/>
-              <a:t>Data Science</a:t>
-            </a:r>
-          </a:p>
-          <a:p>
-            <a:pPr marL="742950" lvl="1" indent="-285750">
-              <a:buFont typeface="Arial" panose="020B0604020202020204" pitchFamily="34" charset="0"/>
-              <a:buChar char="•"/>
-            </a:pPr>
-            <a:r>
-              <a:rPr lang="en-US" dirty="0"/>
-              <a:t>Predictive</a:t>
-            </a:r>
-          </a:p>
-          <a:p>
-            <a:pPr marL="1200150" lvl="2" indent="-285750">
-              <a:buFont typeface="Arial" panose="020B0604020202020204" pitchFamily="34" charset="0"/>
-              <a:buChar char="•"/>
-            </a:pPr>
-            <a:r>
-              <a:rPr lang="en-US" dirty="0"/>
-              <a:t>Supervised Learning</a:t>
-            </a:r>
-          </a:p>
-          <a:p>
-            <a:pPr marL="1657350" lvl="3" indent="-285750">
-              <a:buFont typeface="Arial" panose="020B0604020202020204" pitchFamily="34" charset="0"/>
-              <a:buChar char="•"/>
-            </a:pPr>
-            <a:r>
-              <a:rPr lang="en-US" dirty="0"/>
-              <a:t>Classification</a:t>
-            </a:r>
-          </a:p>
-          <a:p>
-            <a:pPr marL="2114550" lvl="4" indent="-285750">
-              <a:buFont typeface="Arial" panose="020B0604020202020204" pitchFamily="34" charset="0"/>
-              <a:buChar char="•"/>
-            </a:pPr>
-            <a:r>
-              <a:rPr lang="en-US" dirty="0"/>
-              <a:t>Binary</a:t>
-            </a:r>
-          </a:p>
-          <a:p>
-            <a:pPr marL="2114550" lvl="4" indent="-285750">
-              <a:buFont typeface="Arial" panose="020B0604020202020204" pitchFamily="34" charset="0"/>
-              <a:buChar char="•"/>
-            </a:pPr>
-            <a:r>
-              <a:rPr lang="en-US" dirty="0"/>
-              <a:t>Multi-Class</a:t>
-            </a:r>
-          </a:p>
-          <a:p>
-            <a:pPr marL="1657350" lvl="3" indent="-285750">
-              <a:buFont typeface="Arial" panose="020B0604020202020204" pitchFamily="34" charset="0"/>
-              <a:buChar char="•"/>
-            </a:pPr>
-            <a:r>
-              <a:rPr lang="en-US" dirty="0"/>
-              <a:t>Continuous</a:t>
-            </a:r>
-          </a:p>
-          <a:p>
-            <a:pPr marL="742950" lvl="1" indent="-285750">
-              <a:buFont typeface="Arial" panose="020B0604020202020204" pitchFamily="34" charset="0"/>
-              <a:buChar char="•"/>
-            </a:pPr>
-            <a:r>
-              <a:rPr lang="en-US" dirty="0"/>
-              <a:t>Forecasting</a:t>
-            </a:r>
-          </a:p>
-          <a:p>
-            <a:pPr marL="742950" lvl="2" indent="-285750">
-              <a:buFont typeface="Arial" panose="020B0604020202020204" pitchFamily="34" charset="0"/>
-              <a:buChar char="•"/>
-            </a:pPr>
-            <a:r>
-              <a:rPr lang="en-US" dirty="0"/>
-              <a:t>Unsupervised Learning</a:t>
-            </a:r>
-          </a:p>
-          <a:p>
-            <a:pPr marL="742950" lvl="1" indent="-285750">
-              <a:buFont typeface="Arial" panose="020B0604020202020204" pitchFamily="34" charset="0"/>
-              <a:buChar char="•"/>
-            </a:pPr>
-            <a:r>
-              <a:rPr lang="en-US" dirty="0"/>
-              <a:t>Associative System</a:t>
-            </a:r>
-          </a:p>
-          <a:p>
-            <a:pPr marL="285750" indent="-285750">
-              <a:buFont typeface="Arial" panose="020B0604020202020204" pitchFamily="34" charset="0"/>
-              <a:buChar char="•"/>
-            </a:pPr>
-            <a:endParaRPr lang="en-US" dirty="0"/>
-          </a:p>
-        </p:txBody>
-      </p:sp>
-      <p:sp>
-        <p:nvSpPr>
-          <p:cNvPr id="7" name="TextBox 6"/>
-          <p:cNvSpPr txBox="1"/>
-          <p:nvPr/>
-        </p:nvSpPr>
-        <p:spPr>
-          <a:xfrm>
-            <a:off x="4522319" y="2036939"/>
-            <a:ext cx="4544705" cy="646331"/>
-          </a:xfrm>
-          <a:prstGeom prst="rect">
-            <a:avLst/>
-          </a:prstGeom>
-          <a:noFill/>
-        </p:spPr>
-        <p:txBody>
-          <a:bodyPr wrap="square" rtlCol="0">
-            <a:spAutoFit/>
-          </a:bodyPr>
-          <a:lstStyle/>
-          <a:p>
-            <a:r>
-              <a:rPr lang="en-US" dirty="0"/>
-              <a:t>How many fish did each vessel catch yesterday?</a:t>
-            </a:r>
-          </a:p>
-        </p:txBody>
-      </p:sp>
-      <p:sp>
-        <p:nvSpPr>
-          <p:cNvPr id="8" name="Rectangle 7"/>
-          <p:cNvSpPr/>
-          <p:nvPr/>
-        </p:nvSpPr>
-        <p:spPr>
-          <a:xfrm>
-            <a:off x="4598448" y="1319213"/>
-            <a:ext cx="4392447" cy="557213"/>
-          </a:xfrm>
-          <a:prstGeom prst="rect">
-            <a:avLst/>
-          </a:prstGeom>
-          <a:solidFill>
-            <a:schemeClr val="accent3"/>
-          </a:solidFill>
-          <a:ln>
-            <a:noFill/>
-          </a:ln>
-        </p:spPr>
-        <p:style>
-          <a:lnRef idx="2">
-            <a:schemeClr val="accent1">
-              <a:shade val="50000"/>
-            </a:schemeClr>
-          </a:lnRef>
-          <a:fillRef idx="1">
-            <a:schemeClr val="accent1"/>
-          </a:fillRef>
-          <a:effectRef idx="0">
-            <a:schemeClr val="accent1"/>
-          </a:effectRef>
-          <a:fontRef idx="minor">
-            <a:schemeClr val="lt1"/>
-          </a:fontRef>
-        </p:style>
-        <p:txBody>
-          <a:bodyPr rtlCol="0" anchor="ctr"/>
-          <a:lstStyle/>
-          <a:p>
-            <a:pPr algn="ctr"/>
-            <a:r>
-              <a:rPr lang="en-US" dirty="0"/>
-              <a:t>Scenarios</a:t>
-            </a:r>
-          </a:p>
-        </p:txBody>
-      </p:sp>
-      <p:sp>
-        <p:nvSpPr>
-          <p:cNvPr id="9" name="Rectangle 8"/>
-          <p:cNvSpPr/>
-          <p:nvPr/>
-        </p:nvSpPr>
-        <p:spPr>
-          <a:xfrm>
-            <a:off x="114304" y="1319213"/>
-            <a:ext cx="4114800" cy="557213"/>
-          </a:xfrm>
-          <a:prstGeom prst="rect">
-            <a:avLst/>
-          </a:prstGeom>
-          <a:solidFill>
-            <a:schemeClr val="accent3"/>
-          </a:solidFill>
-          <a:ln>
-            <a:noFill/>
-          </a:ln>
-        </p:spPr>
-        <p:style>
-          <a:lnRef idx="2">
-            <a:schemeClr val="accent1">
-              <a:shade val="50000"/>
-            </a:schemeClr>
-          </a:lnRef>
-          <a:fillRef idx="1">
-            <a:schemeClr val="accent1"/>
-          </a:fillRef>
-          <a:effectRef idx="0">
-            <a:schemeClr val="accent1"/>
-          </a:effectRef>
-          <a:fontRef idx="minor">
-            <a:schemeClr val="lt1"/>
-          </a:fontRef>
-        </p:style>
-        <p:txBody>
-          <a:bodyPr rtlCol="0" anchor="ctr"/>
-          <a:lstStyle/>
-          <a:p>
-            <a:pPr algn="ctr"/>
-            <a:r>
-              <a:rPr lang="en-US" dirty="0"/>
-              <a:t>Methods</a:t>
-            </a:r>
-          </a:p>
-        </p:txBody>
-      </p:sp>
-      <p:pic>
-        <p:nvPicPr>
-          <p:cNvPr id="7170" name="Picture 2" descr="Image result for fish meme"/>
-          <p:cNvPicPr>
-            <a:picLocks noChangeAspect="1" noChangeArrowheads="1"/>
-          </p:cNvPicPr>
-          <p:nvPr/>
-        </p:nvPicPr>
-        <p:blipFill>
-          <a:blip r:embed="rId3">
-            <a:extLst>
-              <a:ext uri="{28A0092B-C50C-407E-A947-70E740481C1C}">
-                <a14:useLocalDpi xmlns:a14="http://schemas.microsoft.com/office/drawing/2010/main" val="0"/>
-              </a:ext>
-            </a:extLst>
-          </a:blip>
-          <a:srcRect/>
-          <a:stretch>
-            <a:fillRect/>
-          </a:stretch>
-        </p:blipFill>
-        <p:spPr bwMode="auto">
-          <a:xfrm>
-            <a:off x="4984086" y="2902042"/>
-            <a:ext cx="3621171" cy="2390093"/>
-          </a:xfrm>
-          <a:prstGeom prst="rect">
-            <a:avLst/>
-          </a:prstGeom>
-          <a:noFill/>
-          <a:extLst>
-            <a:ext uri="{909E8E84-426E-40DD-AFC4-6F175D3DCCD1}">
-              <a14:hiddenFill xmlns:a14="http://schemas.microsoft.com/office/drawing/2010/main">
-                <a:solidFill>
-                  <a:srgbClr val="FFFFFF"/>
-                </a:solidFill>
-              </a14:hiddenFill>
-            </a:ext>
-          </a:extLst>
-        </p:spPr>
-      </p:pic>
-      <p:sp>
-        <p:nvSpPr>
-          <p:cNvPr id="11" name="Rectangle 10">
-            <a:extLst>
-              <a:ext uri="{FF2B5EF4-FFF2-40B4-BE49-F238E27FC236}">
-                <a16:creationId xmlns:a16="http://schemas.microsoft.com/office/drawing/2014/main" id="{8411DF2A-5E31-D747-A1AF-92E9D4BFF117}"/>
-              </a:ext>
-            </a:extLst>
-          </p:cNvPr>
-          <p:cNvSpPr/>
-          <p:nvPr/>
-        </p:nvSpPr>
-        <p:spPr>
-          <a:xfrm>
-            <a:off x="5167070" y="5497975"/>
-            <a:ext cx="3255202" cy="532436"/>
-          </a:xfrm>
-          <a:prstGeom prst="rect">
-            <a:avLst/>
-          </a:prstGeom>
-        </p:spPr>
-        <p:style>
-          <a:lnRef idx="2">
-            <a:schemeClr val="accent1">
-              <a:shade val="50000"/>
-            </a:schemeClr>
-          </a:lnRef>
-          <a:fillRef idx="1">
-            <a:schemeClr val="accent1"/>
-          </a:fillRef>
-          <a:effectRef idx="0">
-            <a:schemeClr val="accent1"/>
-          </a:effectRef>
-          <a:fontRef idx="minor">
-            <a:schemeClr val="lt1"/>
-          </a:fontRef>
-        </p:style>
-        <p:txBody>
-          <a:bodyPr rtlCol="0" anchor="ctr"/>
-          <a:lstStyle/>
-          <a:p>
-            <a:pPr algn="ctr"/>
-            <a:r>
-              <a:rPr lang="en-US" dirty="0"/>
-              <a:t>Retrospective/Descriptive</a:t>
-            </a:r>
-          </a:p>
-        </p:txBody>
-      </p:sp>
-    </p:spTree>
-    <p:extLst>
-      <p:ext uri="{BB962C8B-B14F-4D97-AF65-F5344CB8AC3E}">
-        <p14:creationId xmlns:p14="http://schemas.microsoft.com/office/powerpoint/2010/main" val="2627127406"/>
-      </p:ext>
-    </p:extLst>
-  </p:cSld>
-  <p:clrMapOvr>
-    <a:masterClrMapping/>
-  </p:clrMapOvr>
-  <p:timing>
-    <p:tnLst>
-      <p:par>
-        <p:cTn id="1" dur="indefinite" restart="never" nodeType="tmRoot">
-          <p:childTnLst>
-            <p:seq concurrent="1" nextAc="seek">
-              <p:cTn id="2" dur="indefinite" nodeType="mainSeq">
-                <p:childTnLst>
-                  <p:par>
-                    <p:cTn id="3" fill="hold">
-                      <p:stCondLst>
-                        <p:cond delay="indefinite"/>
-                      </p:stCondLst>
-                      <p:childTnLst>
-                        <p:par>
-                          <p:cTn id="4" fill="hold">
-                            <p:stCondLst>
-                              <p:cond delay="0"/>
-                            </p:stCondLst>
-                            <p:childTnLst>
-                              <p:par>
-                                <p:cTn id="5" presetID="1" presetClass="entr" presetSubtype="0" fill="hold" grpId="0" nodeType="clickEffect">
-                                  <p:stCondLst>
-                                    <p:cond delay="0"/>
-                                  </p:stCondLst>
-                                  <p:childTnLst>
-                                    <p:set>
-                                      <p:cBhvr>
-                                        <p:cTn id="6" dur="1" fill="hold">
-                                          <p:stCondLst>
-                                            <p:cond delay="0"/>
-                                          </p:stCondLst>
-                                        </p:cTn>
-                                        <p:tgtEl>
-                                          <p:spTgt spid="11"/>
-                                        </p:tgtEl>
-                                        <p:attrNameLst>
-                                          <p:attrName>style.visibility</p:attrName>
-                                        </p:attrNameLst>
-                                      </p:cBhvr>
-                                      <p:to>
-                                        <p:strVal val="visible"/>
-                                      </p:to>
-                                    </p:set>
-                                  </p:childTnLst>
-                                </p:cTn>
-                              </p:par>
-                            </p:childTnLst>
-                          </p:cTn>
-                        </p:par>
-                      </p:childTnLst>
-                    </p:cTn>
-                  </p:par>
-                </p:childTnLst>
-              </p:cTn>
-              <p:prevCondLst>
-                <p:cond evt="onPrev" delay="0">
-                  <p:tgtEl>
-                    <p:sldTgt/>
-                  </p:tgtEl>
-                </p:cond>
-              </p:prevCondLst>
-              <p:nextCondLst>
-                <p:cond evt="onNext" delay="0">
-                  <p:tgtEl>
-                    <p:sldTgt/>
-                  </p:tgtEl>
-                </p:cond>
-              </p:nextCondLst>
-            </p:seq>
-          </p:childTnLst>
-        </p:cTn>
-      </p:par>
-    </p:tnLst>
-    <p:bldLst>
-      <p:bldP spid="11" grpId="0" animBg="1"/>
-    </p:bldLst>
-  </p:timing>
-</p:sld>
-</file>
-
-<file path=ppt/slides/slide36.xml><?xml version="1.0" encoding="utf-8"?>
-<p:sld xmlns:a="http://schemas.openxmlformats.org/drawingml/2006/main" xmlns:r="http://schemas.openxmlformats.org/officeDocument/2006/relationships" xmlns:p="http://schemas.openxmlformats.org/presentationml/2006/main">
-  <p:cSld>
-    <p:spTree>
-      <p:nvGrpSpPr>
-        <p:cNvPr id="1" name=""/>
-        <p:cNvGrpSpPr/>
-        <p:nvPr/>
-      </p:nvGrpSpPr>
-      <p:grpSpPr>
-        <a:xfrm>
-          <a:off x="0" y="0"/>
-          <a:ext cx="0" cy="0"/>
-          <a:chOff x="0" y="0"/>
-          <a:chExt cx="0" cy="0"/>
-        </a:xfrm>
-      </p:grpSpPr>
-      <p:sp>
-        <p:nvSpPr>
-          <p:cNvPr id="2" name="Date Placeholder 1"/>
-          <p:cNvSpPr>
-            <a:spLocks noGrp="1"/>
-          </p:cNvSpPr>
-          <p:nvPr>
-            <p:ph type="dt" sz="half" idx="10"/>
-          </p:nvPr>
-        </p:nvSpPr>
-        <p:spPr/>
-        <p:txBody>
-          <a:bodyPr/>
-          <a:lstStyle/>
-          <a:p>
-            <a:fld id="{6700A58B-DD98-43D0-B791-721480A02982}" type="datetime1">
-              <a:rPr lang="en-US" smtClean="0"/>
-              <a:t>9/11/20</a:t>
-            </a:fld>
-            <a:endParaRPr lang="en-US"/>
-          </a:p>
-        </p:txBody>
-      </p:sp>
-      <p:sp>
-        <p:nvSpPr>
-          <p:cNvPr id="3" name="Title 2"/>
-          <p:cNvSpPr>
-            <a:spLocks noGrp="1"/>
-          </p:cNvSpPr>
-          <p:nvPr>
-            <p:ph type="title"/>
-          </p:nvPr>
-        </p:nvSpPr>
-        <p:spPr/>
-        <p:txBody>
-          <a:bodyPr/>
-          <a:lstStyle/>
-          <a:p>
-            <a:r>
-              <a:rPr lang="en-US" dirty="0"/>
-              <a:t>Quiz!</a:t>
-            </a:r>
-          </a:p>
-        </p:txBody>
-      </p:sp>
-      <p:sp>
-        <p:nvSpPr>
-          <p:cNvPr id="4" name="Slide Number Placeholder 3"/>
-          <p:cNvSpPr>
-            <a:spLocks noGrp="1"/>
-          </p:cNvSpPr>
-          <p:nvPr>
-            <p:ph type="sldNum" sz="quarter" idx="12"/>
-          </p:nvPr>
-        </p:nvSpPr>
-        <p:spPr/>
-        <p:txBody>
-          <a:bodyPr/>
-          <a:lstStyle/>
-          <a:p>
-            <a:fld id="{37290FF7-652B-4475-AEAB-8B1A5D23AE09}" type="slidenum">
-              <a:rPr lang="en-US" smtClean="0"/>
-              <a:t>36</a:t>
             </a:fld>
             <a:endParaRPr lang="en-US"/>
           </a:p>
@@ -22156,7 +21981,7 @@
 </p:sld>
 </file>
 
-<file path=ppt/slides/slide37.xml><?xml version="1.0" encoding="utf-8"?>
+<file path=ppt/slides/slide35.xml><?xml version="1.0" encoding="utf-8"?>
 <p:sld xmlns:a="http://schemas.openxmlformats.org/drawingml/2006/main" xmlns:r="http://schemas.openxmlformats.org/officeDocument/2006/relationships" xmlns:p="http://schemas.openxmlformats.org/presentationml/2006/main">
   <p:cSld>
     <p:spTree>
@@ -22655,7 +22480,7 @@
           <a:p>
             <a:fld id="{9B19E99B-5349-415A-8E56-8E989211A366}" type="datetime1">
               <a:rPr lang="en-US" smtClean="0"/>
-              <a:t>9/11/20</a:t>
+              <a:t>2/1/21</a:t>
             </a:fld>
             <a:endParaRPr lang="en-US"/>
           </a:p>
@@ -22701,7 +22526,7 @@
           <a:p>
             <a:fld id="{37290FF7-652B-4475-AEAB-8B1A5D23AE09}" type="slidenum">
               <a:rPr lang="en-US" smtClean="0"/>
-              <a:t>37</a:t>
+              <a:t>35</a:t>
             </a:fld>
             <a:endParaRPr lang="en-US"/>
           </a:p>
@@ -22720,7 +22545,7 @@
 </p:sld>
 </file>
 
-<file path=ppt/slides/slide38.xml><?xml version="1.0" encoding="utf-8"?>
+<file path=ppt/slides/slide36.xml><?xml version="1.0" encoding="utf-8"?>
 <p:sld xmlns:a="http://schemas.openxmlformats.org/drawingml/2006/main" xmlns:r="http://schemas.openxmlformats.org/officeDocument/2006/relationships" xmlns:p="http://schemas.openxmlformats.org/presentationml/2006/main">
   <p:cSld>
     <p:spTree>
@@ -22778,7 +22603,7 @@
           <a:p>
             <a:fld id="{6700A58B-DD98-43D0-B791-721480A02982}" type="datetime1">
               <a:rPr lang="en-US" smtClean="0"/>
-              <a:t>9/11/20</a:t>
+              <a:t>2/1/21</a:t>
             </a:fld>
             <a:endParaRPr lang="en-US"/>
           </a:p>
@@ -22836,7 +22661,7 @@
           <a:p>
             <a:fld id="{37290FF7-652B-4475-AEAB-8B1A5D23AE09}" type="slidenum">
               <a:rPr lang="en-US" smtClean="0"/>
-              <a:t>38</a:t>
+              <a:t>36</a:t>
             </a:fld>
             <a:endParaRPr lang="en-US"/>
           </a:p>
@@ -23169,7 +22994,7 @@
 </p:sld>
 </file>
 
-<file path=ppt/slides/slide39.xml><?xml version="1.0" encoding="utf-8"?>
+<file path=ppt/slides/slide37.xml><?xml version="1.0" encoding="utf-8"?>
 <p:sld xmlns:a="http://schemas.openxmlformats.org/drawingml/2006/main" xmlns:r="http://schemas.openxmlformats.org/officeDocument/2006/relationships" xmlns:p="http://schemas.openxmlformats.org/presentationml/2006/main">
   <p:cSld>
     <p:spTree>
@@ -23203,7 +23028,7 @@
           <a:p>
             <a:fld id="{6700A58B-DD98-43D0-B791-721480A02982}" type="datetime1">
               <a:rPr lang="en-US" smtClean="0"/>
-              <a:t>9/11/20</a:t>
+              <a:t>2/1/21</a:t>
             </a:fld>
             <a:endParaRPr lang="en-US"/>
           </a:p>
@@ -23248,7 +23073,7 @@
           <a:p>
             <a:fld id="{37290FF7-652B-4475-AEAB-8B1A5D23AE09}" type="slidenum">
               <a:rPr lang="en-US" smtClean="0"/>
-              <a:t>39</a:t>
+              <a:t>37</a:t>
             </a:fld>
             <a:endParaRPr lang="en-US"/>
           </a:p>
@@ -23544,7 +23369,7 @@
 </p:sld>
 </file>
 
-<file path=ppt/slides/slide4.xml><?xml version="1.0" encoding="utf-8"?>
+<file path=ppt/slides/slide38.xml><?xml version="1.0" encoding="utf-8"?>
 <p:sld xmlns:a="http://schemas.openxmlformats.org/drawingml/2006/main" xmlns:r="http://schemas.openxmlformats.org/officeDocument/2006/relationships" xmlns:p="http://schemas.openxmlformats.org/presentationml/2006/main">
   <p:cSld>
     <p:spTree>
@@ -23578,7 +23403,7 @@
           <a:p>
             <a:fld id="{6700A58B-DD98-43D0-B791-721480A02982}" type="datetime1">
               <a:rPr lang="en-US" smtClean="0"/>
-              <a:t>9/11/20</a:t>
+              <a:t>2/1/21</a:t>
             </a:fld>
             <a:endParaRPr lang="en-US"/>
           </a:p>
@@ -23601,7 +23426,15 @@
           <a:p>
             <a:r>
               <a:rPr lang="en-US" dirty="0"/>
-              <a:t>Data Mining in this course </a:t>
+              <a:t>What is </a:t>
+            </a:r>
+            <a:r>
+              <a:rPr lang="en-US" dirty="0" err="1"/>
+              <a:t>ggplot</a:t>
+            </a:r>
+            <a:r>
+              <a:rPr lang="en-US" dirty="0"/>
+              <a:t>?</a:t>
             </a:r>
           </a:p>
         </p:txBody>
@@ -23623,293 +23456,7 @@
           <a:p>
             <a:fld id="{37290FF7-652B-4475-AEAB-8B1A5D23AE09}" type="slidenum">
               <a:rPr lang="en-US" smtClean="0"/>
-              <a:t>4</a:t>
-            </a:fld>
-            <a:endParaRPr lang="en-US"/>
-          </a:p>
-        </p:txBody>
-      </p:sp>
-      <p:sp>
-        <p:nvSpPr>
-          <p:cNvPr id="5" name="Footer Placeholder 4"/>
-          <p:cNvSpPr>
-            <a:spLocks noGrp="1"/>
-          </p:cNvSpPr>
-          <p:nvPr>
-            <p:ph type="ftr" sz="quarter" idx="3"/>
-          </p:nvPr>
-        </p:nvSpPr>
-        <p:spPr/>
-        <p:txBody>
-          <a:bodyPr/>
-          <a:lstStyle/>
-          <a:p>
-            <a:r>
-              <a:rPr lang="en-US"/>
-              <a:t>Kwartler CSCI S-96</a:t>
-            </a:r>
-            <a:endParaRPr lang="en-US" dirty="0"/>
-          </a:p>
-        </p:txBody>
-      </p:sp>
-      <p:sp>
-        <p:nvSpPr>
-          <p:cNvPr id="7" name="Rectangle 6"/>
-          <p:cNvSpPr/>
-          <p:nvPr/>
-        </p:nvSpPr>
-        <p:spPr>
-          <a:xfrm>
-            <a:off x="228600" y="5672137"/>
-            <a:ext cx="8686800" cy="614371"/>
-          </a:xfrm>
-          <a:prstGeom prst="rect">
-            <a:avLst/>
-          </a:prstGeom>
-        </p:spPr>
-        <p:style>
-          <a:lnRef idx="2">
-            <a:schemeClr val="accent1">
-              <a:shade val="50000"/>
-            </a:schemeClr>
-          </a:lnRef>
-          <a:fillRef idx="1">
-            <a:schemeClr val="accent1"/>
-          </a:fillRef>
-          <a:effectRef idx="0">
-            <a:schemeClr val="accent1"/>
-          </a:effectRef>
-          <a:fontRef idx="minor">
-            <a:schemeClr val="lt1"/>
-          </a:fontRef>
-        </p:style>
-        <p:txBody>
-          <a:bodyPr rtlCol="0" anchor="ctr"/>
-          <a:lstStyle/>
-          <a:p>
-            <a:pPr algn="ctr"/>
-            <a:r>
-              <a:rPr lang="en-US" dirty="0"/>
-              <a:t>In this class we explore basic analytics, some business intelligence and ML methods in an effort to bring quantitative judgment to bear on business decisions.</a:t>
-            </a:r>
-          </a:p>
-        </p:txBody>
-      </p:sp>
-      <p:cxnSp>
-        <p:nvCxnSpPr>
-          <p:cNvPr id="8" name="Straight Connector 7"/>
-          <p:cNvCxnSpPr/>
-          <p:nvPr/>
-        </p:nvCxnSpPr>
-        <p:spPr>
-          <a:xfrm>
-            <a:off x="228600" y="5543567"/>
-            <a:ext cx="8558213" cy="0"/>
-          </a:xfrm>
-          <a:prstGeom prst="line">
-            <a:avLst/>
-          </a:prstGeom>
-          <a:ln>
-            <a:solidFill>
-              <a:schemeClr val="accent5"/>
-            </a:solidFill>
-            <a:prstDash val="dash"/>
-          </a:ln>
-        </p:spPr>
-        <p:style>
-          <a:lnRef idx="1">
-            <a:schemeClr val="accent1"/>
-          </a:lnRef>
-          <a:fillRef idx="0">
-            <a:schemeClr val="accent1"/>
-          </a:fillRef>
-          <a:effectRef idx="0">
-            <a:schemeClr val="accent1"/>
-          </a:effectRef>
-          <a:fontRef idx="minor">
-            <a:schemeClr val="tx1"/>
-          </a:fontRef>
-        </p:style>
-      </p:cxnSp>
-      <p:sp>
-        <p:nvSpPr>
-          <p:cNvPr id="10" name="TextBox 9"/>
-          <p:cNvSpPr txBox="1"/>
-          <p:nvPr/>
-        </p:nvSpPr>
-        <p:spPr>
-          <a:xfrm>
-            <a:off x="192505" y="1748589"/>
-            <a:ext cx="8726907" cy="1754326"/>
-          </a:xfrm>
-          <a:prstGeom prst="rect">
-            <a:avLst/>
-          </a:prstGeom>
-          <a:noFill/>
-        </p:spPr>
-        <p:txBody>
-          <a:bodyPr wrap="square" rtlCol="0">
-            <a:spAutoFit/>
-          </a:bodyPr>
-          <a:lstStyle/>
-          <a:p>
-            <a:pPr marL="112713" indent="-112713">
-              <a:buFont typeface="Arial" panose="020B0604020202020204" pitchFamily="34" charset="0"/>
-              <a:buChar char="•"/>
-            </a:pPr>
-            <a:r>
-              <a:rPr lang="en-US" b="1" dirty="0"/>
-              <a:t>Business Analytics </a:t>
-            </a:r>
-            <a:r>
-              <a:rPr lang="en-US" dirty="0"/>
-              <a:t>– analyzing historical business data with basic math, SME rules, tallies, tables, summary statistics </a:t>
-            </a:r>
-            <a:r>
-              <a:rPr lang="en-US" dirty="0" err="1"/>
-              <a:t>etc</a:t>
-            </a:r>
-            <a:endParaRPr lang="en-US" dirty="0"/>
-          </a:p>
-          <a:p>
-            <a:pPr marL="112713" indent="-112713">
-              <a:buFont typeface="Arial" panose="020B0604020202020204" pitchFamily="34" charset="0"/>
-              <a:buChar char="•"/>
-            </a:pPr>
-            <a:r>
-              <a:rPr lang="en-US" b="1" dirty="0"/>
-              <a:t>Business Intelligence</a:t>
-            </a:r>
-            <a:r>
-              <a:rPr lang="en-US" dirty="0"/>
-              <a:t> – what has happened or is happening that can help current business decisions, often done with visuals, </a:t>
-            </a:r>
-            <a:r>
-              <a:rPr lang="en-US" dirty="0" err="1"/>
-              <a:t>powerpoint</a:t>
-            </a:r>
-            <a:r>
-              <a:rPr lang="en-US" dirty="0"/>
-              <a:t>, dashboards i.e. tableau</a:t>
-            </a:r>
-          </a:p>
-          <a:p>
-            <a:pPr marL="112713" indent="-112713">
-              <a:buFont typeface="Arial" panose="020B0604020202020204" pitchFamily="34" charset="0"/>
-              <a:buChar char="•"/>
-            </a:pPr>
-            <a:r>
-              <a:rPr lang="en-US" b="1" dirty="0"/>
-              <a:t>Data Mining</a:t>
-            </a:r>
-            <a:r>
-              <a:rPr lang="en-US" dirty="0"/>
-              <a:t> – includes machine learning (ML) &amp; data science; applies more sophisticated methods to understand and predict business outcomes.</a:t>
-            </a:r>
-          </a:p>
-        </p:txBody>
-      </p:sp>
-    </p:spTree>
-    <p:extLst>
-      <p:ext uri="{BB962C8B-B14F-4D97-AF65-F5344CB8AC3E}">
-        <p14:creationId xmlns:p14="http://schemas.microsoft.com/office/powerpoint/2010/main" val="66837245"/>
-      </p:ext>
-    </p:extLst>
-  </p:cSld>
-  <p:clrMapOvr>
-    <a:masterClrMapping/>
-  </p:clrMapOvr>
-</p:sld>
-</file>
-
-<file path=ppt/slides/slide40.xml><?xml version="1.0" encoding="utf-8"?>
-<p:sld xmlns:a="http://schemas.openxmlformats.org/drawingml/2006/main" xmlns:r="http://schemas.openxmlformats.org/officeDocument/2006/relationships" xmlns:p="http://schemas.openxmlformats.org/presentationml/2006/main">
-  <p:cSld>
-    <p:spTree>
-      <p:nvGrpSpPr>
-        <p:cNvPr id="1" name=""/>
-        <p:cNvGrpSpPr/>
-        <p:nvPr/>
-      </p:nvGrpSpPr>
-      <p:grpSpPr>
-        <a:xfrm>
-          <a:off x="0" y="0"/>
-          <a:ext cx="0" cy="0"/>
-          <a:chOff x="0" y="0"/>
-          <a:chExt cx="0" cy="0"/>
-        </a:xfrm>
-      </p:grpSpPr>
-      <p:sp>
-        <p:nvSpPr>
-          <p:cNvPr id="2" name="Date Placeholder 1"/>
-          <p:cNvSpPr>
-            <a:spLocks noGrp="1"/>
-          </p:cNvSpPr>
-          <p:nvPr>
-            <p:ph type="dt" sz="half" idx="10"/>
-          </p:nvPr>
-        </p:nvSpPr>
-        <p:spPr/>
-        <p:txBody>
-          <a:bodyPr/>
-          <a:lstStyle/>
-          <a:p>
-            <a:fld id="{6700A58B-DD98-43D0-B791-721480A02982}" type="datetime1">
-              <a:rPr lang="en-US" smtClean="0"/>
-              <a:t>9/11/20</a:t>
-            </a:fld>
-            <a:endParaRPr lang="en-US"/>
-          </a:p>
-        </p:txBody>
-      </p:sp>
-      <p:sp>
-        <p:nvSpPr>
-          <p:cNvPr id="3" name="Title 2"/>
-          <p:cNvSpPr>
-            <a:spLocks noGrp="1"/>
-          </p:cNvSpPr>
-          <p:nvPr>
-            <p:ph type="title"/>
-          </p:nvPr>
-        </p:nvSpPr>
-        <p:spPr/>
-        <p:txBody>
-          <a:bodyPr/>
-          <a:lstStyle/>
-          <a:p>
-            <a:r>
-              <a:rPr lang="en-US" dirty="0"/>
-              <a:t>What is </a:t>
-            </a:r>
-            <a:r>
-              <a:rPr lang="en-US" dirty="0" err="1"/>
-              <a:t>ggplot</a:t>
-            </a:r>
-            <a:r>
-              <a:rPr lang="en-US" dirty="0"/>
-              <a:t>?</a:t>
-            </a:r>
-          </a:p>
-        </p:txBody>
-      </p:sp>
-      <p:sp>
-        <p:nvSpPr>
-          <p:cNvPr id="4" name="Slide Number Placeholder 3"/>
-          <p:cNvSpPr>
-            <a:spLocks noGrp="1"/>
-          </p:cNvSpPr>
-          <p:nvPr>
-            <p:ph type="sldNum" sz="quarter" idx="12"/>
-          </p:nvPr>
-        </p:nvSpPr>
-        <p:spPr/>
-        <p:txBody>
-          <a:bodyPr/>
-          <a:lstStyle/>
-          <a:p>
-            <a:fld id="{37290FF7-652B-4475-AEAB-8B1A5D23AE09}" type="slidenum">
-              <a:rPr lang="en-US" smtClean="0"/>
-              <a:t>40</a:t>
+              <a:t>38</a:t>
             </a:fld>
             <a:endParaRPr lang="en-US"/>
           </a:p>
@@ -24274,7 +23821,7 @@
 </p:sld>
 </file>
 
-<file path=ppt/slides/slide41.xml><?xml version="1.0" encoding="utf-8"?>
+<file path=ppt/slides/slide39.xml><?xml version="1.0" encoding="utf-8"?>
 <p:sld xmlns:a="http://schemas.openxmlformats.org/drawingml/2006/main" xmlns:r="http://schemas.openxmlformats.org/officeDocument/2006/relationships" xmlns:p="http://schemas.openxmlformats.org/presentationml/2006/main">
   <p:cSld>
     <p:spTree>
@@ -24308,7 +23855,7 @@
           <a:p>
             <a:fld id="{6700A58B-DD98-43D0-B791-721480A02982}" type="datetime1">
               <a:rPr lang="en-US" smtClean="0"/>
-              <a:t>9/11/20</a:t>
+              <a:t>2/1/21</a:t>
             </a:fld>
             <a:endParaRPr lang="en-US"/>
           </a:p>
@@ -24361,7 +23908,7 @@
           <a:p>
             <a:fld id="{37290FF7-652B-4475-AEAB-8B1A5D23AE09}" type="slidenum">
               <a:rPr lang="en-US" smtClean="0"/>
-              <a:t>41</a:t>
+              <a:t>39</a:t>
             </a:fld>
             <a:endParaRPr lang="en-US"/>
           </a:p>
@@ -24749,7 +24296,7 @@
 </p:sld>
 </file>
 
-<file path=ppt/slides/slide42.xml><?xml version="1.0" encoding="utf-8"?>
+<file path=ppt/slides/slide4.xml><?xml version="1.0" encoding="utf-8"?>
 <p:sld xmlns:a="http://schemas.openxmlformats.org/drawingml/2006/main" xmlns:r="http://schemas.openxmlformats.org/officeDocument/2006/relationships" xmlns:p="http://schemas.openxmlformats.org/presentationml/2006/main">
   <p:cSld>
     <p:spTree>
@@ -24783,7 +24330,7 @@
           <a:p>
             <a:fld id="{6700A58B-DD98-43D0-B791-721480A02982}" type="datetime1">
               <a:rPr lang="en-US" smtClean="0"/>
-              <a:t>9/11/20</a:t>
+              <a:t>2/1/21</a:t>
             </a:fld>
             <a:endParaRPr lang="en-US"/>
           </a:p>
@@ -24799,22 +24346,19 @@
             <p:ph type="title"/>
           </p:nvPr>
         </p:nvSpPr>
-        <p:spPr/>
+        <p:spPr>
+          <a:xfrm>
+            <a:off x="0" y="107947"/>
+            <a:ext cx="9144000" cy="591477"/>
+          </a:xfrm>
+        </p:spPr>
         <p:txBody>
           <a:bodyPr/>
           <a:lstStyle/>
           <a:p>
             <a:r>
               <a:rPr lang="en-US" dirty="0"/>
-              <a:t>Understanding </a:t>
-            </a:r>
-            <a:r>
-              <a:rPr lang="en-US" dirty="0" err="1"/>
-              <a:t>ggplot</a:t>
-            </a:r>
-            <a:r>
-              <a:rPr lang="en-US" dirty="0"/>
-              <a:t>…</a:t>
+              <a:t>Expertise is not confined to math or CS…but learning business implications.</a:t>
             </a:r>
           </a:p>
         </p:txBody>
@@ -24836,7 +24380,650 @@
           <a:p>
             <a:fld id="{37290FF7-652B-4475-AEAB-8B1A5D23AE09}" type="slidenum">
               <a:rPr lang="en-US" smtClean="0"/>
-              <a:t>42</a:t>
+              <a:t>4</a:t>
+            </a:fld>
+            <a:endParaRPr lang="en-US"/>
+          </a:p>
+        </p:txBody>
+      </p:sp>
+      <p:sp>
+        <p:nvSpPr>
+          <p:cNvPr id="5" name="Footer Placeholder 4"/>
+          <p:cNvSpPr>
+            <a:spLocks noGrp="1"/>
+          </p:cNvSpPr>
+          <p:nvPr>
+            <p:ph type="ftr" sz="quarter" idx="3"/>
+          </p:nvPr>
+        </p:nvSpPr>
+        <p:spPr/>
+        <p:txBody>
+          <a:bodyPr/>
+          <a:lstStyle/>
+          <a:p>
+            <a:r>
+              <a:rPr lang="en-US"/>
+              <a:t>Kwartler CSCI S-96</a:t>
+            </a:r>
+            <a:endParaRPr lang="en-US" dirty="0"/>
+          </a:p>
+        </p:txBody>
+      </p:sp>
+      <p:sp>
+        <p:nvSpPr>
+          <p:cNvPr id="17" name="Shape 216"/>
+          <p:cNvSpPr/>
+          <p:nvPr/>
+        </p:nvSpPr>
+        <p:spPr>
+          <a:xfrm>
+            <a:off x="4467751" y="1932122"/>
+            <a:ext cx="4370099" cy="1508700"/>
+          </a:xfrm>
+          <a:prstGeom prst="rect">
+            <a:avLst/>
+          </a:prstGeom>
+          <a:solidFill>
+            <a:srgbClr val="FFFFFF"/>
+          </a:solidFill>
+          <a:ln w="19050" cap="flat" cmpd="sng">
+            <a:solidFill>
+              <a:srgbClr val="3D89C9"/>
+            </a:solidFill>
+            <a:prstDash val="solid"/>
+            <a:round/>
+            <a:headEnd type="none" w="med" len="med"/>
+            <a:tailEnd type="none" w="med" len="med"/>
+          </a:ln>
+        </p:spPr>
+        <p:txBody>
+          <a:bodyPr lIns="91425" tIns="91425" rIns="91425" bIns="91425" anchor="ctr" anchorCtr="0">
+            <a:noAutofit/>
+          </a:bodyPr>
+          <a:lstStyle/>
+          <a:p>
+            <a:endParaRPr/>
+          </a:p>
+        </p:txBody>
+      </p:sp>
+      <p:sp>
+        <p:nvSpPr>
+          <p:cNvPr id="18" name="Shape 217"/>
+          <p:cNvSpPr txBox="1"/>
+          <p:nvPr/>
+        </p:nvSpPr>
+        <p:spPr>
+          <a:xfrm>
+            <a:off x="4467751" y="1970523"/>
+            <a:ext cx="4370099" cy="1470299"/>
+          </a:xfrm>
+          <a:prstGeom prst="rect">
+            <a:avLst/>
+          </a:prstGeom>
+          <a:noFill/>
+          <a:ln>
+            <a:noFill/>
+          </a:ln>
+        </p:spPr>
+        <p:txBody>
+          <a:bodyPr lIns="91425" tIns="91425" rIns="91425" bIns="91425" anchor="ctr" anchorCtr="0">
+            <a:noAutofit/>
+          </a:bodyPr>
+          <a:lstStyle/>
+          <a:p>
+            <a:pPr marL="457200" indent="-342900">
+              <a:lnSpc>
+                <a:spcPct val="90000"/>
+              </a:lnSpc>
+              <a:spcBef>
+                <a:spcPts val="440"/>
+              </a:spcBef>
+              <a:buClr>
+                <a:srgbClr val="000000"/>
+              </a:buClr>
+              <a:buSzPct val="100000"/>
+              <a:buFont typeface="Open Sans"/>
+              <a:buChar char="+"/>
+            </a:pPr>
+            <a:r>
+              <a:rPr lang="en">
+                <a:latin typeface="Open Sans"/>
+                <a:ea typeface="Open Sans"/>
+                <a:cs typeface="Open Sans"/>
+                <a:sym typeface="Open Sans"/>
+              </a:rPr>
+              <a:t>Data science takes creativity</a:t>
+            </a:r>
+          </a:p>
+          <a:p>
+            <a:pPr marL="914400" lvl="1" indent="-228600">
+              <a:lnSpc>
+                <a:spcPct val="90000"/>
+              </a:lnSpc>
+              <a:spcBef>
+                <a:spcPts val="440"/>
+              </a:spcBef>
+              <a:buClr>
+                <a:srgbClr val="000000"/>
+              </a:buClr>
+              <a:buFont typeface="Open Sans"/>
+              <a:buChar char="+"/>
+            </a:pPr>
+            <a:r>
+              <a:rPr lang="en">
+                <a:latin typeface="Open Sans"/>
+                <a:ea typeface="Open Sans"/>
+                <a:cs typeface="Open Sans"/>
+                <a:sym typeface="Open Sans"/>
+              </a:rPr>
+              <a:t>Art &amp; Science</a:t>
+            </a:r>
+          </a:p>
+          <a:p>
+            <a:pPr marL="457200">
+              <a:lnSpc>
+                <a:spcPct val="90000"/>
+              </a:lnSpc>
+              <a:spcBef>
+                <a:spcPts val="440"/>
+              </a:spcBef>
+            </a:pPr>
+            <a:endParaRPr>
+              <a:latin typeface="Open Sans"/>
+              <a:ea typeface="Open Sans"/>
+              <a:cs typeface="Open Sans"/>
+              <a:sym typeface="Open Sans"/>
+            </a:endParaRPr>
+          </a:p>
+          <a:p>
+            <a:pPr marL="457200" indent="-342900">
+              <a:lnSpc>
+                <a:spcPct val="90000"/>
+              </a:lnSpc>
+              <a:spcBef>
+                <a:spcPts val="440"/>
+              </a:spcBef>
+              <a:buClr>
+                <a:srgbClr val="000000"/>
+              </a:buClr>
+              <a:buSzPct val="100000"/>
+              <a:buFont typeface="Open Sans"/>
+              <a:buChar char="+"/>
+            </a:pPr>
+            <a:r>
+              <a:rPr lang="en">
+                <a:latin typeface="Open Sans"/>
+                <a:ea typeface="Open Sans"/>
+                <a:cs typeface="Open Sans"/>
+                <a:sym typeface="Open Sans"/>
+              </a:rPr>
+              <a:t>A sprinkle of obsessive behavior to explain the data phenomenon </a:t>
+            </a:r>
+          </a:p>
+        </p:txBody>
+      </p:sp>
+      <p:sp>
+        <p:nvSpPr>
+          <p:cNvPr id="19" name="Shape 218"/>
+          <p:cNvSpPr/>
+          <p:nvPr/>
+        </p:nvSpPr>
+        <p:spPr>
+          <a:xfrm>
+            <a:off x="4467751" y="1465922"/>
+            <a:ext cx="4370099" cy="504600"/>
+          </a:xfrm>
+          <a:prstGeom prst="rect">
+            <a:avLst/>
+          </a:prstGeom>
+          <a:solidFill>
+            <a:srgbClr val="3D89C9"/>
+          </a:solidFill>
+          <a:ln w="19050" cap="flat" cmpd="sng">
+            <a:solidFill>
+              <a:srgbClr val="3D89C9"/>
+            </a:solidFill>
+            <a:prstDash val="solid"/>
+            <a:round/>
+            <a:headEnd type="none" w="med" len="med"/>
+            <a:tailEnd type="none" w="med" len="med"/>
+          </a:ln>
+        </p:spPr>
+        <p:txBody>
+          <a:bodyPr lIns="91425" tIns="91425" rIns="91425" bIns="91425" anchor="ctr" anchorCtr="0">
+            <a:noAutofit/>
+          </a:bodyPr>
+          <a:lstStyle/>
+          <a:p>
+            <a:endParaRPr/>
+          </a:p>
+        </p:txBody>
+      </p:sp>
+      <p:pic>
+        <p:nvPicPr>
+          <p:cNvPr id="20" name="Shape 219"/>
+          <p:cNvPicPr preferRelativeResize="0"/>
+          <p:nvPr/>
+        </p:nvPicPr>
+        <p:blipFill>
+          <a:blip r:embed="rId2">
+            <a:alphaModFix/>
+          </a:blip>
+          <a:stretch>
+            <a:fillRect/>
+          </a:stretch>
+        </p:blipFill>
+        <p:spPr>
+          <a:xfrm>
+            <a:off x="54376" y="1780941"/>
+            <a:ext cx="3879099" cy="3702771"/>
+          </a:xfrm>
+          <a:prstGeom prst="rect">
+            <a:avLst/>
+          </a:prstGeom>
+          <a:noFill/>
+          <a:ln>
+            <a:noFill/>
+          </a:ln>
+        </p:spPr>
+      </p:pic>
+      <p:sp>
+        <p:nvSpPr>
+          <p:cNvPr id="21" name="Shape 223"/>
+          <p:cNvSpPr txBox="1"/>
+          <p:nvPr/>
+        </p:nvSpPr>
+        <p:spPr>
+          <a:xfrm>
+            <a:off x="4467751" y="1465922"/>
+            <a:ext cx="4370099" cy="504600"/>
+          </a:xfrm>
+          <a:prstGeom prst="rect">
+            <a:avLst/>
+          </a:prstGeom>
+          <a:noFill/>
+          <a:ln>
+            <a:noFill/>
+          </a:ln>
+        </p:spPr>
+        <p:txBody>
+          <a:bodyPr lIns="91425" tIns="91425" rIns="91425" bIns="91425" anchor="t" anchorCtr="0">
+            <a:noAutofit/>
+          </a:bodyPr>
+          <a:lstStyle/>
+          <a:p>
+            <a:pPr algn="ctr"/>
+            <a:r>
+              <a:rPr lang="en" sz="2400">
+                <a:solidFill>
+                  <a:srgbClr val="FFFFFF"/>
+                </a:solidFill>
+                <a:latin typeface="Open Sans"/>
+                <a:ea typeface="Open Sans"/>
+                <a:cs typeface="Open Sans"/>
+                <a:sym typeface="Open Sans"/>
+              </a:rPr>
+              <a:t>Why hacking skills?</a:t>
+            </a:r>
+          </a:p>
+        </p:txBody>
+      </p:sp>
+      <p:sp>
+        <p:nvSpPr>
+          <p:cNvPr id="22" name="Shape 224"/>
+          <p:cNvSpPr txBox="1"/>
+          <p:nvPr/>
+        </p:nvSpPr>
+        <p:spPr>
+          <a:xfrm>
+            <a:off x="4467751" y="3992986"/>
+            <a:ext cx="4370099" cy="1079074"/>
+          </a:xfrm>
+          <a:prstGeom prst="rect">
+            <a:avLst/>
+          </a:prstGeom>
+          <a:noFill/>
+          <a:ln>
+            <a:noFill/>
+          </a:ln>
+        </p:spPr>
+        <p:txBody>
+          <a:bodyPr lIns="91425" tIns="91425" rIns="91425" bIns="91425" anchor="t" anchorCtr="0">
+            <a:noAutofit/>
+          </a:bodyPr>
+          <a:lstStyle/>
+          <a:p>
+            <a:pPr>
+              <a:lnSpc>
+                <a:spcPct val="90000"/>
+              </a:lnSpc>
+              <a:spcBef>
+                <a:spcPts val="440"/>
+              </a:spcBef>
+            </a:pPr>
+            <a:r>
+              <a:rPr lang="en" sz="1600" dirty="0">
+                <a:solidFill>
+                  <a:schemeClr val="dk1"/>
+                </a:solidFill>
+                <a:latin typeface="Open Sans"/>
+                <a:ea typeface="Open Sans"/>
+                <a:cs typeface="Open Sans"/>
+                <a:sym typeface="Open Sans"/>
+              </a:rPr>
+              <a:t>Both diagrams have expertise yet it is often overlooked.  Many data scientists are technically sound but lack business acumen or substantive expertise.</a:t>
+            </a:r>
+          </a:p>
+        </p:txBody>
+      </p:sp>
+      <p:sp>
+        <p:nvSpPr>
+          <p:cNvPr id="23" name="Shape 226"/>
+          <p:cNvSpPr txBox="1"/>
+          <p:nvPr/>
+        </p:nvSpPr>
+        <p:spPr>
+          <a:xfrm>
+            <a:off x="4496326" y="3657597"/>
+            <a:ext cx="4370099" cy="385763"/>
+          </a:xfrm>
+          <a:prstGeom prst="rect">
+            <a:avLst/>
+          </a:prstGeom>
+          <a:solidFill>
+            <a:schemeClr val="accent6"/>
+          </a:solidFill>
+          <a:ln>
+            <a:noFill/>
+          </a:ln>
+        </p:spPr>
+        <p:txBody>
+          <a:bodyPr lIns="91425" tIns="91425" rIns="91425" bIns="91425" anchor="t" anchorCtr="0">
+            <a:noAutofit/>
+          </a:bodyPr>
+          <a:lstStyle/>
+          <a:p>
+            <a:pPr algn="ctr"/>
+            <a:r>
+              <a:rPr lang="en" sz="1600" dirty="0">
+                <a:solidFill>
+                  <a:srgbClr val="FFFFFF"/>
+                </a:solidFill>
+                <a:latin typeface="Open Sans"/>
+                <a:ea typeface="Open Sans"/>
+                <a:cs typeface="Open Sans"/>
+                <a:sym typeface="Open Sans"/>
+              </a:rPr>
+              <a:t>My $0.02 </a:t>
+            </a:r>
+            <a:endParaRPr lang="en" dirty="0">
+              <a:solidFill>
+                <a:srgbClr val="FFFFFF"/>
+              </a:solidFill>
+              <a:latin typeface="Open Sans"/>
+              <a:ea typeface="Open Sans"/>
+              <a:cs typeface="Open Sans"/>
+              <a:sym typeface="Open Sans"/>
+            </a:endParaRPr>
+          </a:p>
+        </p:txBody>
+      </p:sp>
+      <p:sp>
+        <p:nvSpPr>
+          <p:cNvPr id="24" name="Rectangle 23"/>
+          <p:cNvSpPr/>
+          <p:nvPr/>
+        </p:nvSpPr>
+        <p:spPr>
+          <a:xfrm>
+            <a:off x="300038" y="1271588"/>
+            <a:ext cx="3586162" cy="400050"/>
+          </a:xfrm>
+          <a:prstGeom prst="rect">
+            <a:avLst/>
+          </a:prstGeom>
+          <a:solidFill>
+            <a:schemeClr val="accent2"/>
+          </a:solidFill>
+          <a:ln>
+            <a:noFill/>
+          </a:ln>
+        </p:spPr>
+        <p:style>
+          <a:lnRef idx="2">
+            <a:schemeClr val="accent1">
+              <a:shade val="50000"/>
+            </a:schemeClr>
+          </a:lnRef>
+          <a:fillRef idx="1">
+            <a:schemeClr val="accent1"/>
+          </a:fillRef>
+          <a:effectRef idx="0">
+            <a:schemeClr val="accent1"/>
+          </a:effectRef>
+          <a:fontRef idx="minor">
+            <a:schemeClr val="lt1"/>
+          </a:fontRef>
+        </p:style>
+        <p:txBody>
+          <a:bodyPr rtlCol="0" anchor="ctr"/>
+          <a:lstStyle/>
+          <a:p>
+            <a:pPr algn="ctr"/>
+            <a:r>
+              <a:rPr lang="en-US" dirty="0"/>
+              <a:t>Another Popular View</a:t>
+            </a:r>
+          </a:p>
+        </p:txBody>
+      </p:sp>
+    </p:spTree>
+    <p:extLst>
+      <p:ext uri="{BB962C8B-B14F-4D97-AF65-F5344CB8AC3E}">
+        <p14:creationId xmlns:p14="http://schemas.microsoft.com/office/powerpoint/2010/main" val="412927704"/>
+      </p:ext>
+    </p:extLst>
+  </p:cSld>
+  <p:clrMapOvr>
+    <a:masterClrMapping/>
+  </p:clrMapOvr>
+  <p:timing>
+    <p:tnLst>
+      <p:par>
+        <p:cTn id="1" dur="indefinite" restart="never" nodeType="tmRoot">
+          <p:childTnLst>
+            <p:seq concurrent="1" nextAc="seek">
+              <p:cTn id="2" dur="indefinite" nodeType="mainSeq">
+                <p:childTnLst>
+                  <p:par>
+                    <p:cTn id="3" fill="hold">
+                      <p:stCondLst>
+                        <p:cond delay="indefinite"/>
+                      </p:stCondLst>
+                      <p:childTnLst>
+                        <p:par>
+                          <p:cTn id="4" fill="hold">
+                            <p:stCondLst>
+                              <p:cond delay="0"/>
+                            </p:stCondLst>
+                            <p:childTnLst>
+                              <p:par>
+                                <p:cTn id="5" presetID="1" presetClass="entr" presetSubtype="0" fill="hold" grpId="0" nodeType="clickEffect">
+                                  <p:stCondLst>
+                                    <p:cond delay="0"/>
+                                  </p:stCondLst>
+                                  <p:childTnLst>
+                                    <p:set>
+                                      <p:cBhvr>
+                                        <p:cTn id="6" dur="1" fill="hold">
+                                          <p:stCondLst>
+                                            <p:cond delay="0"/>
+                                          </p:stCondLst>
+                                        </p:cTn>
+                                        <p:tgtEl>
+                                          <p:spTgt spid="23"/>
+                                        </p:tgtEl>
+                                        <p:attrNameLst>
+                                          <p:attrName>style.visibility</p:attrName>
+                                        </p:attrNameLst>
+                                      </p:cBhvr>
+                                      <p:to>
+                                        <p:strVal val="visible"/>
+                                      </p:to>
+                                    </p:set>
+                                  </p:childTnLst>
+                                </p:cTn>
+                              </p:par>
+                              <p:par>
+                                <p:cTn id="7" presetID="1" presetClass="entr" presetSubtype="0" fill="hold" grpId="0" nodeType="withEffect">
+                                  <p:stCondLst>
+                                    <p:cond delay="0"/>
+                                  </p:stCondLst>
+                                  <p:childTnLst>
+                                    <p:set>
+                                      <p:cBhvr>
+                                        <p:cTn id="8" dur="1" fill="hold">
+                                          <p:stCondLst>
+                                            <p:cond delay="0"/>
+                                          </p:stCondLst>
+                                        </p:cTn>
+                                        <p:tgtEl>
+                                          <p:spTgt spid="22"/>
+                                        </p:tgtEl>
+                                        <p:attrNameLst>
+                                          <p:attrName>style.visibility</p:attrName>
+                                        </p:attrNameLst>
+                                      </p:cBhvr>
+                                      <p:to>
+                                        <p:strVal val="visible"/>
+                                      </p:to>
+                                    </p:set>
+                                  </p:childTnLst>
+                                </p:cTn>
+                              </p:par>
+                            </p:childTnLst>
+                          </p:cTn>
+                        </p:par>
+                      </p:childTnLst>
+                    </p:cTn>
+                  </p:par>
+                </p:childTnLst>
+              </p:cTn>
+              <p:prevCondLst>
+                <p:cond evt="onPrev" delay="0">
+                  <p:tgtEl>
+                    <p:sldTgt/>
+                  </p:tgtEl>
+                </p:cond>
+              </p:prevCondLst>
+              <p:nextCondLst>
+                <p:cond evt="onNext" delay="0">
+                  <p:tgtEl>
+                    <p:sldTgt/>
+                  </p:tgtEl>
+                </p:cond>
+              </p:nextCondLst>
+            </p:seq>
+          </p:childTnLst>
+        </p:cTn>
+      </p:par>
+    </p:tnLst>
+    <p:bldLst>
+      <p:bldP spid="22" grpId="0"/>
+      <p:bldP spid="23" grpId="0" animBg="1"/>
+    </p:bldLst>
+  </p:timing>
+</p:sld>
+</file>
+
+<file path=ppt/slides/slide40.xml><?xml version="1.0" encoding="utf-8"?>
+<p:sld xmlns:a="http://schemas.openxmlformats.org/drawingml/2006/main" xmlns:r="http://schemas.openxmlformats.org/officeDocument/2006/relationships" xmlns:p="http://schemas.openxmlformats.org/presentationml/2006/main">
+  <p:cSld>
+    <p:spTree>
+      <p:nvGrpSpPr>
+        <p:cNvPr id="1" name=""/>
+        <p:cNvGrpSpPr/>
+        <p:nvPr/>
+      </p:nvGrpSpPr>
+      <p:grpSpPr>
+        <a:xfrm>
+          <a:off x="0" y="0"/>
+          <a:ext cx="0" cy="0"/>
+          <a:chOff x="0" y="0"/>
+          <a:chExt cx="0" cy="0"/>
+        </a:xfrm>
+      </p:grpSpPr>
+      <p:sp>
+        <p:nvSpPr>
+          <p:cNvPr id="2" name="Date Placeholder 1"/>
+          <p:cNvSpPr>
+            <a:spLocks noGrp="1"/>
+          </p:cNvSpPr>
+          <p:nvPr>
+            <p:ph type="dt" sz="half" idx="10"/>
+          </p:nvPr>
+        </p:nvSpPr>
+        <p:spPr/>
+        <p:txBody>
+          <a:bodyPr/>
+          <a:lstStyle/>
+          <a:p>
+            <a:fld id="{6700A58B-DD98-43D0-B791-721480A02982}" type="datetime1">
+              <a:rPr lang="en-US" smtClean="0"/>
+              <a:t>2/1/21</a:t>
+            </a:fld>
+            <a:endParaRPr lang="en-US"/>
+          </a:p>
+        </p:txBody>
+      </p:sp>
+      <p:sp>
+        <p:nvSpPr>
+          <p:cNvPr id="3" name="Title 2"/>
+          <p:cNvSpPr>
+            <a:spLocks noGrp="1"/>
+          </p:cNvSpPr>
+          <p:nvPr>
+            <p:ph type="title"/>
+          </p:nvPr>
+        </p:nvSpPr>
+        <p:spPr/>
+        <p:txBody>
+          <a:bodyPr/>
+          <a:lstStyle/>
+          <a:p>
+            <a:r>
+              <a:rPr lang="en-US" dirty="0"/>
+              <a:t>Understanding </a:t>
+            </a:r>
+            <a:r>
+              <a:rPr lang="en-US" dirty="0" err="1"/>
+              <a:t>ggplot</a:t>
+            </a:r>
+            <a:r>
+              <a:rPr lang="en-US" dirty="0"/>
+              <a:t>…</a:t>
+            </a:r>
+          </a:p>
+        </p:txBody>
+      </p:sp>
+      <p:sp>
+        <p:nvSpPr>
+          <p:cNvPr id="4" name="Slide Number Placeholder 3"/>
+          <p:cNvSpPr>
+            <a:spLocks noGrp="1"/>
+          </p:cNvSpPr>
+          <p:nvPr>
+            <p:ph type="sldNum" sz="quarter" idx="12"/>
+          </p:nvPr>
+        </p:nvSpPr>
+        <p:spPr/>
+        <p:txBody>
+          <a:bodyPr/>
+          <a:lstStyle/>
+          <a:p>
+            <a:fld id="{37290FF7-652B-4475-AEAB-8B1A5D23AE09}" type="slidenum">
+              <a:rPr lang="en-US" smtClean="0"/>
+              <a:t>40</a:t>
             </a:fld>
             <a:endParaRPr lang="en-US"/>
           </a:p>
@@ -25246,7 +25433,7 @@
 </p:sld>
 </file>
 
-<file path=ppt/slides/slide43.xml><?xml version="1.0" encoding="utf-8"?>
+<file path=ppt/slides/slide41.xml><?xml version="1.0" encoding="utf-8"?>
 <p:sld xmlns:a="http://schemas.openxmlformats.org/drawingml/2006/main" xmlns:r="http://schemas.openxmlformats.org/officeDocument/2006/relationships" xmlns:p="http://schemas.openxmlformats.org/presentationml/2006/main">
   <p:cSld>
     <p:spTree>
@@ -25280,7 +25467,7 @@
           <a:p>
             <a:fld id="{6700A58B-DD98-43D0-B791-721480A02982}" type="datetime1">
               <a:rPr lang="en-US" smtClean="0"/>
-              <a:t>9/11/20</a:t>
+              <a:t>2/1/21</a:t>
             </a:fld>
             <a:endParaRPr lang="en-US"/>
           </a:p>
@@ -25325,7 +25512,7 @@
           <a:p>
             <a:fld id="{37290FF7-652B-4475-AEAB-8B1A5D23AE09}" type="slidenum">
               <a:rPr lang="en-US" smtClean="0"/>
-              <a:t>43</a:t>
+              <a:t>41</a:t>
             </a:fld>
             <a:endParaRPr lang="en-US"/>
           </a:p>
@@ -25579,7 +25766,7 @@
 </p:sld>
 </file>
 
-<file path=ppt/slides/slide44.xml><?xml version="1.0" encoding="utf-8"?>
+<file path=ppt/slides/slide42.xml><?xml version="1.0" encoding="utf-8"?>
 <p:sld xmlns:a="http://schemas.openxmlformats.org/drawingml/2006/main" xmlns:r="http://schemas.openxmlformats.org/officeDocument/2006/relationships" xmlns:p="http://schemas.openxmlformats.org/presentationml/2006/main">
   <p:cSld>
     <p:spTree>
@@ -25613,7 +25800,7 @@
           <a:p>
             <a:fld id="{6700A58B-DD98-43D0-B791-721480A02982}" type="datetime1">
               <a:rPr lang="en-US" smtClean="0"/>
-              <a:t>9/11/20</a:t>
+              <a:t>2/1/21</a:t>
             </a:fld>
             <a:endParaRPr lang="en-US"/>
           </a:p>
@@ -25658,7 +25845,7 @@
           <a:p>
             <a:fld id="{37290FF7-652B-4475-AEAB-8B1A5D23AE09}" type="slidenum">
               <a:rPr lang="en-US" smtClean="0"/>
-              <a:t>44</a:t>
+              <a:t>42</a:t>
             </a:fld>
             <a:endParaRPr lang="en-US"/>
           </a:p>
@@ -25949,7 +26136,7 @@
 </p:sld>
 </file>
 
-<file path=ppt/slides/slide45.xml><?xml version="1.0" encoding="utf-8"?>
+<file path=ppt/slides/slide43.xml><?xml version="1.0" encoding="utf-8"?>
 <p:sld xmlns:a="http://schemas.openxmlformats.org/drawingml/2006/main" xmlns:r="http://schemas.openxmlformats.org/officeDocument/2006/relationships" xmlns:p="http://schemas.openxmlformats.org/presentationml/2006/main">
   <p:cSld>
     <p:spTree>
@@ -25983,7 +26170,7 @@
           <a:p>
             <a:fld id="{6700A58B-DD98-43D0-B791-721480A02982}" type="datetime1">
               <a:rPr lang="en-US" smtClean="0"/>
-              <a:t>9/11/20</a:t>
+              <a:t>2/1/21</a:t>
             </a:fld>
             <a:endParaRPr lang="en-US"/>
           </a:p>
@@ -26028,7 +26215,7 @@
           <a:p>
             <a:fld id="{37290FF7-652B-4475-AEAB-8B1A5D23AE09}" type="slidenum">
               <a:rPr lang="en-US" smtClean="0"/>
-              <a:t>45</a:t>
+              <a:t>43</a:t>
             </a:fld>
             <a:endParaRPr lang="en-US"/>
           </a:p>
@@ -26244,7 +26431,7 @@
 </p:sld>
 </file>
 
-<file path=ppt/slides/slide46.xml><?xml version="1.0" encoding="utf-8"?>
+<file path=ppt/slides/slide44.xml><?xml version="1.0" encoding="utf-8"?>
 <p:sld xmlns:a="http://schemas.openxmlformats.org/drawingml/2006/main" xmlns:r="http://schemas.openxmlformats.org/officeDocument/2006/relationships" xmlns:p="http://schemas.openxmlformats.org/presentationml/2006/main">
   <p:cSld>
     <p:spTree>
@@ -26278,7 +26465,7 @@
           <a:p>
             <a:fld id="{6700A58B-DD98-43D0-B791-721480A02982}" type="datetime1">
               <a:rPr lang="en-US" smtClean="0"/>
-              <a:t>9/11/20</a:t>
+              <a:t>2/1/21</a:t>
             </a:fld>
             <a:endParaRPr lang="en-US"/>
           </a:p>
@@ -26323,7 +26510,7 @@
           <a:p>
             <a:fld id="{37290FF7-652B-4475-AEAB-8B1A5D23AE09}" type="slidenum">
               <a:rPr lang="en-US" smtClean="0"/>
-              <a:t>46</a:t>
+              <a:t>44</a:t>
             </a:fld>
             <a:endParaRPr lang="en-US"/>
           </a:p>
@@ -26529,7 +26716,7 @@
 </p:sld>
 </file>
 
-<file path=ppt/slides/slide47.xml><?xml version="1.0" encoding="utf-8"?>
+<file path=ppt/slides/slide45.xml><?xml version="1.0" encoding="utf-8"?>
 <p:sld xmlns:a="http://schemas.openxmlformats.org/drawingml/2006/main" xmlns:r="http://schemas.openxmlformats.org/officeDocument/2006/relationships" xmlns:p="http://schemas.openxmlformats.org/presentationml/2006/main">
   <p:cSld>
     <p:spTree>
@@ -26697,7 +26884,7 @@
           <a:p>
             <a:fld id="{D753EFC8-4232-4598-94F6-94C0EBAFC469}" type="datetime1">
               <a:rPr lang="en-US" smtClean="0"/>
-              <a:t>9/11/20</a:t>
+              <a:t>2/1/21</a:t>
             </a:fld>
             <a:endParaRPr lang="en-US"/>
           </a:p>
@@ -26726,7 +26913,7 @@
           <a:p>
             <a:fld id="{37290FF7-652B-4475-AEAB-8B1A5D23AE09}" type="slidenum">
               <a:rPr lang="en-US" smtClean="0"/>
-              <a:t>47</a:t>
+              <a:t>45</a:t>
             </a:fld>
             <a:endParaRPr lang="en-US"/>
           </a:p>
@@ -27179,7 +27366,7 @@
 </p:sld>
 </file>
 
-<file path=ppt/slides/slide48.xml><?xml version="1.0" encoding="utf-8"?>
+<file path=ppt/slides/slide46.xml><?xml version="1.0" encoding="utf-8"?>
 <p:sld xmlns:a="http://schemas.openxmlformats.org/drawingml/2006/main" xmlns:r="http://schemas.openxmlformats.org/officeDocument/2006/relationships" xmlns:p="http://schemas.openxmlformats.org/presentationml/2006/main">
   <p:cSld>
     <p:spTree>
@@ -27213,7 +27400,7 @@
           <a:p>
             <a:fld id="{6700A58B-DD98-43D0-B791-721480A02982}" type="datetime1">
               <a:rPr lang="en-US" smtClean="0"/>
-              <a:t>9/11/20</a:t>
+              <a:t>2/1/21</a:t>
             </a:fld>
             <a:endParaRPr lang="en-US"/>
           </a:p>
@@ -27258,7 +27445,7 @@
           <a:p>
             <a:fld id="{37290FF7-652B-4475-AEAB-8B1A5D23AE09}" type="slidenum">
               <a:rPr lang="en-US" smtClean="0"/>
-              <a:t>48</a:t>
+              <a:t>46</a:t>
             </a:fld>
             <a:endParaRPr lang="en-US"/>
           </a:p>
@@ -27490,7 +27677,7 @@
 </p:sld>
 </file>
 
-<file path=ppt/slides/slide49.xml><?xml version="1.0" encoding="utf-8"?>
+<file path=ppt/slides/slide47.xml><?xml version="1.0" encoding="utf-8"?>
 <p:sld xmlns:a="http://schemas.openxmlformats.org/drawingml/2006/main" xmlns:r="http://schemas.openxmlformats.org/officeDocument/2006/relationships" xmlns:p="http://schemas.openxmlformats.org/presentationml/2006/main">
   <p:cSld>
     <p:spTree>
@@ -27754,7 +27941,7 @@
           <a:p>
             <a:fld id="{D753EFC8-4232-4598-94F6-94C0EBAFC469}" type="datetime1">
               <a:rPr lang="en-US" smtClean="0"/>
-              <a:t>9/11/20</a:t>
+              <a:t>2/1/21</a:t>
             </a:fld>
             <a:endParaRPr lang="en-US" dirty="0"/>
           </a:p>
@@ -27777,7 +27964,7 @@
           <a:p>
             <a:fld id="{37290FF7-652B-4475-AEAB-8B1A5D23AE09}" type="slidenum">
               <a:rPr lang="en-US" smtClean="0"/>
-              <a:t>49</a:t>
+              <a:t>47</a:t>
             </a:fld>
             <a:endParaRPr lang="en-US" dirty="0"/>
           </a:p>
@@ -29793,7 +29980,7 @@
 </p:sld>
 </file>
 
-<file path=ppt/slides/slide5.xml><?xml version="1.0" encoding="utf-8"?>
+<file path=ppt/slides/slide48.xml><?xml version="1.0" encoding="utf-8"?>
 <p:sld xmlns:a="http://schemas.openxmlformats.org/drawingml/2006/main" xmlns:r="http://schemas.openxmlformats.org/officeDocument/2006/relationships" xmlns:p="http://schemas.openxmlformats.org/presentationml/2006/main">
   <p:cSld>
     <p:spTree>
@@ -29812,418 +29999,6 @@
       </p:grpSpPr>
       <p:sp>
         <p:nvSpPr>
-          <p:cNvPr id="2" name="Date Placeholder 1"/>
-          <p:cNvSpPr>
-            <a:spLocks noGrp="1"/>
-          </p:cNvSpPr>
-          <p:nvPr>
-            <p:ph type="dt" sz="half" idx="10"/>
-          </p:nvPr>
-        </p:nvSpPr>
-        <p:spPr/>
-        <p:txBody>
-          <a:bodyPr/>
-          <a:lstStyle/>
-          <a:p>
-            <a:fld id="{6700A58B-DD98-43D0-B791-721480A02982}" type="datetime1">
-              <a:rPr lang="en-US" smtClean="0"/>
-              <a:t>9/11/20</a:t>
-            </a:fld>
-            <a:endParaRPr lang="en-US"/>
-          </a:p>
-        </p:txBody>
-      </p:sp>
-      <p:sp>
-        <p:nvSpPr>
-          <p:cNvPr id="3" name="Title 2"/>
-          <p:cNvSpPr>
-            <a:spLocks noGrp="1"/>
-          </p:cNvSpPr>
-          <p:nvPr>
-            <p:ph type="title"/>
-          </p:nvPr>
-        </p:nvSpPr>
-        <p:spPr>
-          <a:xfrm>
-            <a:off x="0" y="107947"/>
-            <a:ext cx="9144000" cy="591477"/>
-          </a:xfrm>
-        </p:spPr>
-        <p:txBody>
-          <a:bodyPr/>
-          <a:lstStyle/>
-          <a:p>
-            <a:r>
-              <a:rPr lang="en-US" dirty="0"/>
-              <a:t>Data Mining &amp; Science is almost always missing business acumen.</a:t>
-            </a:r>
-          </a:p>
-        </p:txBody>
-      </p:sp>
-      <p:sp>
-        <p:nvSpPr>
-          <p:cNvPr id="4" name="Slide Number Placeholder 3"/>
-          <p:cNvSpPr>
-            <a:spLocks noGrp="1"/>
-          </p:cNvSpPr>
-          <p:nvPr>
-            <p:ph type="sldNum" sz="quarter" idx="12"/>
-          </p:nvPr>
-        </p:nvSpPr>
-        <p:spPr/>
-        <p:txBody>
-          <a:bodyPr/>
-          <a:lstStyle/>
-          <a:p>
-            <a:fld id="{37290FF7-652B-4475-AEAB-8B1A5D23AE09}" type="slidenum">
-              <a:rPr lang="en-US" smtClean="0"/>
-              <a:t>5</a:t>
-            </a:fld>
-            <a:endParaRPr lang="en-US"/>
-          </a:p>
-        </p:txBody>
-      </p:sp>
-      <p:sp>
-        <p:nvSpPr>
-          <p:cNvPr id="5" name="Footer Placeholder 4"/>
-          <p:cNvSpPr>
-            <a:spLocks noGrp="1"/>
-          </p:cNvSpPr>
-          <p:nvPr>
-            <p:ph type="ftr" sz="quarter" idx="3"/>
-          </p:nvPr>
-        </p:nvSpPr>
-        <p:spPr/>
-        <p:txBody>
-          <a:bodyPr/>
-          <a:lstStyle/>
-          <a:p>
-            <a:r>
-              <a:rPr lang="en-US"/>
-              <a:t>Kwartler CSCI S-96</a:t>
-            </a:r>
-            <a:endParaRPr lang="en-US" dirty="0"/>
-          </a:p>
-        </p:txBody>
-      </p:sp>
-      <p:pic>
-        <p:nvPicPr>
-          <p:cNvPr id="7" name="Shape 204"/>
-          <p:cNvPicPr preferRelativeResize="0"/>
-          <p:nvPr/>
-        </p:nvPicPr>
-        <p:blipFill rotWithShape="1">
-          <a:blip r:embed="rId2">
-            <a:alphaModFix/>
-          </a:blip>
-          <a:srcRect l="4369" t="88613" r="8232" b="4232"/>
-          <a:stretch/>
-        </p:blipFill>
-        <p:spPr>
-          <a:xfrm>
-            <a:off x="120150" y="5219850"/>
-            <a:ext cx="4370098" cy="367925"/>
-          </a:xfrm>
-          <a:prstGeom prst="rect">
-            <a:avLst/>
-          </a:prstGeom>
-          <a:noFill/>
-          <a:ln>
-            <a:noFill/>
-          </a:ln>
-        </p:spPr>
-      </p:pic>
-      <p:pic>
-        <p:nvPicPr>
-          <p:cNvPr id="8" name="Shape 205"/>
-          <p:cNvPicPr preferRelativeResize="0"/>
-          <p:nvPr/>
-        </p:nvPicPr>
-        <p:blipFill rotWithShape="1">
-          <a:blip r:embed="rId2">
-            <a:alphaModFix/>
-          </a:blip>
-          <a:srcRect l="10632" t="16637" r="12932" b="14382"/>
-          <a:stretch/>
-        </p:blipFill>
-        <p:spPr>
-          <a:xfrm>
-            <a:off x="172675" y="1702000"/>
-            <a:ext cx="3821976" cy="3547900"/>
-          </a:xfrm>
-          <a:prstGeom prst="rect">
-            <a:avLst/>
-          </a:prstGeom>
-          <a:noFill/>
-          <a:ln>
-            <a:noFill/>
-          </a:ln>
-        </p:spPr>
-      </p:pic>
-      <p:sp>
-        <p:nvSpPr>
-          <p:cNvPr id="10" name="Shape 207"/>
-          <p:cNvSpPr txBox="1"/>
-          <p:nvPr/>
-        </p:nvSpPr>
-        <p:spPr>
-          <a:xfrm>
-            <a:off x="4490251" y="1201000"/>
-            <a:ext cx="4325099" cy="413487"/>
-          </a:xfrm>
-          <a:prstGeom prst="rect">
-            <a:avLst/>
-          </a:prstGeom>
-          <a:noFill/>
-          <a:ln>
-            <a:noFill/>
-          </a:ln>
-        </p:spPr>
-        <p:txBody>
-          <a:bodyPr lIns="91425" tIns="91425" rIns="91425" bIns="91425" anchor="t" anchorCtr="0">
-            <a:noAutofit/>
-          </a:bodyPr>
-          <a:lstStyle/>
-          <a:p>
-            <a:r>
-              <a:rPr lang="en" u="sng">
-                <a:latin typeface="Open Sans"/>
-                <a:ea typeface="Open Sans"/>
-                <a:cs typeface="Open Sans"/>
-                <a:sym typeface="Open Sans"/>
-              </a:rPr>
-              <a:t>Data Science</a:t>
-            </a:r>
-          </a:p>
-        </p:txBody>
-      </p:sp>
-      <p:sp>
-        <p:nvSpPr>
-          <p:cNvPr id="13" name="Shape 210"/>
-          <p:cNvSpPr txBox="1"/>
-          <p:nvPr/>
-        </p:nvSpPr>
-        <p:spPr>
-          <a:xfrm>
-            <a:off x="4541326" y="1654612"/>
-            <a:ext cx="4325099" cy="1717238"/>
-          </a:xfrm>
-          <a:prstGeom prst="rect">
-            <a:avLst/>
-          </a:prstGeom>
-          <a:solidFill>
-            <a:schemeClr val="accent6"/>
-          </a:solidFill>
-          <a:ln>
-            <a:noFill/>
-          </a:ln>
-        </p:spPr>
-        <p:txBody>
-          <a:bodyPr lIns="91425" tIns="91425" rIns="91425" bIns="91425" anchor="t" anchorCtr="0">
-            <a:noAutofit/>
-          </a:bodyPr>
-          <a:lstStyle/>
-          <a:p>
-            <a:r>
-              <a:rPr lang="en" dirty="0">
-                <a:solidFill>
-                  <a:schemeClr val="bg1"/>
-                </a:solidFill>
-                <a:latin typeface="Open Sans"/>
-                <a:ea typeface="Open Sans"/>
-                <a:cs typeface="Open Sans"/>
-                <a:sym typeface="Open Sans"/>
-              </a:rPr>
-              <a:t>The study of information with the goal of extracting  meaningful insights and creating actionable recommendations.</a:t>
-            </a:r>
-          </a:p>
-          <a:p>
-            <a:endParaRPr sz="2400" dirty="0">
-              <a:solidFill>
-                <a:schemeClr val="bg1"/>
-              </a:solidFill>
-              <a:latin typeface="Open Sans"/>
-              <a:ea typeface="Open Sans"/>
-              <a:cs typeface="Open Sans"/>
-              <a:sym typeface="Open Sans"/>
-            </a:endParaRPr>
-          </a:p>
-          <a:p>
-            <a:r>
-              <a:rPr lang="en" sz="1000" i="1" dirty="0">
-                <a:solidFill>
-                  <a:schemeClr val="bg1"/>
-                </a:solidFill>
-                <a:latin typeface="Open Sans"/>
-                <a:ea typeface="Open Sans"/>
-                <a:cs typeface="Open Sans"/>
-                <a:sym typeface="Open Sans"/>
-              </a:rPr>
-              <a:t>*often does not require “big data” or extremely exotic approaches to have a business impact</a:t>
-            </a:r>
-          </a:p>
-        </p:txBody>
-      </p:sp>
-      <p:sp>
-        <p:nvSpPr>
-          <p:cNvPr id="14" name="Shape 211"/>
-          <p:cNvSpPr txBox="1"/>
-          <p:nvPr/>
-        </p:nvSpPr>
-        <p:spPr>
-          <a:xfrm>
-            <a:off x="4467751" y="4059378"/>
-            <a:ext cx="4325099" cy="1571402"/>
-          </a:xfrm>
-          <a:prstGeom prst="rect">
-            <a:avLst/>
-          </a:prstGeom>
-          <a:solidFill>
-            <a:schemeClr val="accent6"/>
-          </a:solidFill>
-          <a:ln>
-            <a:noFill/>
-          </a:ln>
-        </p:spPr>
-        <p:txBody>
-          <a:bodyPr lIns="91425" tIns="91425" rIns="91425" bIns="91425" anchor="t" anchorCtr="0">
-            <a:noAutofit/>
-          </a:bodyPr>
-          <a:lstStyle/>
-          <a:p>
-            <a:r>
-              <a:rPr lang="en" dirty="0">
-                <a:solidFill>
-                  <a:schemeClr val="bg1"/>
-                </a:solidFill>
-                <a:latin typeface="Open Sans"/>
-                <a:ea typeface="Open Sans"/>
-                <a:cs typeface="Open Sans"/>
-                <a:sym typeface="Open Sans"/>
-              </a:rPr>
-              <a:t>An outgrowth of artificial intelligence, machine learning is the set of tools, methodologies and techniques allowing a computer to “learn” about a specific situations represented with data. </a:t>
-            </a:r>
-          </a:p>
-        </p:txBody>
-      </p:sp>
-      <p:sp>
-        <p:nvSpPr>
-          <p:cNvPr id="15" name="Rectangle 14"/>
-          <p:cNvSpPr/>
-          <p:nvPr/>
-        </p:nvSpPr>
-        <p:spPr>
-          <a:xfrm>
-            <a:off x="300038" y="1271588"/>
-            <a:ext cx="3586162" cy="400050"/>
-          </a:xfrm>
-          <a:prstGeom prst="rect">
-            <a:avLst/>
-          </a:prstGeom>
-          <a:solidFill>
-            <a:schemeClr val="accent2"/>
-          </a:solidFill>
-          <a:ln>
-            <a:noFill/>
-          </a:ln>
-        </p:spPr>
-        <p:style>
-          <a:lnRef idx="2">
-            <a:schemeClr val="accent1">
-              <a:shade val="50000"/>
-            </a:schemeClr>
-          </a:lnRef>
-          <a:fillRef idx="1">
-            <a:schemeClr val="accent1"/>
-          </a:fillRef>
-          <a:effectRef idx="0">
-            <a:schemeClr val="accent1"/>
-          </a:effectRef>
-          <a:fontRef idx="minor">
-            <a:schemeClr val="lt1"/>
-          </a:fontRef>
-        </p:style>
-        <p:txBody>
-          <a:bodyPr rtlCol="0" anchor="ctr"/>
-          <a:lstStyle/>
-          <a:p>
-            <a:pPr algn="ctr"/>
-            <a:r>
-              <a:rPr lang="en-US" dirty="0"/>
-              <a:t>Traditional View</a:t>
-            </a:r>
-          </a:p>
-        </p:txBody>
-      </p:sp>
-      <p:sp>
-        <p:nvSpPr>
-          <p:cNvPr id="16" name="Shape 207"/>
-          <p:cNvSpPr txBox="1"/>
-          <p:nvPr/>
-        </p:nvSpPr>
-        <p:spPr>
-          <a:xfrm>
-            <a:off x="4414051" y="3610825"/>
-            <a:ext cx="4325099" cy="413487"/>
-          </a:xfrm>
-          <a:prstGeom prst="rect">
-            <a:avLst/>
-          </a:prstGeom>
-          <a:noFill/>
-          <a:ln>
-            <a:noFill/>
-          </a:ln>
-        </p:spPr>
-        <p:txBody>
-          <a:bodyPr lIns="91425" tIns="91425" rIns="91425" bIns="91425" anchor="t" anchorCtr="0">
-            <a:noAutofit/>
-          </a:bodyPr>
-          <a:lstStyle/>
-          <a:p>
-            <a:r>
-              <a:rPr lang="en" u="sng" dirty="0">
-                <a:latin typeface="Open Sans"/>
-                <a:ea typeface="Open Sans"/>
-                <a:cs typeface="Open Sans"/>
-                <a:sym typeface="Open Sans"/>
-              </a:rPr>
-              <a:t>Machine Learning</a:t>
-            </a:r>
-          </a:p>
-        </p:txBody>
-      </p:sp>
-    </p:spTree>
-    <p:extLst>
-      <p:ext uri="{BB962C8B-B14F-4D97-AF65-F5344CB8AC3E}">
-        <p14:creationId xmlns:p14="http://schemas.microsoft.com/office/powerpoint/2010/main" val="1685000190"/>
-      </p:ext>
-    </p:extLst>
-  </p:cSld>
-  <p:clrMapOvr>
-    <a:masterClrMapping/>
-  </p:clrMapOvr>
-</p:sld>
-</file>
-
-<file path=ppt/slides/slide50.xml><?xml version="1.0" encoding="utf-8"?>
-<p:sld xmlns:a="http://schemas.openxmlformats.org/drawingml/2006/main" xmlns:r="http://schemas.openxmlformats.org/officeDocument/2006/relationships" xmlns:p="http://schemas.openxmlformats.org/presentationml/2006/main">
-  <p:cSld>
-    <p:spTree>
-      <p:nvGrpSpPr>
-        <p:cNvPr id="1" name=""/>
-        <p:cNvGrpSpPr/>
-        <p:nvPr/>
-      </p:nvGrpSpPr>
-      <p:grpSpPr>
-        <a:xfrm>
-          <a:off x="0" y="0"/>
-          <a:ext cx="0" cy="0"/>
-          <a:chOff x="0" y="0"/>
-          <a:chExt cx="0" cy="0"/>
-        </a:xfrm>
-      </p:grpSpPr>
-      <p:sp>
-        <p:nvSpPr>
           <p:cNvPr id="2" name="Title 1"/>
           <p:cNvSpPr>
             <a:spLocks noGrp="1"/>
@@ -30266,7 +30041,7 @@
           <a:p>
             <a:fld id="{D753EFC8-4232-4598-94F6-94C0EBAFC469}" type="datetime1">
               <a:rPr lang="en-US" smtClean="0"/>
-              <a:t>9/11/20</a:t>
+              <a:t>2/1/21</a:t>
             </a:fld>
             <a:endParaRPr lang="en-US"/>
           </a:p>
@@ -30289,7 +30064,7 @@
           <a:p>
             <a:fld id="{37290FF7-652B-4475-AEAB-8B1A5D23AE09}" type="slidenum">
               <a:rPr lang="en-US" smtClean="0"/>
-              <a:t>50</a:t>
+              <a:t>48</a:t>
             </a:fld>
             <a:endParaRPr lang="en-US"/>
           </a:p>
@@ -31761,7 +31536,7 @@
 </p:sld>
 </file>
 
-<file path=ppt/slides/slide51.xml><?xml version="1.0" encoding="utf-8"?>
+<file path=ppt/slides/slide49.xml><?xml version="1.0" encoding="utf-8"?>
 <p:sld xmlns:a="http://schemas.openxmlformats.org/drawingml/2006/main" xmlns:r="http://schemas.openxmlformats.org/officeDocument/2006/relationships" xmlns:p="http://schemas.openxmlformats.org/presentationml/2006/main">
   <p:cSld>
     <p:spTree>
@@ -31822,7 +31597,7 @@
           <a:p>
             <a:fld id="{D753EFC8-4232-4598-94F6-94C0EBAFC469}" type="datetime1">
               <a:rPr lang="en-US" smtClean="0"/>
-              <a:t>9/11/20</a:t>
+              <a:t>2/1/21</a:t>
             </a:fld>
             <a:endParaRPr lang="en-US"/>
           </a:p>
@@ -31845,7 +31620,7 @@
           <a:p>
             <a:fld id="{37290FF7-652B-4475-AEAB-8B1A5D23AE09}" type="slidenum">
               <a:rPr lang="en-US" smtClean="0"/>
-              <a:t>51</a:t>
+              <a:t>49</a:t>
             </a:fld>
             <a:endParaRPr lang="en-US"/>
           </a:p>
@@ -32609,7 +32384,7 @@
 </p:sld>
 </file>
 
-<file path=ppt/slides/slide52.xml><?xml version="1.0" encoding="utf-8"?>
+<file path=ppt/slides/slide5.xml><?xml version="1.0" encoding="utf-8"?>
 <p:sld xmlns:a="http://schemas.openxmlformats.org/drawingml/2006/main" xmlns:r="http://schemas.openxmlformats.org/officeDocument/2006/relationships" xmlns:p="http://schemas.openxmlformats.org/presentationml/2006/main">
   <p:cSld>
     <p:spTree>
@@ -32628,6 +32403,544 @@
       </p:grpSpPr>
       <p:sp>
         <p:nvSpPr>
+          <p:cNvPr id="2" name="Date Placeholder 1"/>
+          <p:cNvSpPr>
+            <a:spLocks noGrp="1"/>
+          </p:cNvSpPr>
+          <p:nvPr>
+            <p:ph type="dt" sz="half" idx="10"/>
+          </p:nvPr>
+        </p:nvSpPr>
+        <p:spPr/>
+        <p:txBody>
+          <a:bodyPr/>
+          <a:lstStyle/>
+          <a:p>
+            <a:fld id="{6700A58B-DD98-43D0-B791-721480A02982}" type="datetime1">
+              <a:rPr lang="en-US" smtClean="0"/>
+              <a:t>2/1/21</a:t>
+            </a:fld>
+            <a:endParaRPr lang="en-US"/>
+          </a:p>
+        </p:txBody>
+      </p:sp>
+      <p:sp>
+        <p:nvSpPr>
+          <p:cNvPr id="3" name="Title 2"/>
+          <p:cNvSpPr>
+            <a:spLocks noGrp="1"/>
+          </p:cNvSpPr>
+          <p:nvPr>
+            <p:ph type="title"/>
+          </p:nvPr>
+        </p:nvSpPr>
+        <p:spPr/>
+        <p:txBody>
+          <a:bodyPr/>
+          <a:lstStyle/>
+          <a:p>
+            <a:r>
+              <a:rPr lang="en-US" dirty="0"/>
+              <a:t>Diagnosing &amp; Defining a data mining project</a:t>
+            </a:r>
+          </a:p>
+        </p:txBody>
+      </p:sp>
+      <p:sp>
+        <p:nvSpPr>
+          <p:cNvPr id="4" name="Slide Number Placeholder 3"/>
+          <p:cNvSpPr>
+            <a:spLocks noGrp="1"/>
+          </p:cNvSpPr>
+          <p:nvPr>
+            <p:ph type="sldNum" sz="quarter" idx="12"/>
+          </p:nvPr>
+        </p:nvSpPr>
+        <p:spPr/>
+        <p:txBody>
+          <a:bodyPr/>
+          <a:lstStyle/>
+          <a:p>
+            <a:fld id="{37290FF7-652B-4475-AEAB-8B1A5D23AE09}" type="slidenum">
+              <a:rPr lang="en-US" smtClean="0"/>
+              <a:t>5</a:t>
+            </a:fld>
+            <a:endParaRPr lang="en-US"/>
+          </a:p>
+        </p:txBody>
+      </p:sp>
+      <p:sp>
+        <p:nvSpPr>
+          <p:cNvPr id="5" name="Footer Placeholder 4"/>
+          <p:cNvSpPr>
+            <a:spLocks noGrp="1"/>
+          </p:cNvSpPr>
+          <p:nvPr>
+            <p:ph type="ftr" sz="quarter" idx="3"/>
+          </p:nvPr>
+        </p:nvSpPr>
+        <p:spPr/>
+        <p:txBody>
+          <a:bodyPr/>
+          <a:lstStyle/>
+          <a:p>
+            <a:r>
+              <a:rPr lang="en-US"/>
+              <a:t>Kwartler CSCI S-96</a:t>
+            </a:r>
+            <a:endParaRPr lang="en-US" dirty="0"/>
+          </a:p>
+        </p:txBody>
+      </p:sp>
+      <p:sp>
+        <p:nvSpPr>
+          <p:cNvPr id="6" name="TextBox 5"/>
+          <p:cNvSpPr txBox="1"/>
+          <p:nvPr/>
+        </p:nvSpPr>
+        <p:spPr>
+          <a:xfrm>
+            <a:off x="352926" y="1395663"/>
+            <a:ext cx="7190430" cy="1815882"/>
+          </a:xfrm>
+          <a:prstGeom prst="rect">
+            <a:avLst/>
+          </a:prstGeom>
+          <a:noFill/>
+        </p:spPr>
+        <p:txBody>
+          <a:bodyPr wrap="none" rtlCol="0">
+            <a:spAutoFit/>
+          </a:bodyPr>
+          <a:lstStyle/>
+          <a:p>
+            <a:r>
+              <a:rPr lang="en-US" sz="3600" u="sng" dirty="0"/>
+              <a:t>Questions to Ask:</a:t>
+            </a:r>
+          </a:p>
+          <a:p>
+            <a:endParaRPr lang="en-US" sz="3600" u="sng" dirty="0"/>
+          </a:p>
+          <a:p>
+            <a:pPr marL="285750" indent="-285750">
+              <a:buFont typeface="Arial" panose="020B0604020202020204" pitchFamily="34" charset="0"/>
+              <a:buChar char="•"/>
+            </a:pPr>
+            <a:r>
+              <a:rPr lang="en-US" sz="2000" dirty="0"/>
+              <a:t>Is this a data mining problem? If so, what data would be helpful?</a:t>
+            </a:r>
+          </a:p>
+          <a:p>
+            <a:pPr marL="285750" indent="-285750">
+              <a:buFont typeface="Arial" panose="020B0604020202020204" pitchFamily="34" charset="0"/>
+              <a:buChar char="•"/>
+            </a:pPr>
+            <a:endParaRPr lang="en-US" sz="2000" dirty="0"/>
+          </a:p>
+        </p:txBody>
+      </p:sp>
+      <p:sp>
+        <p:nvSpPr>
+          <p:cNvPr id="7" name="Rectangle 6">
+            <a:extLst>
+              <a:ext uri="{FF2B5EF4-FFF2-40B4-BE49-F238E27FC236}">
+                <a16:creationId xmlns:a16="http://schemas.microsoft.com/office/drawing/2014/main" id="{7FB2F4E2-C9C1-C64B-8CA4-D29E9BB2234E}"/>
+              </a:ext>
+            </a:extLst>
+          </p:cNvPr>
+          <p:cNvSpPr/>
+          <p:nvPr/>
+        </p:nvSpPr>
+        <p:spPr>
+          <a:xfrm>
+            <a:off x="352926" y="3085746"/>
+            <a:ext cx="7190430" cy="369332"/>
+          </a:xfrm>
+          <a:prstGeom prst="rect">
+            <a:avLst/>
+          </a:prstGeom>
+        </p:spPr>
+        <p:txBody>
+          <a:bodyPr wrap="square">
+            <a:spAutoFit/>
+          </a:bodyPr>
+          <a:lstStyle/>
+          <a:p>
+            <a:pPr marL="285750" indent="-285750">
+              <a:buFont typeface="Arial" panose="020B0604020202020204" pitchFamily="34" charset="0"/>
+              <a:buChar char="•"/>
+            </a:pPr>
+            <a:r>
+              <a:rPr lang="en-US" dirty="0"/>
+              <a:t>What is the current state?</a:t>
+            </a:r>
+          </a:p>
+        </p:txBody>
+      </p:sp>
+      <p:sp>
+        <p:nvSpPr>
+          <p:cNvPr id="8" name="Rectangle 7">
+            <a:extLst>
+              <a:ext uri="{FF2B5EF4-FFF2-40B4-BE49-F238E27FC236}">
+                <a16:creationId xmlns:a16="http://schemas.microsoft.com/office/drawing/2014/main" id="{621AE1C3-29DF-AE43-B19A-577A735DF60B}"/>
+              </a:ext>
+            </a:extLst>
+          </p:cNvPr>
+          <p:cNvSpPr/>
+          <p:nvPr/>
+        </p:nvSpPr>
+        <p:spPr>
+          <a:xfrm>
+            <a:off x="352926" y="3580200"/>
+            <a:ext cx="7190429" cy="369332"/>
+          </a:xfrm>
+          <a:prstGeom prst="rect">
+            <a:avLst/>
+          </a:prstGeom>
+        </p:spPr>
+        <p:txBody>
+          <a:bodyPr wrap="square">
+            <a:spAutoFit/>
+          </a:bodyPr>
+          <a:lstStyle/>
+          <a:p>
+            <a:pPr marL="285750" indent="-285750">
+              <a:buFont typeface="Arial" panose="020B0604020202020204" pitchFamily="34" charset="0"/>
+              <a:buChar char="•"/>
+            </a:pPr>
+            <a:r>
+              <a:rPr lang="en-US" dirty="0"/>
+              <a:t>What are the possible outcomes of the business scenario?</a:t>
+            </a:r>
+          </a:p>
+        </p:txBody>
+      </p:sp>
+      <p:sp>
+        <p:nvSpPr>
+          <p:cNvPr id="9" name="Rectangle 8">
+            <a:extLst>
+              <a:ext uri="{FF2B5EF4-FFF2-40B4-BE49-F238E27FC236}">
+                <a16:creationId xmlns:a16="http://schemas.microsoft.com/office/drawing/2014/main" id="{96C511FA-47B8-FF4A-BF27-B63271B6EEF2}"/>
+              </a:ext>
+            </a:extLst>
+          </p:cNvPr>
+          <p:cNvSpPr/>
+          <p:nvPr/>
+        </p:nvSpPr>
+        <p:spPr>
+          <a:xfrm>
+            <a:off x="352925" y="4183720"/>
+            <a:ext cx="7190430" cy="369332"/>
+          </a:xfrm>
+          <a:prstGeom prst="rect">
+            <a:avLst/>
+          </a:prstGeom>
+        </p:spPr>
+        <p:txBody>
+          <a:bodyPr wrap="square">
+            <a:spAutoFit/>
+          </a:bodyPr>
+          <a:lstStyle/>
+          <a:p>
+            <a:pPr marL="285750" indent="-285750">
+              <a:buFont typeface="Arial" panose="020B0604020202020204" pitchFamily="34" charset="0"/>
+              <a:buChar char="•"/>
+            </a:pPr>
+            <a:r>
+              <a:rPr lang="en-US" dirty="0"/>
+              <a:t>How will the outcome of the data mining project be used?</a:t>
+            </a:r>
+          </a:p>
+        </p:txBody>
+      </p:sp>
+      <p:sp>
+        <p:nvSpPr>
+          <p:cNvPr id="10" name="Rectangle 9">
+            <a:extLst>
+              <a:ext uri="{FF2B5EF4-FFF2-40B4-BE49-F238E27FC236}">
+                <a16:creationId xmlns:a16="http://schemas.microsoft.com/office/drawing/2014/main" id="{0A9847B0-6ACD-E845-ABF3-34835F4D6809}"/>
+              </a:ext>
+            </a:extLst>
+          </p:cNvPr>
+          <p:cNvSpPr/>
+          <p:nvPr/>
+        </p:nvSpPr>
+        <p:spPr>
+          <a:xfrm>
+            <a:off x="352925" y="4787240"/>
+            <a:ext cx="7190430" cy="369332"/>
+          </a:xfrm>
+          <a:prstGeom prst="rect">
+            <a:avLst/>
+          </a:prstGeom>
+        </p:spPr>
+        <p:txBody>
+          <a:bodyPr wrap="square">
+            <a:spAutoFit/>
+          </a:bodyPr>
+          <a:lstStyle/>
+          <a:p>
+            <a:pPr marL="285750" indent="-285750">
+              <a:buFont typeface="Arial" panose="020B0604020202020204" pitchFamily="34" charset="0"/>
+              <a:buChar char="•"/>
+            </a:pPr>
+            <a:r>
+              <a:rPr lang="en-US" dirty="0"/>
+              <a:t>What is success for this project?</a:t>
+            </a:r>
+          </a:p>
+        </p:txBody>
+      </p:sp>
+    </p:spTree>
+    <p:extLst>
+      <p:ext uri="{BB962C8B-B14F-4D97-AF65-F5344CB8AC3E}">
+        <p14:creationId xmlns:p14="http://schemas.microsoft.com/office/powerpoint/2010/main" val="2540953972"/>
+      </p:ext>
+    </p:extLst>
+  </p:cSld>
+  <p:clrMapOvr>
+    <a:masterClrMapping/>
+  </p:clrMapOvr>
+  <p:timing>
+    <p:tnLst>
+      <p:par>
+        <p:cTn id="1" dur="indefinite" restart="never" nodeType="tmRoot">
+          <p:childTnLst>
+            <p:seq concurrent="1" nextAc="seek">
+              <p:cTn id="2" dur="indefinite" nodeType="mainSeq">
+                <p:childTnLst>
+                  <p:par>
+                    <p:cTn id="3" fill="hold">
+                      <p:stCondLst>
+                        <p:cond delay="indefinite"/>
+                      </p:stCondLst>
+                      <p:childTnLst>
+                        <p:par>
+                          <p:cTn id="4" fill="hold">
+                            <p:stCondLst>
+                              <p:cond delay="0"/>
+                            </p:stCondLst>
+                            <p:childTnLst>
+                              <p:par>
+                                <p:cTn id="5" presetID="1" presetClass="entr" presetSubtype="0" fill="hold" grpId="0" nodeType="clickEffect">
+                                  <p:stCondLst>
+                                    <p:cond delay="0"/>
+                                  </p:stCondLst>
+                                  <p:childTnLst>
+                                    <p:set>
+                                      <p:cBhvr>
+                                        <p:cTn id="6" dur="1" fill="hold">
+                                          <p:stCondLst>
+                                            <p:cond delay="0"/>
+                                          </p:stCondLst>
+                                        </p:cTn>
+                                        <p:tgtEl>
+                                          <p:spTgt spid="7"/>
+                                        </p:tgtEl>
+                                        <p:attrNameLst>
+                                          <p:attrName>style.visibility</p:attrName>
+                                        </p:attrNameLst>
+                                      </p:cBhvr>
+                                      <p:to>
+                                        <p:strVal val="visible"/>
+                                      </p:to>
+                                    </p:set>
+                                  </p:childTnLst>
+                                </p:cTn>
+                              </p:par>
+                            </p:childTnLst>
+                          </p:cTn>
+                        </p:par>
+                      </p:childTnLst>
+                    </p:cTn>
+                  </p:par>
+                  <p:par>
+                    <p:cTn id="7" fill="hold">
+                      <p:stCondLst>
+                        <p:cond delay="indefinite"/>
+                      </p:stCondLst>
+                      <p:childTnLst>
+                        <p:par>
+                          <p:cTn id="8" fill="hold">
+                            <p:stCondLst>
+                              <p:cond delay="0"/>
+                            </p:stCondLst>
+                            <p:childTnLst>
+                              <p:par>
+                                <p:cTn id="9" presetID="1" presetClass="entr" presetSubtype="0" fill="hold" grpId="0" nodeType="clickEffect">
+                                  <p:stCondLst>
+                                    <p:cond delay="0"/>
+                                  </p:stCondLst>
+                                  <p:childTnLst>
+                                    <p:set>
+                                      <p:cBhvr>
+                                        <p:cTn id="10" dur="1" fill="hold">
+                                          <p:stCondLst>
+                                            <p:cond delay="0"/>
+                                          </p:stCondLst>
+                                        </p:cTn>
+                                        <p:tgtEl>
+                                          <p:spTgt spid="8"/>
+                                        </p:tgtEl>
+                                        <p:attrNameLst>
+                                          <p:attrName>style.visibility</p:attrName>
+                                        </p:attrNameLst>
+                                      </p:cBhvr>
+                                      <p:to>
+                                        <p:strVal val="visible"/>
+                                      </p:to>
+                                    </p:set>
+                                  </p:childTnLst>
+                                </p:cTn>
+                              </p:par>
+                            </p:childTnLst>
+                          </p:cTn>
+                        </p:par>
+                      </p:childTnLst>
+                    </p:cTn>
+                  </p:par>
+                  <p:par>
+                    <p:cTn id="11" fill="hold">
+                      <p:stCondLst>
+                        <p:cond delay="indefinite"/>
+                      </p:stCondLst>
+                      <p:childTnLst>
+                        <p:par>
+                          <p:cTn id="12" fill="hold">
+                            <p:stCondLst>
+                              <p:cond delay="0"/>
+                            </p:stCondLst>
+                            <p:childTnLst>
+                              <p:par>
+                                <p:cTn id="13" presetID="1" presetClass="entr" presetSubtype="0" fill="hold" grpId="0" nodeType="clickEffect">
+                                  <p:stCondLst>
+                                    <p:cond delay="0"/>
+                                  </p:stCondLst>
+                                  <p:childTnLst>
+                                    <p:set>
+                                      <p:cBhvr>
+                                        <p:cTn id="14" dur="1" fill="hold">
+                                          <p:stCondLst>
+                                            <p:cond delay="0"/>
+                                          </p:stCondLst>
+                                        </p:cTn>
+                                        <p:tgtEl>
+                                          <p:spTgt spid="9"/>
+                                        </p:tgtEl>
+                                        <p:attrNameLst>
+                                          <p:attrName>style.visibility</p:attrName>
+                                        </p:attrNameLst>
+                                      </p:cBhvr>
+                                      <p:to>
+                                        <p:strVal val="visible"/>
+                                      </p:to>
+                                    </p:set>
+                                  </p:childTnLst>
+                                </p:cTn>
+                              </p:par>
+                            </p:childTnLst>
+                          </p:cTn>
+                        </p:par>
+                      </p:childTnLst>
+                    </p:cTn>
+                  </p:par>
+                  <p:par>
+                    <p:cTn id="15" fill="hold">
+                      <p:stCondLst>
+                        <p:cond delay="indefinite"/>
+                      </p:stCondLst>
+                      <p:childTnLst>
+                        <p:par>
+                          <p:cTn id="16" fill="hold">
+                            <p:stCondLst>
+                              <p:cond delay="0"/>
+                            </p:stCondLst>
+                            <p:childTnLst>
+                              <p:par>
+                                <p:cTn id="17" presetID="1" presetClass="entr" presetSubtype="0" fill="hold" grpId="0" nodeType="clickEffect">
+                                  <p:stCondLst>
+                                    <p:cond delay="0"/>
+                                  </p:stCondLst>
+                                  <p:childTnLst>
+                                    <p:set>
+                                      <p:cBhvr>
+                                        <p:cTn id="18" dur="1" fill="hold">
+                                          <p:stCondLst>
+                                            <p:cond delay="0"/>
+                                          </p:stCondLst>
+                                        </p:cTn>
+                                        <p:tgtEl>
+                                          <p:spTgt spid="10"/>
+                                        </p:tgtEl>
+                                        <p:attrNameLst>
+                                          <p:attrName>style.visibility</p:attrName>
+                                        </p:attrNameLst>
+                                      </p:cBhvr>
+                                      <p:to>
+                                        <p:strVal val="visible"/>
+                                      </p:to>
+                                    </p:set>
+                                  </p:childTnLst>
+                                </p:cTn>
+                              </p:par>
+                            </p:childTnLst>
+                          </p:cTn>
+                        </p:par>
+                      </p:childTnLst>
+                    </p:cTn>
+                  </p:par>
+                </p:childTnLst>
+              </p:cTn>
+              <p:prevCondLst>
+                <p:cond evt="onPrev" delay="0">
+                  <p:tgtEl>
+                    <p:sldTgt/>
+                  </p:tgtEl>
+                </p:cond>
+              </p:prevCondLst>
+              <p:nextCondLst>
+                <p:cond evt="onNext" delay="0">
+                  <p:tgtEl>
+                    <p:sldTgt/>
+                  </p:tgtEl>
+                </p:cond>
+              </p:nextCondLst>
+            </p:seq>
+          </p:childTnLst>
+        </p:cTn>
+      </p:par>
+    </p:tnLst>
+    <p:bldLst>
+      <p:bldP spid="7" grpId="0"/>
+      <p:bldP spid="8" grpId="0"/>
+      <p:bldP spid="9" grpId="0"/>
+      <p:bldP spid="10" grpId="0"/>
+    </p:bldLst>
+  </p:timing>
+</p:sld>
+</file>
+
+<file path=ppt/slides/slide50.xml><?xml version="1.0" encoding="utf-8"?>
+<p:sld xmlns:a="http://schemas.openxmlformats.org/drawingml/2006/main" xmlns:r="http://schemas.openxmlformats.org/officeDocument/2006/relationships" xmlns:p="http://schemas.openxmlformats.org/presentationml/2006/main">
+  <p:cSld>
+    <p:spTree>
+      <p:nvGrpSpPr>
+        <p:cNvPr id="1" name=""/>
+        <p:cNvGrpSpPr/>
+        <p:nvPr/>
+      </p:nvGrpSpPr>
+      <p:grpSpPr>
+        <a:xfrm>
+          <a:off x="0" y="0"/>
+          <a:ext cx="0" cy="0"/>
+          <a:chOff x="0" y="0"/>
+          <a:chExt cx="0" cy="0"/>
+        </a:xfrm>
+      </p:grpSpPr>
+      <p:sp>
+        <p:nvSpPr>
           <p:cNvPr id="2" name="Title 1"/>
           <p:cNvSpPr>
             <a:spLocks noGrp="1"/>
@@ -32670,7 +32983,7 @@
           <a:p>
             <a:fld id="{D753EFC8-4232-4598-94F6-94C0EBAFC469}" type="datetime1">
               <a:rPr lang="en-US" smtClean="0"/>
-              <a:t>9/11/20</a:t>
+              <a:t>2/1/21</a:t>
             </a:fld>
             <a:endParaRPr lang="en-US"/>
           </a:p>
@@ -32693,7 +33006,7 @@
           <a:p>
             <a:fld id="{37290FF7-652B-4475-AEAB-8B1A5D23AE09}" type="slidenum">
               <a:rPr lang="en-US" smtClean="0"/>
-              <a:t>52</a:t>
+              <a:t>50</a:t>
             </a:fld>
             <a:endParaRPr lang="en-US"/>
           </a:p>
@@ -34330,7 +34643,7 @@
 </p:sld>
 </file>
 
-<file path=ppt/slides/slide53.xml><?xml version="1.0" encoding="utf-8"?>
+<file path=ppt/slides/slide51.xml><?xml version="1.0" encoding="utf-8"?>
 <p:sld xmlns:a="http://schemas.openxmlformats.org/drawingml/2006/main" xmlns:r="http://schemas.openxmlformats.org/officeDocument/2006/relationships" xmlns:p="http://schemas.openxmlformats.org/presentationml/2006/main">
   <p:cSld>
     <p:spTree>
@@ -34386,7 +34699,7 @@
           <a:p>
             <a:fld id="{D753EFC8-4232-4598-94F6-94C0EBAFC469}" type="datetime1">
               <a:rPr lang="en-US" smtClean="0"/>
-              <a:t>9/11/20</a:t>
+              <a:t>2/1/21</a:t>
             </a:fld>
             <a:endParaRPr lang="en-US"/>
           </a:p>
@@ -34409,7 +34722,7 @@
           <a:p>
             <a:fld id="{37290FF7-652B-4475-AEAB-8B1A5D23AE09}" type="slidenum">
               <a:rPr lang="en-US" smtClean="0"/>
-              <a:t>53</a:t>
+              <a:t>51</a:t>
             </a:fld>
             <a:endParaRPr lang="en-US"/>
           </a:p>
@@ -39232,7 +39545,7 @@
 </p:sld>
 </file>
 
-<file path=ppt/slides/slide54.xml><?xml version="1.0" encoding="utf-8"?>
+<file path=ppt/slides/slide52.xml><?xml version="1.0" encoding="utf-8"?>
 <p:sld xmlns:a="http://schemas.openxmlformats.org/drawingml/2006/main" xmlns:r="http://schemas.openxmlformats.org/officeDocument/2006/relationships" xmlns:p="http://schemas.openxmlformats.org/presentationml/2006/main">
   <p:cSld>
     <p:spTree>
@@ -39266,7 +39579,7 @@
           <a:p>
             <a:fld id="{D753EFC8-4232-4598-94F6-94C0EBAFC469}" type="datetime1">
               <a:rPr lang="en-US" smtClean="0"/>
-              <a:t>9/11/20</a:t>
+              <a:t>2/1/21</a:t>
             </a:fld>
             <a:endParaRPr lang="en-US"/>
           </a:p>
@@ -39289,7 +39602,7 @@
           <a:p>
             <a:fld id="{37290FF7-652B-4475-AEAB-8B1A5D23AE09}" type="slidenum">
               <a:rPr lang="en-US" smtClean="0"/>
-              <a:t>54</a:t>
+              <a:t>52</a:t>
             </a:fld>
             <a:endParaRPr lang="en-US"/>
           </a:p>
@@ -44143,7 +44456,7 @@
 </p:sld>
 </file>
 
-<file path=ppt/slides/slide55.xml><?xml version="1.0" encoding="utf-8"?>
+<file path=ppt/slides/slide53.xml><?xml version="1.0" encoding="utf-8"?>
 <p:sld xmlns:a="http://schemas.openxmlformats.org/drawingml/2006/main" xmlns:r="http://schemas.openxmlformats.org/officeDocument/2006/relationships" xmlns:p="http://schemas.openxmlformats.org/presentationml/2006/main">
   <p:cSld>
     <p:spTree>
@@ -44199,7 +44512,7 @@
           <a:p>
             <a:fld id="{D753EFC8-4232-4598-94F6-94C0EBAFC469}" type="datetime1">
               <a:rPr lang="en-US" smtClean="0"/>
-              <a:t>9/11/20</a:t>
+              <a:t>2/1/21</a:t>
             </a:fld>
             <a:endParaRPr lang="en-US"/>
           </a:p>
@@ -44222,7 +44535,7 @@
           <a:p>
             <a:fld id="{37290FF7-652B-4475-AEAB-8B1A5D23AE09}" type="slidenum">
               <a:rPr lang="en-US" smtClean="0"/>
-              <a:t>55</a:t>
+              <a:t>53</a:t>
             </a:fld>
             <a:endParaRPr lang="en-US"/>
           </a:p>
@@ -49049,7 +49362,7 @@
 </p:sld>
 </file>
 
-<file path=ppt/slides/slide56.xml><?xml version="1.0" encoding="utf-8"?>
+<file path=ppt/slides/slide54.xml><?xml version="1.0" encoding="utf-8"?>
 <p:sld xmlns:a="http://schemas.openxmlformats.org/drawingml/2006/main" xmlns:r="http://schemas.openxmlformats.org/officeDocument/2006/relationships" xmlns:p="http://schemas.openxmlformats.org/presentationml/2006/main">
   <p:cSld>
     <p:spTree>
@@ -49117,7 +49430,7 @@
           <a:p>
             <a:fld id="{D753EFC8-4232-4598-94F6-94C0EBAFC469}" type="datetime1">
               <a:rPr lang="en-US" smtClean="0"/>
-              <a:t>9/11/20</a:t>
+              <a:t>2/1/21</a:t>
             </a:fld>
             <a:endParaRPr lang="en-US"/>
           </a:p>
@@ -49146,7 +49459,7 @@
           <a:p>
             <a:fld id="{37290FF7-652B-4475-AEAB-8B1A5D23AE09}" type="slidenum">
               <a:rPr lang="en-US" smtClean="0"/>
-              <a:t>56</a:t>
+              <a:t>54</a:t>
             </a:fld>
             <a:endParaRPr lang="en-US"/>
           </a:p>
@@ -49771,7 +50084,7 @@
 </p:sld>
 </file>
 
-<file path=ppt/slides/slide57.xml><?xml version="1.0" encoding="utf-8"?>
+<file path=ppt/slides/slide55.xml><?xml version="1.0" encoding="utf-8"?>
 <p:sld xmlns:a="http://schemas.openxmlformats.org/drawingml/2006/main" xmlns:r="http://schemas.openxmlformats.org/officeDocument/2006/relationships" xmlns:p="http://schemas.openxmlformats.org/presentationml/2006/main">
   <p:cSld>
     <p:spTree>
@@ -49839,7 +50152,7 @@
           <a:p>
             <a:fld id="{D753EFC8-4232-4598-94F6-94C0EBAFC469}" type="datetime1">
               <a:rPr lang="en-US" smtClean="0"/>
-              <a:t>9/11/20</a:t>
+              <a:t>2/1/21</a:t>
             </a:fld>
             <a:endParaRPr lang="en-US"/>
           </a:p>
@@ -49868,7 +50181,7 @@
           <a:p>
             <a:fld id="{37290FF7-652B-4475-AEAB-8B1A5D23AE09}" type="slidenum">
               <a:rPr lang="en-US" smtClean="0"/>
-              <a:t>57</a:t>
+              <a:t>55</a:t>
             </a:fld>
             <a:endParaRPr lang="en-US"/>
           </a:p>
@@ -50097,7 +50410,7 @@
 </p:sld>
 </file>
 
-<file path=ppt/slides/slide58.xml><?xml version="1.0" encoding="utf-8"?>
+<file path=ppt/slides/slide56.xml><?xml version="1.0" encoding="utf-8"?>
 <p:sld xmlns:a="http://schemas.openxmlformats.org/drawingml/2006/main" xmlns:r="http://schemas.openxmlformats.org/officeDocument/2006/relationships" xmlns:p="http://schemas.openxmlformats.org/presentationml/2006/main">
   <p:cSld>
     <p:spTree>
@@ -50131,7 +50444,7 @@
           <a:p>
             <a:fld id="{6700A58B-DD98-43D0-B791-721480A02982}" type="datetime1">
               <a:rPr lang="en-US" smtClean="0"/>
-              <a:t>9/11/20</a:t>
+              <a:t>2/1/21</a:t>
             </a:fld>
             <a:endParaRPr lang="en-US"/>
           </a:p>
@@ -50176,7 +50489,7 @@
           <a:p>
             <a:fld id="{37290FF7-652B-4475-AEAB-8B1A5D23AE09}" type="slidenum">
               <a:rPr lang="en-US" smtClean="0"/>
-              <a:t>58</a:t>
+              <a:t>56</a:t>
             </a:fld>
             <a:endParaRPr lang="en-US"/>
           </a:p>
@@ -50263,7 +50576,19 @@
             </a:pPr>
             <a:r>
               <a:rPr lang="en-US" sz="2400" dirty="0"/>
-              <a:t>Start Case2 in code or with </a:t>
+              <a:t>Start </a:t>
+            </a:r>
+            <a:r>
+              <a:rPr lang="en-US" sz="2400" dirty="0" err="1"/>
+              <a:t>okCupid</a:t>
+            </a:r>
+            <a:r>
+              <a:rPr lang="en-US" sz="2400"/>
+              <a:t> Case </a:t>
+            </a:r>
+            <a:r>
+              <a:rPr lang="en-US" sz="2400" dirty="0"/>
+              <a:t>in code or with </a:t>
             </a:r>
             <a:r>
               <a:rPr lang="en-US" sz="2400" dirty="0" err="1"/>
@@ -50353,7 +50678,7 @@
           <a:p>
             <a:fld id="{6700A58B-DD98-43D0-B791-721480A02982}" type="datetime1">
               <a:rPr lang="en-US" smtClean="0"/>
-              <a:t>9/11/20</a:t>
+              <a:t>2/1/21</a:t>
             </a:fld>
             <a:endParaRPr lang="en-US"/>
           </a:p>
@@ -50369,19 +50694,14 @@
             <p:ph type="title"/>
           </p:nvPr>
         </p:nvSpPr>
-        <p:spPr>
-          <a:xfrm>
-            <a:off x="0" y="107947"/>
-            <a:ext cx="9144000" cy="591477"/>
-          </a:xfrm>
-        </p:spPr>
+        <p:spPr/>
         <p:txBody>
           <a:bodyPr/>
           <a:lstStyle/>
           <a:p>
             <a:r>
               <a:rPr lang="en-US" dirty="0"/>
-              <a:t>Expertise is not confined to math or CS…but learning business implications.</a:t>
+              <a:t>Pitfalls</a:t>
             </a:r>
           </a:p>
         </p:txBody>
@@ -50404,766 +50724,6 @@
             <a:fld id="{37290FF7-652B-4475-AEAB-8B1A5D23AE09}" type="slidenum">
               <a:rPr lang="en-US" smtClean="0"/>
               <a:t>6</a:t>
-            </a:fld>
-            <a:endParaRPr lang="en-US"/>
-          </a:p>
-        </p:txBody>
-      </p:sp>
-      <p:sp>
-        <p:nvSpPr>
-          <p:cNvPr id="5" name="Footer Placeholder 4"/>
-          <p:cNvSpPr>
-            <a:spLocks noGrp="1"/>
-          </p:cNvSpPr>
-          <p:nvPr>
-            <p:ph type="ftr" sz="quarter" idx="3"/>
-          </p:nvPr>
-        </p:nvSpPr>
-        <p:spPr/>
-        <p:txBody>
-          <a:bodyPr/>
-          <a:lstStyle/>
-          <a:p>
-            <a:r>
-              <a:rPr lang="en-US"/>
-              <a:t>Kwartler CSCI S-96</a:t>
-            </a:r>
-            <a:endParaRPr lang="en-US" dirty="0"/>
-          </a:p>
-        </p:txBody>
-      </p:sp>
-      <p:sp>
-        <p:nvSpPr>
-          <p:cNvPr id="17" name="Shape 216"/>
-          <p:cNvSpPr/>
-          <p:nvPr/>
-        </p:nvSpPr>
-        <p:spPr>
-          <a:xfrm>
-            <a:off x="4467751" y="1932122"/>
-            <a:ext cx="4370099" cy="1508700"/>
-          </a:xfrm>
-          <a:prstGeom prst="rect">
-            <a:avLst/>
-          </a:prstGeom>
-          <a:solidFill>
-            <a:srgbClr val="FFFFFF"/>
-          </a:solidFill>
-          <a:ln w="19050" cap="flat" cmpd="sng">
-            <a:solidFill>
-              <a:srgbClr val="3D89C9"/>
-            </a:solidFill>
-            <a:prstDash val="solid"/>
-            <a:round/>
-            <a:headEnd type="none" w="med" len="med"/>
-            <a:tailEnd type="none" w="med" len="med"/>
-          </a:ln>
-        </p:spPr>
-        <p:txBody>
-          <a:bodyPr lIns="91425" tIns="91425" rIns="91425" bIns="91425" anchor="ctr" anchorCtr="0">
-            <a:noAutofit/>
-          </a:bodyPr>
-          <a:lstStyle/>
-          <a:p>
-            <a:endParaRPr/>
-          </a:p>
-        </p:txBody>
-      </p:sp>
-      <p:sp>
-        <p:nvSpPr>
-          <p:cNvPr id="18" name="Shape 217"/>
-          <p:cNvSpPr txBox="1"/>
-          <p:nvPr/>
-        </p:nvSpPr>
-        <p:spPr>
-          <a:xfrm>
-            <a:off x="4467751" y="1970523"/>
-            <a:ext cx="4370099" cy="1470299"/>
-          </a:xfrm>
-          <a:prstGeom prst="rect">
-            <a:avLst/>
-          </a:prstGeom>
-          <a:noFill/>
-          <a:ln>
-            <a:noFill/>
-          </a:ln>
-        </p:spPr>
-        <p:txBody>
-          <a:bodyPr lIns="91425" tIns="91425" rIns="91425" bIns="91425" anchor="ctr" anchorCtr="0">
-            <a:noAutofit/>
-          </a:bodyPr>
-          <a:lstStyle/>
-          <a:p>
-            <a:pPr marL="457200" indent="-342900">
-              <a:lnSpc>
-                <a:spcPct val="90000"/>
-              </a:lnSpc>
-              <a:spcBef>
-                <a:spcPts val="440"/>
-              </a:spcBef>
-              <a:buClr>
-                <a:srgbClr val="000000"/>
-              </a:buClr>
-              <a:buSzPct val="100000"/>
-              <a:buFont typeface="Open Sans"/>
-              <a:buChar char="+"/>
-            </a:pPr>
-            <a:r>
-              <a:rPr lang="en">
-                <a:latin typeface="Open Sans"/>
-                <a:ea typeface="Open Sans"/>
-                <a:cs typeface="Open Sans"/>
-                <a:sym typeface="Open Sans"/>
-              </a:rPr>
-              <a:t>Data science takes creativity</a:t>
-            </a:r>
-          </a:p>
-          <a:p>
-            <a:pPr marL="914400" lvl="1" indent="-228600">
-              <a:lnSpc>
-                <a:spcPct val="90000"/>
-              </a:lnSpc>
-              <a:spcBef>
-                <a:spcPts val="440"/>
-              </a:spcBef>
-              <a:buClr>
-                <a:srgbClr val="000000"/>
-              </a:buClr>
-              <a:buFont typeface="Open Sans"/>
-              <a:buChar char="+"/>
-            </a:pPr>
-            <a:r>
-              <a:rPr lang="en">
-                <a:latin typeface="Open Sans"/>
-                <a:ea typeface="Open Sans"/>
-                <a:cs typeface="Open Sans"/>
-                <a:sym typeface="Open Sans"/>
-              </a:rPr>
-              <a:t>Art &amp; Science</a:t>
-            </a:r>
-          </a:p>
-          <a:p>
-            <a:pPr marL="457200">
-              <a:lnSpc>
-                <a:spcPct val="90000"/>
-              </a:lnSpc>
-              <a:spcBef>
-                <a:spcPts val="440"/>
-              </a:spcBef>
-            </a:pPr>
-            <a:endParaRPr>
-              <a:latin typeface="Open Sans"/>
-              <a:ea typeface="Open Sans"/>
-              <a:cs typeface="Open Sans"/>
-              <a:sym typeface="Open Sans"/>
-            </a:endParaRPr>
-          </a:p>
-          <a:p>
-            <a:pPr marL="457200" indent="-342900">
-              <a:lnSpc>
-                <a:spcPct val="90000"/>
-              </a:lnSpc>
-              <a:spcBef>
-                <a:spcPts val="440"/>
-              </a:spcBef>
-              <a:buClr>
-                <a:srgbClr val="000000"/>
-              </a:buClr>
-              <a:buSzPct val="100000"/>
-              <a:buFont typeface="Open Sans"/>
-              <a:buChar char="+"/>
-            </a:pPr>
-            <a:r>
-              <a:rPr lang="en">
-                <a:latin typeface="Open Sans"/>
-                <a:ea typeface="Open Sans"/>
-                <a:cs typeface="Open Sans"/>
-                <a:sym typeface="Open Sans"/>
-              </a:rPr>
-              <a:t>A sprinkle of obsessive behavior to explain the data phenomenon </a:t>
-            </a:r>
-          </a:p>
-        </p:txBody>
-      </p:sp>
-      <p:sp>
-        <p:nvSpPr>
-          <p:cNvPr id="19" name="Shape 218"/>
-          <p:cNvSpPr/>
-          <p:nvPr/>
-        </p:nvSpPr>
-        <p:spPr>
-          <a:xfrm>
-            <a:off x="4467751" y="1465922"/>
-            <a:ext cx="4370099" cy="504600"/>
-          </a:xfrm>
-          <a:prstGeom prst="rect">
-            <a:avLst/>
-          </a:prstGeom>
-          <a:solidFill>
-            <a:srgbClr val="3D89C9"/>
-          </a:solidFill>
-          <a:ln w="19050" cap="flat" cmpd="sng">
-            <a:solidFill>
-              <a:srgbClr val="3D89C9"/>
-            </a:solidFill>
-            <a:prstDash val="solid"/>
-            <a:round/>
-            <a:headEnd type="none" w="med" len="med"/>
-            <a:tailEnd type="none" w="med" len="med"/>
-          </a:ln>
-        </p:spPr>
-        <p:txBody>
-          <a:bodyPr lIns="91425" tIns="91425" rIns="91425" bIns="91425" anchor="ctr" anchorCtr="0">
-            <a:noAutofit/>
-          </a:bodyPr>
-          <a:lstStyle/>
-          <a:p>
-            <a:endParaRPr/>
-          </a:p>
-        </p:txBody>
-      </p:sp>
-      <p:pic>
-        <p:nvPicPr>
-          <p:cNvPr id="20" name="Shape 219"/>
-          <p:cNvPicPr preferRelativeResize="0"/>
-          <p:nvPr/>
-        </p:nvPicPr>
-        <p:blipFill>
-          <a:blip r:embed="rId2">
-            <a:alphaModFix/>
-          </a:blip>
-          <a:stretch>
-            <a:fillRect/>
-          </a:stretch>
-        </p:blipFill>
-        <p:spPr>
-          <a:xfrm>
-            <a:off x="54376" y="1780941"/>
-            <a:ext cx="3879099" cy="3702771"/>
-          </a:xfrm>
-          <a:prstGeom prst="rect">
-            <a:avLst/>
-          </a:prstGeom>
-          <a:noFill/>
-          <a:ln>
-            <a:noFill/>
-          </a:ln>
-        </p:spPr>
-      </p:pic>
-      <p:sp>
-        <p:nvSpPr>
-          <p:cNvPr id="21" name="Shape 223"/>
-          <p:cNvSpPr txBox="1"/>
-          <p:nvPr/>
-        </p:nvSpPr>
-        <p:spPr>
-          <a:xfrm>
-            <a:off x="4467751" y="1465922"/>
-            <a:ext cx="4370099" cy="504600"/>
-          </a:xfrm>
-          <a:prstGeom prst="rect">
-            <a:avLst/>
-          </a:prstGeom>
-          <a:noFill/>
-          <a:ln>
-            <a:noFill/>
-          </a:ln>
-        </p:spPr>
-        <p:txBody>
-          <a:bodyPr lIns="91425" tIns="91425" rIns="91425" bIns="91425" anchor="t" anchorCtr="0">
-            <a:noAutofit/>
-          </a:bodyPr>
-          <a:lstStyle/>
-          <a:p>
-            <a:pPr algn="ctr"/>
-            <a:r>
-              <a:rPr lang="en" sz="2400">
-                <a:solidFill>
-                  <a:srgbClr val="FFFFFF"/>
-                </a:solidFill>
-                <a:latin typeface="Open Sans"/>
-                <a:ea typeface="Open Sans"/>
-                <a:cs typeface="Open Sans"/>
-                <a:sym typeface="Open Sans"/>
-              </a:rPr>
-              <a:t>Why hacking skills?</a:t>
-            </a:r>
-          </a:p>
-        </p:txBody>
-      </p:sp>
-      <p:sp>
-        <p:nvSpPr>
-          <p:cNvPr id="22" name="Shape 224"/>
-          <p:cNvSpPr txBox="1"/>
-          <p:nvPr/>
-        </p:nvSpPr>
-        <p:spPr>
-          <a:xfrm>
-            <a:off x="4467751" y="3992986"/>
-            <a:ext cx="4370099" cy="1079074"/>
-          </a:xfrm>
-          <a:prstGeom prst="rect">
-            <a:avLst/>
-          </a:prstGeom>
-          <a:noFill/>
-          <a:ln>
-            <a:noFill/>
-          </a:ln>
-        </p:spPr>
-        <p:txBody>
-          <a:bodyPr lIns="91425" tIns="91425" rIns="91425" bIns="91425" anchor="t" anchorCtr="0">
-            <a:noAutofit/>
-          </a:bodyPr>
-          <a:lstStyle/>
-          <a:p>
-            <a:pPr>
-              <a:lnSpc>
-                <a:spcPct val="90000"/>
-              </a:lnSpc>
-              <a:spcBef>
-                <a:spcPts val="440"/>
-              </a:spcBef>
-            </a:pPr>
-            <a:r>
-              <a:rPr lang="en" sz="1600" dirty="0">
-                <a:solidFill>
-                  <a:schemeClr val="dk1"/>
-                </a:solidFill>
-                <a:latin typeface="Open Sans"/>
-                <a:ea typeface="Open Sans"/>
-                <a:cs typeface="Open Sans"/>
-                <a:sym typeface="Open Sans"/>
-              </a:rPr>
-              <a:t>Both diagrams have expertise yet it is often overlooked.  Many data scientists are technically sound but lack business acumen or substantive expertise.</a:t>
-            </a:r>
-          </a:p>
-        </p:txBody>
-      </p:sp>
-      <p:sp>
-        <p:nvSpPr>
-          <p:cNvPr id="23" name="Shape 226"/>
-          <p:cNvSpPr txBox="1"/>
-          <p:nvPr/>
-        </p:nvSpPr>
-        <p:spPr>
-          <a:xfrm>
-            <a:off x="4496326" y="3657597"/>
-            <a:ext cx="4370099" cy="385763"/>
-          </a:xfrm>
-          <a:prstGeom prst="rect">
-            <a:avLst/>
-          </a:prstGeom>
-          <a:solidFill>
-            <a:schemeClr val="accent6"/>
-          </a:solidFill>
-          <a:ln>
-            <a:noFill/>
-          </a:ln>
-        </p:spPr>
-        <p:txBody>
-          <a:bodyPr lIns="91425" tIns="91425" rIns="91425" bIns="91425" anchor="t" anchorCtr="0">
-            <a:noAutofit/>
-          </a:bodyPr>
-          <a:lstStyle/>
-          <a:p>
-            <a:pPr algn="ctr"/>
-            <a:r>
-              <a:rPr lang="en" sz="1600" dirty="0">
-                <a:solidFill>
-                  <a:srgbClr val="FFFFFF"/>
-                </a:solidFill>
-                <a:latin typeface="Open Sans"/>
-                <a:ea typeface="Open Sans"/>
-                <a:cs typeface="Open Sans"/>
-                <a:sym typeface="Open Sans"/>
-              </a:rPr>
-              <a:t>My $0.02 </a:t>
-            </a:r>
-            <a:endParaRPr lang="en" dirty="0">
-              <a:solidFill>
-                <a:srgbClr val="FFFFFF"/>
-              </a:solidFill>
-              <a:latin typeface="Open Sans"/>
-              <a:ea typeface="Open Sans"/>
-              <a:cs typeface="Open Sans"/>
-              <a:sym typeface="Open Sans"/>
-            </a:endParaRPr>
-          </a:p>
-        </p:txBody>
-      </p:sp>
-      <p:sp>
-        <p:nvSpPr>
-          <p:cNvPr id="24" name="Rectangle 23"/>
-          <p:cNvSpPr/>
-          <p:nvPr/>
-        </p:nvSpPr>
-        <p:spPr>
-          <a:xfrm>
-            <a:off x="300038" y="1271588"/>
-            <a:ext cx="3586162" cy="400050"/>
-          </a:xfrm>
-          <a:prstGeom prst="rect">
-            <a:avLst/>
-          </a:prstGeom>
-          <a:solidFill>
-            <a:schemeClr val="accent2"/>
-          </a:solidFill>
-          <a:ln>
-            <a:noFill/>
-          </a:ln>
-        </p:spPr>
-        <p:style>
-          <a:lnRef idx="2">
-            <a:schemeClr val="accent1">
-              <a:shade val="50000"/>
-            </a:schemeClr>
-          </a:lnRef>
-          <a:fillRef idx="1">
-            <a:schemeClr val="accent1"/>
-          </a:fillRef>
-          <a:effectRef idx="0">
-            <a:schemeClr val="accent1"/>
-          </a:effectRef>
-          <a:fontRef idx="minor">
-            <a:schemeClr val="lt1"/>
-          </a:fontRef>
-        </p:style>
-        <p:txBody>
-          <a:bodyPr rtlCol="0" anchor="ctr"/>
-          <a:lstStyle/>
-          <a:p>
-            <a:pPr algn="ctr"/>
-            <a:r>
-              <a:rPr lang="en-US" dirty="0"/>
-              <a:t>Another Popular View</a:t>
-            </a:r>
-          </a:p>
-        </p:txBody>
-      </p:sp>
-    </p:spTree>
-    <p:extLst>
-      <p:ext uri="{BB962C8B-B14F-4D97-AF65-F5344CB8AC3E}">
-        <p14:creationId xmlns:p14="http://schemas.microsoft.com/office/powerpoint/2010/main" val="412927704"/>
-      </p:ext>
-    </p:extLst>
-  </p:cSld>
-  <p:clrMapOvr>
-    <a:masterClrMapping/>
-  </p:clrMapOvr>
-</p:sld>
-</file>
-
-<file path=ppt/slides/slide7.xml><?xml version="1.0" encoding="utf-8"?>
-<p:sld xmlns:a="http://schemas.openxmlformats.org/drawingml/2006/main" xmlns:r="http://schemas.openxmlformats.org/officeDocument/2006/relationships" xmlns:p="http://schemas.openxmlformats.org/presentationml/2006/main">
-  <p:cSld>
-    <p:spTree>
-      <p:nvGrpSpPr>
-        <p:cNvPr id="1" name=""/>
-        <p:cNvGrpSpPr/>
-        <p:nvPr/>
-      </p:nvGrpSpPr>
-      <p:grpSpPr>
-        <a:xfrm>
-          <a:off x="0" y="0"/>
-          <a:ext cx="0" cy="0"/>
-          <a:chOff x="0" y="0"/>
-          <a:chExt cx="0" cy="0"/>
-        </a:xfrm>
-      </p:grpSpPr>
-      <p:sp>
-        <p:nvSpPr>
-          <p:cNvPr id="2" name="Date Placeholder 1"/>
-          <p:cNvSpPr>
-            <a:spLocks noGrp="1"/>
-          </p:cNvSpPr>
-          <p:nvPr>
-            <p:ph type="dt" sz="half" idx="10"/>
-          </p:nvPr>
-        </p:nvSpPr>
-        <p:spPr/>
-        <p:txBody>
-          <a:bodyPr/>
-          <a:lstStyle/>
-          <a:p>
-            <a:fld id="{6700A58B-DD98-43D0-B791-721480A02982}" type="datetime1">
-              <a:rPr lang="en-US" smtClean="0"/>
-              <a:t>9/11/20</a:t>
-            </a:fld>
-            <a:endParaRPr lang="en-US"/>
-          </a:p>
-        </p:txBody>
-      </p:sp>
-      <p:sp>
-        <p:nvSpPr>
-          <p:cNvPr id="3" name="Title 2"/>
-          <p:cNvSpPr>
-            <a:spLocks noGrp="1"/>
-          </p:cNvSpPr>
-          <p:nvPr>
-            <p:ph type="title"/>
-          </p:nvPr>
-        </p:nvSpPr>
-        <p:spPr/>
-        <p:txBody>
-          <a:bodyPr/>
-          <a:lstStyle/>
-          <a:p>
-            <a:r>
-              <a:rPr lang="en-US" dirty="0"/>
-              <a:t>Diagnosing &amp; Defining a data mining project</a:t>
-            </a:r>
-          </a:p>
-        </p:txBody>
-      </p:sp>
-      <p:sp>
-        <p:nvSpPr>
-          <p:cNvPr id="4" name="Slide Number Placeholder 3"/>
-          <p:cNvSpPr>
-            <a:spLocks noGrp="1"/>
-          </p:cNvSpPr>
-          <p:nvPr>
-            <p:ph type="sldNum" sz="quarter" idx="12"/>
-          </p:nvPr>
-        </p:nvSpPr>
-        <p:spPr/>
-        <p:txBody>
-          <a:bodyPr/>
-          <a:lstStyle/>
-          <a:p>
-            <a:fld id="{37290FF7-652B-4475-AEAB-8B1A5D23AE09}" type="slidenum">
-              <a:rPr lang="en-US" smtClean="0"/>
-              <a:t>7</a:t>
-            </a:fld>
-            <a:endParaRPr lang="en-US"/>
-          </a:p>
-        </p:txBody>
-      </p:sp>
-      <p:sp>
-        <p:nvSpPr>
-          <p:cNvPr id="5" name="Footer Placeholder 4"/>
-          <p:cNvSpPr>
-            <a:spLocks noGrp="1"/>
-          </p:cNvSpPr>
-          <p:nvPr>
-            <p:ph type="ftr" sz="quarter" idx="3"/>
-          </p:nvPr>
-        </p:nvSpPr>
-        <p:spPr/>
-        <p:txBody>
-          <a:bodyPr/>
-          <a:lstStyle/>
-          <a:p>
-            <a:r>
-              <a:rPr lang="en-US"/>
-              <a:t>Kwartler CSCI S-96</a:t>
-            </a:r>
-            <a:endParaRPr lang="en-US" dirty="0"/>
-          </a:p>
-        </p:txBody>
-      </p:sp>
-      <p:sp>
-        <p:nvSpPr>
-          <p:cNvPr id="6" name="TextBox 5"/>
-          <p:cNvSpPr txBox="1"/>
-          <p:nvPr/>
-        </p:nvSpPr>
-        <p:spPr>
-          <a:xfrm>
-            <a:off x="352926" y="1395663"/>
-            <a:ext cx="7190430" cy="3970318"/>
-          </a:xfrm>
-          <a:prstGeom prst="rect">
-            <a:avLst/>
-          </a:prstGeom>
-          <a:noFill/>
-        </p:spPr>
-        <p:txBody>
-          <a:bodyPr wrap="none" rtlCol="0">
-            <a:spAutoFit/>
-          </a:bodyPr>
-          <a:lstStyle/>
-          <a:p>
-            <a:r>
-              <a:rPr lang="en-US" sz="3600" u="sng" dirty="0"/>
-              <a:t>Questions to Ask:</a:t>
-            </a:r>
-          </a:p>
-          <a:p>
-            <a:endParaRPr lang="en-US" sz="3600" u="sng" dirty="0"/>
-          </a:p>
-          <a:p>
-            <a:pPr marL="285750" indent="-285750">
-              <a:buFont typeface="Arial" panose="020B0604020202020204" pitchFamily="34" charset="0"/>
-              <a:buChar char="•"/>
-            </a:pPr>
-            <a:r>
-              <a:rPr lang="en-US" sz="2000" dirty="0"/>
-              <a:t>Is this a data mining problem? If so, what data would be helpful?</a:t>
-            </a:r>
-          </a:p>
-          <a:p>
-            <a:pPr marL="285750" indent="-285750">
-              <a:buFont typeface="Arial" panose="020B0604020202020204" pitchFamily="34" charset="0"/>
-              <a:buChar char="•"/>
-            </a:pPr>
-            <a:endParaRPr lang="en-US" sz="2000" dirty="0"/>
-          </a:p>
-          <a:p>
-            <a:pPr marL="285750" indent="-285750">
-              <a:buFont typeface="Arial" panose="020B0604020202020204" pitchFamily="34" charset="0"/>
-              <a:buChar char="•"/>
-            </a:pPr>
-            <a:r>
-              <a:rPr lang="en-US" sz="2000" dirty="0"/>
-              <a:t>What is the current state?</a:t>
-            </a:r>
-          </a:p>
-          <a:p>
-            <a:pPr marL="285750" indent="-285750">
-              <a:buFont typeface="Arial" panose="020B0604020202020204" pitchFamily="34" charset="0"/>
-              <a:buChar char="•"/>
-            </a:pPr>
-            <a:endParaRPr lang="en-US" sz="2000" dirty="0"/>
-          </a:p>
-          <a:p>
-            <a:pPr marL="285750" indent="-285750">
-              <a:buFont typeface="Arial" panose="020B0604020202020204" pitchFamily="34" charset="0"/>
-              <a:buChar char="•"/>
-            </a:pPr>
-            <a:r>
-              <a:rPr lang="en-US" sz="2000" dirty="0"/>
-              <a:t>What are the possible outcomes of the business scenario?  </a:t>
-            </a:r>
-          </a:p>
-          <a:p>
-            <a:pPr marL="285750" indent="-285750">
-              <a:buFont typeface="Arial" panose="020B0604020202020204" pitchFamily="34" charset="0"/>
-              <a:buChar char="•"/>
-            </a:pPr>
-            <a:endParaRPr lang="en-US" sz="2000" dirty="0"/>
-          </a:p>
-          <a:p>
-            <a:pPr marL="285750" indent="-285750">
-              <a:buFont typeface="Arial" panose="020B0604020202020204" pitchFamily="34" charset="0"/>
-              <a:buChar char="•"/>
-            </a:pPr>
-            <a:r>
-              <a:rPr lang="en-US" sz="2000" dirty="0"/>
-              <a:t>How will the outcome of the data mining project be used?</a:t>
-            </a:r>
-          </a:p>
-          <a:p>
-            <a:pPr marL="285750" indent="-285750">
-              <a:buFont typeface="Arial" panose="020B0604020202020204" pitchFamily="34" charset="0"/>
-              <a:buChar char="•"/>
-            </a:pPr>
-            <a:endParaRPr lang="en-US" sz="2000" dirty="0"/>
-          </a:p>
-          <a:p>
-            <a:pPr marL="285750" indent="-285750">
-              <a:buFont typeface="Arial" panose="020B0604020202020204" pitchFamily="34" charset="0"/>
-              <a:buChar char="•"/>
-            </a:pPr>
-            <a:r>
-              <a:rPr lang="en-US" sz="2000" dirty="0"/>
-              <a:t>What is success for this project?</a:t>
-            </a:r>
-          </a:p>
-        </p:txBody>
-      </p:sp>
-    </p:spTree>
-    <p:extLst>
-      <p:ext uri="{BB962C8B-B14F-4D97-AF65-F5344CB8AC3E}">
-        <p14:creationId xmlns:p14="http://schemas.microsoft.com/office/powerpoint/2010/main" val="2540953972"/>
-      </p:ext>
-    </p:extLst>
-  </p:cSld>
-  <p:clrMapOvr>
-    <a:masterClrMapping/>
-  </p:clrMapOvr>
-</p:sld>
-</file>
-
-<file path=ppt/slides/slide8.xml><?xml version="1.0" encoding="utf-8"?>
-<p:sld xmlns:a="http://schemas.openxmlformats.org/drawingml/2006/main" xmlns:r="http://schemas.openxmlformats.org/officeDocument/2006/relationships" xmlns:p="http://schemas.openxmlformats.org/presentationml/2006/main">
-  <p:cSld>
-    <p:spTree>
-      <p:nvGrpSpPr>
-        <p:cNvPr id="1" name=""/>
-        <p:cNvGrpSpPr/>
-        <p:nvPr/>
-      </p:nvGrpSpPr>
-      <p:grpSpPr>
-        <a:xfrm>
-          <a:off x="0" y="0"/>
-          <a:ext cx="0" cy="0"/>
-          <a:chOff x="0" y="0"/>
-          <a:chExt cx="0" cy="0"/>
-        </a:xfrm>
-      </p:grpSpPr>
-      <p:sp>
-        <p:nvSpPr>
-          <p:cNvPr id="2" name="Date Placeholder 1"/>
-          <p:cNvSpPr>
-            <a:spLocks noGrp="1"/>
-          </p:cNvSpPr>
-          <p:nvPr>
-            <p:ph type="dt" sz="half" idx="10"/>
-          </p:nvPr>
-        </p:nvSpPr>
-        <p:spPr/>
-        <p:txBody>
-          <a:bodyPr/>
-          <a:lstStyle/>
-          <a:p>
-            <a:fld id="{6700A58B-DD98-43D0-B791-721480A02982}" type="datetime1">
-              <a:rPr lang="en-US" smtClean="0"/>
-              <a:t>9/11/20</a:t>
-            </a:fld>
-            <a:endParaRPr lang="en-US"/>
-          </a:p>
-        </p:txBody>
-      </p:sp>
-      <p:sp>
-        <p:nvSpPr>
-          <p:cNvPr id="3" name="Title 2"/>
-          <p:cNvSpPr>
-            <a:spLocks noGrp="1"/>
-          </p:cNvSpPr>
-          <p:nvPr>
-            <p:ph type="title"/>
-          </p:nvPr>
-        </p:nvSpPr>
-        <p:spPr/>
-        <p:txBody>
-          <a:bodyPr/>
-          <a:lstStyle/>
-          <a:p>
-            <a:r>
-              <a:rPr lang="en-US" dirty="0"/>
-              <a:t>Pitfalls</a:t>
-            </a:r>
-          </a:p>
-        </p:txBody>
-      </p:sp>
-      <p:sp>
-        <p:nvSpPr>
-          <p:cNvPr id="4" name="Slide Number Placeholder 3"/>
-          <p:cNvSpPr>
-            <a:spLocks noGrp="1"/>
-          </p:cNvSpPr>
-          <p:nvPr>
-            <p:ph type="sldNum" sz="quarter" idx="12"/>
-          </p:nvPr>
-        </p:nvSpPr>
-        <p:spPr/>
-        <p:txBody>
-          <a:bodyPr/>
-          <a:lstStyle/>
-          <a:p>
-            <a:fld id="{37290FF7-652B-4475-AEAB-8B1A5D23AE09}" type="slidenum">
-              <a:rPr lang="en-US" smtClean="0"/>
-              <a:t>8</a:t>
             </a:fld>
             <a:endParaRPr lang="en-US"/>
           </a:p>
@@ -51328,7 +50888,7 @@
 </p:sld>
 </file>
 
-<file path=ppt/slides/slide9.xml><?xml version="1.0" encoding="utf-8"?>
+<file path=ppt/slides/slide7.xml><?xml version="1.0" encoding="utf-8"?>
 <p:sld xmlns:a="http://schemas.openxmlformats.org/drawingml/2006/main" xmlns:r="http://schemas.openxmlformats.org/officeDocument/2006/relationships" xmlns:p="http://schemas.openxmlformats.org/presentationml/2006/main">
   <p:cSld>
     <p:spTree>
@@ -51362,7 +50922,7 @@
           <a:p>
             <a:fld id="{6700A58B-DD98-43D0-B791-721480A02982}" type="datetime1">
               <a:rPr lang="en-US" smtClean="0"/>
-              <a:t>9/11/20</a:t>
+              <a:t>2/1/21</a:t>
             </a:fld>
             <a:endParaRPr lang="en-US"/>
           </a:p>
@@ -51407,7 +50967,7 @@
           <a:p>
             <a:fld id="{37290FF7-652B-4475-AEAB-8B1A5D23AE09}" type="slidenum">
               <a:rPr lang="en-US" smtClean="0"/>
-              <a:t>9</a:t>
+              <a:t>7</a:t>
             </a:fld>
             <a:endParaRPr lang="en-US"/>
           </a:p>
@@ -51637,6 +51197,573 @@
     <p:extLst>
       <p:ext uri="{BB962C8B-B14F-4D97-AF65-F5344CB8AC3E}">
         <p14:creationId xmlns:p14="http://schemas.microsoft.com/office/powerpoint/2010/main" val="2305187420"/>
+      </p:ext>
+    </p:extLst>
+  </p:cSld>
+  <p:clrMapOvr>
+    <a:masterClrMapping/>
+  </p:clrMapOvr>
+</p:sld>
+</file>
+
+<file path=ppt/slides/slide8.xml><?xml version="1.0" encoding="utf-8"?>
+<p:sld xmlns:a="http://schemas.openxmlformats.org/drawingml/2006/main" xmlns:r="http://schemas.openxmlformats.org/officeDocument/2006/relationships" xmlns:p="http://schemas.openxmlformats.org/presentationml/2006/main">
+  <p:cSld>
+    <p:spTree>
+      <p:nvGrpSpPr>
+        <p:cNvPr id="1" name=""/>
+        <p:cNvGrpSpPr/>
+        <p:nvPr/>
+      </p:nvGrpSpPr>
+      <p:grpSpPr>
+        <a:xfrm>
+          <a:off x="0" y="0"/>
+          <a:ext cx="0" cy="0"/>
+          <a:chOff x="0" y="0"/>
+          <a:chExt cx="0" cy="0"/>
+        </a:xfrm>
+      </p:grpSpPr>
+      <p:sp>
+        <p:nvSpPr>
+          <p:cNvPr id="2" name="Date Placeholder 1"/>
+          <p:cNvSpPr>
+            <a:spLocks noGrp="1"/>
+          </p:cNvSpPr>
+          <p:nvPr>
+            <p:ph type="dt" sz="half" idx="10"/>
+          </p:nvPr>
+        </p:nvSpPr>
+        <p:spPr/>
+        <p:txBody>
+          <a:bodyPr/>
+          <a:lstStyle/>
+          <a:p>
+            <a:fld id="{6700A58B-DD98-43D0-B791-721480A02982}" type="datetime1">
+              <a:rPr lang="en-US" smtClean="0"/>
+              <a:t>2/1/21</a:t>
+            </a:fld>
+            <a:endParaRPr lang="en-US"/>
+          </a:p>
+        </p:txBody>
+      </p:sp>
+      <p:sp>
+        <p:nvSpPr>
+          <p:cNvPr id="3" name="Title 2"/>
+          <p:cNvSpPr>
+            <a:spLocks noGrp="1"/>
+          </p:cNvSpPr>
+          <p:nvPr>
+            <p:ph type="title"/>
+          </p:nvPr>
+        </p:nvSpPr>
+        <p:spPr/>
+        <p:txBody>
+          <a:bodyPr/>
+          <a:lstStyle/>
+          <a:p>
+            <a:r>
+              <a:rPr lang="en-US" dirty="0"/>
+              <a:t>Let’s do this for real</a:t>
+            </a:r>
+          </a:p>
+        </p:txBody>
+      </p:sp>
+      <p:sp>
+        <p:nvSpPr>
+          <p:cNvPr id="4" name="Slide Number Placeholder 3"/>
+          <p:cNvSpPr>
+            <a:spLocks noGrp="1"/>
+          </p:cNvSpPr>
+          <p:nvPr>
+            <p:ph type="sldNum" sz="quarter" idx="12"/>
+          </p:nvPr>
+        </p:nvSpPr>
+        <p:spPr/>
+        <p:txBody>
+          <a:bodyPr/>
+          <a:lstStyle/>
+          <a:p>
+            <a:fld id="{37290FF7-652B-4475-AEAB-8B1A5D23AE09}" type="slidenum">
+              <a:rPr lang="en-US" smtClean="0"/>
+              <a:t>8</a:t>
+            </a:fld>
+            <a:endParaRPr lang="en-US"/>
+          </a:p>
+        </p:txBody>
+      </p:sp>
+      <p:sp>
+        <p:nvSpPr>
+          <p:cNvPr id="5" name="Footer Placeholder 4"/>
+          <p:cNvSpPr>
+            <a:spLocks noGrp="1"/>
+          </p:cNvSpPr>
+          <p:nvPr>
+            <p:ph type="ftr" sz="quarter" idx="3"/>
+          </p:nvPr>
+        </p:nvSpPr>
+        <p:spPr/>
+        <p:txBody>
+          <a:bodyPr/>
+          <a:lstStyle/>
+          <a:p>
+            <a:r>
+              <a:rPr lang="en-US"/>
+              <a:t>Kwartler CSCI S-96</a:t>
+            </a:r>
+            <a:endParaRPr lang="en-US" dirty="0"/>
+          </a:p>
+        </p:txBody>
+      </p:sp>
+      <p:pic>
+        <p:nvPicPr>
+          <p:cNvPr id="18434" name="Picture 2" descr="Image result for asshole boss"/>
+          <p:cNvPicPr>
+            <a:picLocks noChangeAspect="1" noChangeArrowheads="1"/>
+          </p:cNvPicPr>
+          <p:nvPr/>
+        </p:nvPicPr>
+        <p:blipFill rotWithShape="1">
+          <a:blip r:embed="rId3">
+            <a:extLst>
+              <a:ext uri="{28A0092B-C50C-407E-A947-70E740481C1C}">
+                <a14:useLocalDpi xmlns:a14="http://schemas.microsoft.com/office/drawing/2010/main" val="0"/>
+              </a:ext>
+            </a:extLst>
+          </a:blip>
+          <a:srcRect l="7226" r="6348"/>
+          <a:stretch/>
+        </p:blipFill>
+        <p:spPr bwMode="auto">
+          <a:xfrm>
+            <a:off x="371363" y="2078194"/>
+            <a:ext cx="3128210" cy="2714626"/>
+          </a:xfrm>
+          <a:prstGeom prst="rect">
+            <a:avLst/>
+          </a:prstGeom>
+          <a:noFill/>
+          <a:extLst>
+            <a:ext uri="{909E8E84-426E-40DD-AFC4-6F175D3DCCD1}">
+              <a14:hiddenFill xmlns:a14="http://schemas.microsoft.com/office/drawing/2010/main">
+                <a:solidFill>
+                  <a:srgbClr val="FFFFFF"/>
+                </a:solidFill>
+              </a14:hiddenFill>
+            </a:ext>
+          </a:extLst>
+        </p:spPr>
+      </p:pic>
+      <p:sp>
+        <p:nvSpPr>
+          <p:cNvPr id="9" name="Oval Callout 8"/>
+          <p:cNvSpPr/>
+          <p:nvPr/>
+        </p:nvSpPr>
+        <p:spPr>
+          <a:xfrm>
+            <a:off x="3176337" y="1090863"/>
+            <a:ext cx="5534526" cy="1235242"/>
+          </a:xfrm>
+          <a:prstGeom prst="wedgeEllipseCallout">
+            <a:avLst>
+              <a:gd name="adj1" fmla="val -58631"/>
+              <a:gd name="adj2" fmla="val 101326"/>
+            </a:avLst>
+          </a:prstGeom>
+          <a:solidFill>
+            <a:schemeClr val="accent4"/>
+          </a:solidFill>
+          <a:ln>
+            <a:noFill/>
+          </a:ln>
+        </p:spPr>
+        <p:style>
+          <a:lnRef idx="2">
+            <a:schemeClr val="accent1">
+              <a:shade val="50000"/>
+            </a:schemeClr>
+          </a:lnRef>
+          <a:fillRef idx="1">
+            <a:schemeClr val="accent1"/>
+          </a:fillRef>
+          <a:effectRef idx="0">
+            <a:schemeClr val="accent1"/>
+          </a:effectRef>
+          <a:fontRef idx="minor">
+            <a:schemeClr val="lt1"/>
+          </a:fontRef>
+        </p:style>
+        <p:txBody>
+          <a:bodyPr rtlCol="0" anchor="ctr"/>
+          <a:lstStyle/>
+          <a:p>
+            <a:pPr algn="ctr"/>
+            <a:r>
+              <a:rPr lang="en-US" dirty="0"/>
+              <a:t>Hey Dale, its me…from </a:t>
+            </a:r>
+            <a:r>
+              <a:rPr lang="en-US" dirty="0" err="1"/>
+              <a:t>OfficeSpace</a:t>
+            </a:r>
+            <a:r>
+              <a:rPr lang="en-US" dirty="0"/>
+              <a:t>.</a:t>
+            </a:r>
+          </a:p>
+          <a:p>
+            <a:pPr algn="ctr"/>
+            <a:r>
+              <a:rPr lang="en-US" dirty="0"/>
+              <a:t>I read in the WSJ that everyone should be using </a:t>
+            </a:r>
+            <a:r>
+              <a:rPr lang="en-US" dirty="0" err="1"/>
+              <a:t>blockchain</a:t>
+            </a:r>
+            <a:r>
+              <a:rPr lang="en-US" dirty="0"/>
+              <a:t>.  Should we?</a:t>
+            </a:r>
+          </a:p>
+        </p:txBody>
+      </p:sp>
+      <p:sp>
+        <p:nvSpPr>
+          <p:cNvPr id="11" name="TextBox 10"/>
+          <p:cNvSpPr txBox="1"/>
+          <p:nvPr/>
+        </p:nvSpPr>
+        <p:spPr>
+          <a:xfrm>
+            <a:off x="371363" y="4892124"/>
+            <a:ext cx="8608863" cy="1200329"/>
+          </a:xfrm>
+          <a:prstGeom prst="rect">
+            <a:avLst/>
+          </a:prstGeom>
+          <a:solidFill>
+            <a:schemeClr val="bg2"/>
+          </a:solidFill>
+        </p:spPr>
+        <p:txBody>
+          <a:bodyPr wrap="square" rtlCol="0">
+            <a:spAutoFit/>
+          </a:bodyPr>
+          <a:lstStyle/>
+          <a:p>
+            <a:r>
+              <a:rPr lang="en-US" dirty="0"/>
+              <a:t>Is this a biz analytics, intel or data mining problem?</a:t>
+            </a:r>
+          </a:p>
+          <a:p>
+            <a:r>
+              <a:rPr lang="en-US" dirty="0"/>
+              <a:t>What is the current state?</a:t>
+            </a:r>
+          </a:p>
+          <a:p>
+            <a:r>
+              <a:rPr lang="en-US" dirty="0"/>
+              <a:t>What are the possible outcomes of the business scenario?  </a:t>
+            </a:r>
+          </a:p>
+          <a:p>
+            <a:r>
+              <a:rPr lang="en-US" dirty="0"/>
+              <a:t>How will the outcome of the data mining project be used?</a:t>
+            </a:r>
+          </a:p>
+        </p:txBody>
+      </p:sp>
+    </p:spTree>
+    <p:extLst>
+      <p:ext uri="{BB962C8B-B14F-4D97-AF65-F5344CB8AC3E}">
+        <p14:creationId xmlns:p14="http://schemas.microsoft.com/office/powerpoint/2010/main" val="2601959964"/>
+      </p:ext>
+    </p:extLst>
+  </p:cSld>
+  <p:clrMapOvr>
+    <a:masterClrMapping/>
+  </p:clrMapOvr>
+</p:sld>
+</file>
+
+<file path=ppt/slides/slide9.xml><?xml version="1.0" encoding="utf-8"?>
+<p:sld xmlns:a="http://schemas.openxmlformats.org/drawingml/2006/main" xmlns:r="http://schemas.openxmlformats.org/officeDocument/2006/relationships" xmlns:p="http://schemas.openxmlformats.org/presentationml/2006/main">
+  <p:cSld>
+    <p:spTree>
+      <p:nvGrpSpPr>
+        <p:cNvPr id="1" name=""/>
+        <p:cNvGrpSpPr/>
+        <p:nvPr/>
+      </p:nvGrpSpPr>
+      <p:grpSpPr>
+        <a:xfrm>
+          <a:off x="0" y="0"/>
+          <a:ext cx="0" cy="0"/>
+          <a:chOff x="0" y="0"/>
+          <a:chExt cx="0" cy="0"/>
+        </a:xfrm>
+      </p:grpSpPr>
+      <p:sp>
+        <p:nvSpPr>
+          <p:cNvPr id="2" name="Date Placeholder 1"/>
+          <p:cNvSpPr>
+            <a:spLocks noGrp="1"/>
+          </p:cNvSpPr>
+          <p:nvPr>
+            <p:ph type="dt" sz="half" idx="10"/>
+          </p:nvPr>
+        </p:nvSpPr>
+        <p:spPr/>
+        <p:txBody>
+          <a:bodyPr/>
+          <a:lstStyle/>
+          <a:p>
+            <a:fld id="{6700A58B-DD98-43D0-B791-721480A02982}" type="datetime1">
+              <a:rPr lang="en-US" smtClean="0"/>
+              <a:t>2/1/21</a:t>
+            </a:fld>
+            <a:endParaRPr lang="en-US"/>
+          </a:p>
+        </p:txBody>
+      </p:sp>
+      <p:sp>
+        <p:nvSpPr>
+          <p:cNvPr id="3" name="Title 2"/>
+          <p:cNvSpPr>
+            <a:spLocks noGrp="1"/>
+          </p:cNvSpPr>
+          <p:nvPr>
+            <p:ph type="title"/>
+          </p:nvPr>
+        </p:nvSpPr>
+        <p:spPr/>
+        <p:txBody>
+          <a:bodyPr/>
+          <a:lstStyle/>
+          <a:p>
+            <a:r>
+              <a:rPr lang="en-US" dirty="0"/>
+              <a:t>Let’s do this for real</a:t>
+            </a:r>
+          </a:p>
+        </p:txBody>
+      </p:sp>
+      <p:sp>
+        <p:nvSpPr>
+          <p:cNvPr id="4" name="Slide Number Placeholder 3"/>
+          <p:cNvSpPr>
+            <a:spLocks noGrp="1"/>
+          </p:cNvSpPr>
+          <p:nvPr>
+            <p:ph type="sldNum" sz="quarter" idx="12"/>
+          </p:nvPr>
+        </p:nvSpPr>
+        <p:spPr/>
+        <p:txBody>
+          <a:bodyPr/>
+          <a:lstStyle/>
+          <a:p>
+            <a:fld id="{37290FF7-652B-4475-AEAB-8B1A5D23AE09}" type="slidenum">
+              <a:rPr lang="en-US" smtClean="0"/>
+              <a:t>9</a:t>
+            </a:fld>
+            <a:endParaRPr lang="en-US"/>
+          </a:p>
+        </p:txBody>
+      </p:sp>
+      <p:sp>
+        <p:nvSpPr>
+          <p:cNvPr id="5" name="Footer Placeholder 4"/>
+          <p:cNvSpPr>
+            <a:spLocks noGrp="1"/>
+          </p:cNvSpPr>
+          <p:nvPr>
+            <p:ph type="ftr" sz="quarter" idx="3"/>
+          </p:nvPr>
+        </p:nvSpPr>
+        <p:spPr/>
+        <p:txBody>
+          <a:bodyPr/>
+          <a:lstStyle/>
+          <a:p>
+            <a:r>
+              <a:rPr lang="en-US"/>
+              <a:t>Kwartler CSCI S-96</a:t>
+            </a:r>
+            <a:endParaRPr lang="en-US" dirty="0"/>
+          </a:p>
+        </p:txBody>
+      </p:sp>
+      <p:pic>
+        <p:nvPicPr>
+          <p:cNvPr id="2052" name="Picture 4" descr="Woman in funny business concept on white, Stock Photo, Picture And Rights  Managed Image. Pic. ZON-7956560 | agefotostock">
+            <a:extLst>
+              <a:ext uri="{FF2B5EF4-FFF2-40B4-BE49-F238E27FC236}">
+                <a16:creationId xmlns:a16="http://schemas.microsoft.com/office/drawing/2014/main" id="{DB0C1DDD-768B-794B-8860-DF13E67AABD1}"/>
+              </a:ext>
+            </a:extLst>
+          </p:cNvPr>
+          <p:cNvPicPr>
+            <a:picLocks noChangeAspect="1" noChangeArrowheads="1"/>
+          </p:cNvPicPr>
+          <p:nvPr/>
+        </p:nvPicPr>
+        <p:blipFill>
+          <a:blip r:embed="rId3">
+            <a:extLst>
+              <a:ext uri="{28A0092B-C50C-407E-A947-70E740481C1C}">
+                <a14:useLocalDpi xmlns:a14="http://schemas.microsoft.com/office/drawing/2010/main" val="0"/>
+              </a:ext>
+            </a:extLst>
+          </a:blip>
+          <a:srcRect/>
+          <a:stretch>
+            <a:fillRect/>
+          </a:stretch>
+        </p:blipFill>
+        <p:spPr bwMode="auto">
+          <a:xfrm>
+            <a:off x="147918" y="1720023"/>
+            <a:ext cx="4491318" cy="2971600"/>
+          </a:xfrm>
+          <a:prstGeom prst="rect">
+            <a:avLst/>
+          </a:prstGeom>
+          <a:noFill/>
+          <a:extLst>
+            <a:ext uri="{909E8E84-426E-40DD-AFC4-6F175D3DCCD1}">
+              <a14:hiddenFill xmlns:a14="http://schemas.microsoft.com/office/drawing/2010/main">
+                <a:solidFill>
+                  <a:srgbClr val="FFFFFF"/>
+                </a:solidFill>
+              </a14:hiddenFill>
+            </a:ext>
+          </a:extLst>
+        </p:spPr>
+      </p:pic>
+      <p:sp>
+        <p:nvSpPr>
+          <p:cNvPr id="11" name="Oval Callout 10"/>
+          <p:cNvSpPr/>
+          <p:nvPr/>
+        </p:nvSpPr>
+        <p:spPr>
+          <a:xfrm>
+            <a:off x="4020671" y="1090863"/>
+            <a:ext cx="5027794" cy="1734224"/>
+          </a:xfrm>
+          <a:prstGeom prst="wedgeEllipseCallout">
+            <a:avLst>
+              <a:gd name="adj1" fmla="val -58873"/>
+              <a:gd name="adj2" fmla="val 49384"/>
+            </a:avLst>
+          </a:prstGeom>
+          <a:solidFill>
+            <a:schemeClr val="accent4"/>
+          </a:solidFill>
+          <a:ln>
+            <a:noFill/>
+          </a:ln>
+        </p:spPr>
+        <p:style>
+          <a:lnRef idx="2">
+            <a:schemeClr val="accent1">
+              <a:shade val="50000"/>
+            </a:schemeClr>
+          </a:lnRef>
+          <a:fillRef idx="1">
+            <a:schemeClr val="accent1"/>
+          </a:fillRef>
+          <a:effectRef idx="0">
+            <a:schemeClr val="accent1"/>
+          </a:effectRef>
+          <a:fontRef idx="minor">
+            <a:schemeClr val="lt1"/>
+          </a:fontRef>
+        </p:style>
+        <p:txBody>
+          <a:bodyPr rtlCol="0" anchor="ctr"/>
+          <a:lstStyle/>
+          <a:p>
+            <a:pPr algn="ctr"/>
+            <a:r>
+              <a:rPr lang="en-US" sz="1600" dirty="0"/>
+              <a:t>Your </a:t>
+            </a:r>
+            <a:r>
+              <a:rPr lang="en-US" sz="1600" dirty="0" err="1"/>
+              <a:t>Daleness</a:t>
+            </a:r>
+            <a:r>
+              <a:rPr lang="en-US" sz="1600" dirty="0"/>
+              <a:t>, I work in marketing (and apparently hate phones).  I want to do a mailing to prospective corndog eaters.  Can you identify how many postcards we should send &amp; ROI?</a:t>
+            </a:r>
+          </a:p>
+        </p:txBody>
+      </p:sp>
+      <p:sp>
+        <p:nvSpPr>
+          <p:cNvPr id="9" name="TextBox 8">
+            <a:extLst>
+              <a:ext uri="{FF2B5EF4-FFF2-40B4-BE49-F238E27FC236}">
+                <a16:creationId xmlns:a16="http://schemas.microsoft.com/office/drawing/2014/main" id="{7E7D2CE4-ECE7-CB4A-856D-F4AB0E8E96D4}"/>
+              </a:ext>
+            </a:extLst>
+          </p:cNvPr>
+          <p:cNvSpPr txBox="1"/>
+          <p:nvPr/>
+        </p:nvSpPr>
+        <p:spPr>
+          <a:xfrm>
+            <a:off x="341523" y="4892124"/>
+            <a:ext cx="8638703" cy="1200329"/>
+          </a:xfrm>
+          <a:prstGeom prst="rect">
+            <a:avLst/>
+          </a:prstGeom>
+          <a:solidFill>
+            <a:schemeClr val="bg2"/>
+          </a:solidFill>
+        </p:spPr>
+        <p:txBody>
+          <a:bodyPr wrap="square" rtlCol="0">
+            <a:spAutoFit/>
+          </a:bodyPr>
+          <a:lstStyle/>
+          <a:p>
+            <a:r>
+              <a:rPr lang="en-US" dirty="0"/>
+              <a:t>Is this a biz analytics, intel or data mining problem?</a:t>
+            </a:r>
+          </a:p>
+          <a:p>
+            <a:r>
+              <a:rPr lang="en-US" dirty="0"/>
+              <a:t>What is the current state?</a:t>
+            </a:r>
+          </a:p>
+          <a:p>
+            <a:r>
+              <a:rPr lang="en-US" dirty="0"/>
+              <a:t>What are the possible outcomes of the business scenario?  </a:t>
+            </a:r>
+          </a:p>
+          <a:p>
+            <a:r>
+              <a:rPr lang="en-US" dirty="0"/>
+              <a:t>How will the outcome of the data mining project be used?</a:t>
+            </a:r>
+          </a:p>
+        </p:txBody>
+      </p:sp>
+    </p:spTree>
+    <p:extLst>
+      <p:ext uri="{BB962C8B-B14F-4D97-AF65-F5344CB8AC3E}">
+        <p14:creationId xmlns:p14="http://schemas.microsoft.com/office/powerpoint/2010/main" val="4135124502"/>
       </p:ext>
     </p:extLst>
   </p:cSld>
